--- a/eece2160/f16/lectures/eece.2160f16_lec32_dyn_struct_p2.pptx
+++ b/eece2160/f16/lectures/eece.2160f16_lec32_dyn_struct_p2.pptx
@@ -5,10 +5,10 @@
     <p:sldMasterId id="2147483792" r:id="rId1"/>
   </p:sldMasterIdLst>
   <p:notesMasterIdLst>
-    <p:notesMasterId r:id="rId20"/>
+    <p:notesMasterId r:id="rId13"/>
   </p:notesMasterIdLst>
   <p:handoutMasterIdLst>
-    <p:handoutMasterId r:id="rId21"/>
+    <p:handoutMasterId r:id="rId14"/>
   </p:handoutMasterIdLst>
   <p:sldIdLst>
     <p:sldId id="256" r:id="rId2"/>
@@ -20,15 +20,8 @@
     <p:sldId id="493" r:id="rId8"/>
     <p:sldId id="494" r:id="rId9"/>
     <p:sldId id="495" r:id="rId10"/>
-    <p:sldId id="496" r:id="rId11"/>
-    <p:sldId id="497" r:id="rId12"/>
-    <p:sldId id="498" r:id="rId13"/>
-    <p:sldId id="499" r:id="rId14"/>
-    <p:sldId id="500" r:id="rId15"/>
-    <p:sldId id="501" r:id="rId16"/>
-    <p:sldId id="502" r:id="rId17"/>
-    <p:sldId id="503" r:id="rId18"/>
-    <p:sldId id="324" r:id="rId19"/>
+    <p:sldId id="503" r:id="rId11"/>
+    <p:sldId id="324" r:id="rId12"/>
   </p:sldIdLst>
   <p:sldSz cx="9144000" cy="6858000" type="screen4x3"/>
   <p:notesSz cx="9144000" cy="6858000"/>
@@ -1333,7 +1326,7 @@
           <a:p>
             <a:fld id="{803E6807-3482-9641-ACCE-42714A461FC9}" type="datetime1">
               <a:rPr lang="en-US" smtClean="0"/>
-              <a:t>11/30/16</a:t>
+              <a:t>12/2/16</a:t>
             </a:fld>
             <a:endParaRPr lang="en-US"/>
           </a:p>
@@ -1530,7 +1523,7 @@
           <a:p>
             <a:fld id="{64B93B05-635B-7548-A822-C0ED672E7869}" type="datetime1">
               <a:rPr lang="en-US" smtClean="0"/>
-              <a:t>11/30/16</a:t>
+              <a:t>12/2/16</a:t>
             </a:fld>
             <a:endParaRPr lang="en-US"/>
           </a:p>
@@ -1736,7 +1729,7 @@
           <a:p>
             <a:fld id="{1CB9E2DC-FDE3-FE49-A2BB-159F7FAD794A}" type="datetime1">
               <a:rPr lang="en-US" smtClean="0"/>
-              <a:t>11/30/16</a:t>
+              <a:t>12/2/16</a:t>
             </a:fld>
             <a:endParaRPr lang="en-US"/>
           </a:p>
@@ -1999,7 +1992,7 @@
           <a:p>
             <a:fld id="{BE316E4D-265A-7C47-B6FE-47032480A507}" type="datetime1">
               <a:rPr lang="en-US" smtClean="0"/>
-              <a:t>11/30/16</a:t>
+              <a:t>12/2/16</a:t>
             </a:fld>
             <a:endParaRPr lang="en-US"/>
           </a:p>
@@ -2262,7 +2255,7 @@
           <a:p>
             <a:fld id="{F82EE51A-A61A-F24E-8719-E876AB8963F2}" type="datetime1">
               <a:rPr lang="en-US" smtClean="0"/>
-              <a:t>11/30/16</a:t>
+              <a:t>12/2/16</a:t>
             </a:fld>
             <a:endParaRPr lang="en-US"/>
           </a:p>
@@ -2458,7 +2451,7 @@
           <a:p>
             <a:fld id="{6B5811C8-93D1-9F4C-8F77-2776737445D5}" type="datetime1">
               <a:rPr lang="en-US" smtClean="0"/>
-              <a:t>11/30/16</a:t>
+              <a:t>12/2/16</a:t>
             </a:fld>
             <a:endParaRPr lang="en-US"/>
           </a:p>
@@ -2676,7 +2669,7 @@
           <a:p>
             <a:fld id="{5DC24D2F-9E72-F44C-A5A8-F26BAF3D79C3}" type="datetime1">
               <a:rPr lang="en-US" smtClean="0"/>
-              <a:t>11/30/16</a:t>
+              <a:t>12/2/16</a:t>
             </a:fld>
             <a:endParaRPr lang="en-US"/>
           </a:p>
@@ -2990,7 +2983,7 @@
           <a:p>
             <a:fld id="{90050F53-32BC-F94C-A9B6-BAD2978C70FE}" type="datetime1">
               <a:rPr lang="en-US" smtClean="0"/>
-              <a:t>11/30/16</a:t>
+              <a:t>12/2/16</a:t>
             </a:fld>
             <a:endParaRPr lang="en-US"/>
           </a:p>
@@ -3443,7 +3436,7 @@
           <a:p>
             <a:fld id="{5EB03930-3406-A14C-9755-B26A66521155}" type="datetime1">
               <a:rPr lang="en-US" smtClean="0"/>
-              <a:t>11/30/16</a:t>
+              <a:t>12/2/16</a:t>
             </a:fld>
             <a:endParaRPr lang="en-US"/>
           </a:p>
@@ -3587,7 +3580,7 @@
           <a:p>
             <a:fld id="{099FB0BF-38B5-2A4F-BBF2-CF3B780E4DE6}" type="datetime1">
               <a:rPr lang="en-US" smtClean="0"/>
-              <a:t>11/30/16</a:t>
+              <a:t>12/2/16</a:t>
             </a:fld>
             <a:endParaRPr lang="en-US"/>
           </a:p>
@@ -3708,7 +3701,7 @@
           <a:p>
             <a:fld id="{F5EABD6A-712F-4B49-B10E-7AF042809795}" type="datetime1">
               <a:rPr lang="en-US" smtClean="0"/>
-              <a:t>11/30/16</a:t>
+              <a:t>12/2/16</a:t>
             </a:fld>
             <a:endParaRPr lang="en-US"/>
           </a:p>
@@ -4011,7 +4004,7 @@
           <a:p>
             <a:fld id="{756FEE85-084A-1F48-BB28-E75B48B9AFB7}" type="datetime1">
               <a:rPr lang="en-US" smtClean="0"/>
-              <a:t>11/30/16</a:t>
+              <a:t>12/2/16</a:t>
             </a:fld>
             <a:endParaRPr lang="en-US"/>
           </a:p>
@@ -4291,7 +4284,7 @@
           <a:p>
             <a:fld id="{04850506-735B-264B-B6D3-5DA58102153E}" type="datetime1">
               <a:rPr lang="en-US" smtClean="0"/>
-              <a:t>11/30/16</a:t>
+              <a:t>12/2/16</a:t>
             </a:fld>
             <a:endParaRPr lang="en-US"/>
           </a:p>
@@ -4590,7 +4583,7 @@
           <a:p>
             <a:fld id="{A08CFE16-BCBE-6A45-B820-5A5C24D0F216}" type="datetime1">
               <a:rPr lang="en-US" smtClean="0"/>
-              <a:t>11/30/16</a:t>
+              <a:t>12/2/16</a:t>
             </a:fld>
             <a:endParaRPr lang="en-US"/>
           </a:p>
@@ -5473,13 +5466,7 @@
               <a:rPr lang="en-US" dirty="0" smtClean="0">
                 <a:latin typeface="Arial" charset="0"/>
               </a:rPr>
-              <a:t>Dynamically allocated data </a:t>
-            </a:r>
-            <a:r>
-              <a:rPr lang="en-US" dirty="0" smtClean="0">
-                <a:latin typeface="Arial" charset="0"/>
-              </a:rPr>
-              <a:t>structures:</a:t>
+              <a:t>Dynamically allocated data structures:</a:t>
             </a:r>
           </a:p>
           <a:p>
@@ -5494,7 +5481,13 @@
               <a:rPr lang="en-US" dirty="0" smtClean="0">
                 <a:latin typeface="Arial" charset="0"/>
               </a:rPr>
-              <a:t>Linked lists: searching, deleting, keeping in order</a:t>
+              <a:t>Linked lists: </a:t>
+            </a:r>
+            <a:r>
+              <a:rPr lang="en-US" dirty="0" smtClean="0">
+                <a:latin typeface="Arial" charset="0"/>
+              </a:rPr>
+              <a:t>searching</a:t>
             </a:r>
             <a:endParaRPr lang="en-US" dirty="0">
               <a:latin typeface="Arial" charset="0"/>
@@ -5550,10 +5543,22 @@
           <a:lstStyle/>
           <a:p>
             <a:r>
-              <a:rPr lang="en-US">
+              <a:rPr lang="en-US" dirty="0">
                 <a:latin typeface="Garamond" charset="0"/>
               </a:rPr>
-              <a:t>Deleting item from list (continued)</a:t>
+              <a:t>Program 9</a:t>
+            </a:r>
+            <a:r>
+              <a:rPr lang="en-US" dirty="0" smtClean="0">
+                <a:latin typeface="Garamond" charset="0"/>
+              </a:rPr>
+              <a:t> </a:t>
+            </a:r>
+            <a:r>
+              <a:rPr lang="en-US" dirty="0">
+                <a:latin typeface="Garamond" charset="0"/>
+              </a:rPr>
+              <a:t>notes</a:t>
             </a:r>
           </a:p>
         </p:txBody>
@@ -5568,1376 +5573,205 @@
             <p:ph idx="1"/>
           </p:nvPr>
         </p:nvSpPr>
-        <p:spPr>
-          <a:extLst/>
-        </p:spPr>
+        <p:spPr/>
         <p:txBody>
           <a:bodyPr>
-            <a:normAutofit fontScale="77500" lnSpcReduction="20000"/>
+            <a:normAutofit fontScale="85000" lnSpcReduction="20000"/>
           </a:bodyPr>
           <a:lstStyle/>
           <a:p>
-            <a:pPr marL="514350" indent="-514350">
-              <a:buFont typeface="+mj-lt"/>
-              <a:buAutoNum type="arabicPeriod" startAt="3"/>
+            <a:pPr>
+              <a:buFont typeface="Wingdings" pitchFamily="2" charset="2"/>
+              <a:buChar char="n"/>
               <a:defRPr/>
             </a:pPr>
+            <a:r>
+              <a:rPr lang="en-US" dirty="0" err="1" smtClean="0">
+                <a:ea typeface="+mn-ea"/>
+              </a:rPr>
+              <a:t>DLList</a:t>
+            </a:r>
             <a:r>
               <a:rPr lang="en-US" dirty="0" smtClean="0">
                 <a:ea typeface="+mn-ea"/>
               </a:rPr>
-              <a:t>Case 1: Data wasn’t found </a:t>
+              <a:t> structure: pointers to first and last nodes</a:t>
+            </a:r>
+          </a:p>
+          <a:p>
+            <a:pPr lvl="1">
+              <a:buFont typeface="Wingdings" pitchFamily="2" charset="2"/>
+              <a:buChar char="q"/>
+              <a:defRPr/>
+            </a:pPr>
+            <a:r>
+              <a:rPr lang="en-US" dirty="0" smtClean="0"/>
+              <a:t>Main program starts with </a:t>
+            </a:r>
+            <a:r>
+              <a:rPr lang="en-US" dirty="0" err="1" smtClean="0"/>
+              <a:t>DLList</a:t>
+            </a:r>
+            <a:r>
+              <a:rPr lang="en-US" dirty="0" smtClean="0"/>
+              <a:t> structure in which both pointers are NULL</a:t>
+            </a:r>
+          </a:p>
+          <a:p>
+            <a:pPr>
+              <a:buFont typeface="Wingdings" pitchFamily="2" charset="2"/>
+              <a:buChar char="n"/>
+              <a:defRPr/>
+            </a:pPr>
+            <a:r>
+              <a:rPr lang="en-US" dirty="0" smtClean="0">
+                <a:ea typeface="+mn-ea"/>
+              </a:rPr>
+              <a:t>DLL </a:t>
             </a:r>
             <a:r>
               <a:rPr lang="en-US" dirty="0" smtClean="0">
                 <a:ea typeface="+mn-ea"/>
                 <a:sym typeface="Wingdings" panose="05000000000000000000" pitchFamily="2" charset="2"/>
               </a:rPr>
-              <a:t> </a:t>
-            </a:r>
+              <a:t> more pointers to change</a:t>
+            </a:r>
+          </a:p>
+          <a:p>
+            <a:pPr lvl="1">
+              <a:buFont typeface="Wingdings" pitchFamily="2" charset="2"/>
+              <a:buChar char="q"/>
+              <a:defRPr/>
+            </a:pPr>
             <a:r>
               <a:rPr lang="en-US" dirty="0" smtClean="0">
-                <a:ea typeface="+mn-ea"/>
-              </a:rPr>
-              <a:t>return unchanged list</a:t>
-            </a:r>
-          </a:p>
-          <a:p>
-            <a:pPr marL="344487" lvl="1" indent="0">
+                <a:sym typeface="Wingdings" panose="05000000000000000000" pitchFamily="2" charset="2"/>
+              </a:rPr>
+              <a:t>Adding to list</a:t>
+            </a:r>
+          </a:p>
+          <a:p>
+            <a:pPr lvl="2">
               <a:buFont typeface="Wingdings" pitchFamily="2" charset="2"/>
-              <a:buNone/>
+              <a:buChar char="n"/>
               <a:defRPr/>
             </a:pPr>
             <a:r>
-              <a:rPr lang="en-US" sz="2800" b="1" dirty="0" smtClean="0">
-                <a:solidFill>
-                  <a:srgbClr val="0000FF"/>
-                </a:solidFill>
-                <a:highlight>
-                  <a:srgbClr val="FFFFFF"/>
-                </a:highlight>
-                <a:latin typeface="Courier New" panose="02070309020205020404" pitchFamily="49" charset="0"/>
-                <a:cs typeface="Courier New" panose="02070309020205020404" pitchFamily="49" charset="0"/>
-              </a:rPr>
-              <a:t>if</a:t>
-            </a:r>
-            <a:r>
-              <a:rPr lang="en-US" sz="2800" b="1" dirty="0">
-                <a:solidFill>
-                  <a:srgbClr val="000000"/>
-                </a:solidFill>
-                <a:highlight>
-                  <a:srgbClr val="FFFFFF"/>
-                </a:highlight>
-                <a:latin typeface="Courier New" panose="02070309020205020404" pitchFamily="49" charset="0"/>
-                <a:cs typeface="Courier New" panose="02070309020205020404" pitchFamily="49" charset="0"/>
-              </a:rPr>
-              <a:t> (cur == </a:t>
-            </a:r>
-            <a:r>
-              <a:rPr lang="en-US" sz="2800" b="1" dirty="0" smtClean="0">
-                <a:solidFill>
-                  <a:srgbClr val="6F008A"/>
-                </a:solidFill>
-                <a:highlight>
-                  <a:srgbClr val="FFFFFF"/>
-                </a:highlight>
-                <a:latin typeface="Courier New" panose="02070309020205020404" pitchFamily="49" charset="0"/>
-                <a:cs typeface="Courier New" panose="02070309020205020404" pitchFamily="49" charset="0"/>
-              </a:rPr>
-              <a:t>NULL</a:t>
-            </a:r>
-            <a:r>
-              <a:rPr lang="en-US" sz="2800" b="1" dirty="0" smtClean="0">
-                <a:solidFill>
-                  <a:srgbClr val="000000"/>
-                </a:solidFill>
-                <a:highlight>
-                  <a:srgbClr val="FFFFFF"/>
-                </a:highlight>
-                <a:latin typeface="Courier New" panose="02070309020205020404" pitchFamily="49" charset="0"/>
-                <a:cs typeface="Courier New" panose="02070309020205020404" pitchFamily="49" charset="0"/>
-              </a:rPr>
-              <a:t>) </a:t>
-            </a:r>
-            <a:r>
-              <a:rPr lang="en-US" sz="2800" b="1" dirty="0" smtClean="0">
-                <a:solidFill>
-                  <a:srgbClr val="0000FF"/>
-                </a:solidFill>
-                <a:highlight>
-                  <a:srgbClr val="FFFFFF"/>
-                </a:highlight>
-                <a:latin typeface="Courier New" panose="02070309020205020404" pitchFamily="49" charset="0"/>
-                <a:cs typeface="Courier New" panose="02070309020205020404" pitchFamily="49" charset="0"/>
-              </a:rPr>
-              <a:t>return</a:t>
-            </a:r>
-            <a:r>
-              <a:rPr lang="en-US" sz="2800" b="1" dirty="0" smtClean="0">
-                <a:solidFill>
-                  <a:srgbClr val="000000"/>
-                </a:solidFill>
-                <a:highlight>
-                  <a:srgbClr val="FFFFFF"/>
-                </a:highlight>
-                <a:latin typeface="Courier New" panose="02070309020205020404" pitchFamily="49" charset="0"/>
-                <a:cs typeface="Courier New" panose="02070309020205020404" pitchFamily="49" charset="0"/>
-              </a:rPr>
-              <a:t> </a:t>
-            </a:r>
-            <a:r>
-              <a:rPr lang="en-US" sz="2800" b="1" dirty="0" smtClean="0">
-                <a:solidFill>
-                  <a:srgbClr val="808080"/>
-                </a:solidFill>
-                <a:highlight>
-                  <a:srgbClr val="FFFFFF"/>
-                </a:highlight>
-                <a:latin typeface="Courier New" panose="02070309020205020404" pitchFamily="49" charset="0"/>
-                <a:cs typeface="Courier New" panose="02070309020205020404" pitchFamily="49" charset="0"/>
-              </a:rPr>
-              <a:t>list</a:t>
-            </a:r>
-            <a:r>
-              <a:rPr lang="en-US" sz="2800" b="1" dirty="0" smtClean="0">
-                <a:solidFill>
-                  <a:srgbClr val="000000"/>
-                </a:solidFill>
-                <a:highlight>
-                  <a:srgbClr val="FFFFFF"/>
-                </a:highlight>
-                <a:latin typeface="Courier New" panose="02070309020205020404" pitchFamily="49" charset="0"/>
-                <a:cs typeface="Courier New" panose="02070309020205020404" pitchFamily="49" charset="0"/>
-              </a:rPr>
-              <a:t>;</a:t>
-            </a:r>
-          </a:p>
-          <a:p>
-            <a:pPr marL="0" indent="0">
+              <a:rPr lang="en-US" dirty="0" smtClean="0">
+                <a:sym typeface="Wingdings" panose="05000000000000000000" pitchFamily="2" charset="2"/>
+              </a:rPr>
+              <a:t>Must dynamically allocate space for string to add it</a:t>
+            </a:r>
+          </a:p>
+          <a:p>
+            <a:pPr lvl="2">
               <a:buFont typeface="Wingdings" pitchFamily="2" charset="2"/>
-              <a:buNone/>
+              <a:buChar char="n"/>
               <a:defRPr/>
             </a:pPr>
-            <a:endParaRPr lang="en-US" dirty="0" smtClean="0">
-              <a:ea typeface="+mn-ea"/>
-            </a:endParaRPr>
-          </a:p>
-          <a:p>
-            <a:pPr marL="514350" indent="-514350">
-              <a:buFont typeface="+mj-lt"/>
-              <a:buAutoNum type="arabicPeriod" startAt="3"/>
+            <a:r>
+              <a:rPr lang="en-US" dirty="0" smtClean="0">
+                <a:sym typeface="Wingdings" panose="05000000000000000000" pitchFamily="2" charset="2"/>
+              </a:rPr>
+              <a:t>Make sure that </a:t>
+            </a:r>
+            <a:r>
+              <a:rPr lang="en-US" dirty="0" err="1" smtClean="0">
+                <a:sym typeface="Wingdings" panose="05000000000000000000" pitchFamily="2" charset="2"/>
+              </a:rPr>
+              <a:t>prev</a:t>
+            </a:r>
+            <a:r>
+              <a:rPr lang="en-US" dirty="0" smtClean="0">
+                <a:sym typeface="Wingdings" panose="05000000000000000000" pitchFamily="2" charset="2"/>
+              </a:rPr>
+              <a:t> &amp; next pointers are set in all appropriate nodes</a:t>
+            </a:r>
+          </a:p>
+          <a:p>
+            <a:pPr lvl="3">
+              <a:buFont typeface="Wingdings" pitchFamily="2" charset="2"/>
+              <a:buChar char="q"/>
               <a:defRPr/>
             </a:pPr>
             <a:r>
               <a:rPr lang="en-US" dirty="0" smtClean="0">
-                <a:ea typeface="+mn-ea"/>
-              </a:rPr>
-              <a:t>Case 2a: Data was found in first node </a:t>
-            </a:r>
-            <a:r>
-              <a:rPr lang="en-US" dirty="0" smtClean="0">
-                <a:ea typeface="+mn-ea"/>
                 <a:sym typeface="Wingdings" panose="05000000000000000000" pitchFamily="2" charset="2"/>
               </a:rPr>
-              <a:t> beginning of list will be current 2</a:t>
-            </a:r>
-            <a:r>
-              <a:rPr lang="en-US" baseline="30000" dirty="0" smtClean="0">
-                <a:ea typeface="+mn-ea"/>
-                <a:sym typeface="Wingdings" panose="05000000000000000000" pitchFamily="2" charset="2"/>
-              </a:rPr>
-              <a:t>nd</a:t>
-            </a:r>
-            <a:r>
-              <a:rPr lang="en-US" dirty="0" smtClean="0">
-                <a:ea typeface="+mn-ea"/>
-                <a:sym typeface="Wingdings" panose="05000000000000000000" pitchFamily="2" charset="2"/>
-              </a:rPr>
-              <a:t> node</a:t>
-            </a:r>
-          </a:p>
-          <a:p>
-            <a:pPr marL="344487" lvl="1" indent="0">
+              <a:t>New node, previous node, next node</a:t>
+            </a:r>
+          </a:p>
+          <a:p>
+            <a:pPr lvl="2">
               <a:buFont typeface="Wingdings" pitchFamily="2" charset="2"/>
-              <a:buNone/>
+              <a:buChar char="n"/>
               <a:defRPr/>
             </a:pPr>
             <a:r>
-              <a:rPr lang="en-US" sz="2800" b="1" dirty="0" smtClean="0">
-                <a:solidFill>
-                  <a:srgbClr val="0000FF"/>
-                </a:solidFill>
-                <a:highlight>
-                  <a:srgbClr val="FFFFFF"/>
-                </a:highlight>
-                <a:latin typeface="Courier New" panose="02070309020205020404" pitchFamily="49" charset="0"/>
-                <a:cs typeface="Courier New" panose="02070309020205020404" pitchFamily="49" charset="0"/>
-              </a:rPr>
-              <a:t>if</a:t>
-            </a:r>
-            <a:r>
-              <a:rPr lang="en-US" sz="2800" b="1" dirty="0">
-                <a:solidFill>
-                  <a:srgbClr val="000000"/>
-                </a:solidFill>
-                <a:highlight>
-                  <a:srgbClr val="FFFFFF"/>
-                </a:highlight>
-                <a:latin typeface="Courier New" panose="02070309020205020404" pitchFamily="49" charset="0"/>
-                <a:cs typeface="Courier New" panose="02070309020205020404" pitchFamily="49" charset="0"/>
-              </a:rPr>
-              <a:t> (</a:t>
-            </a:r>
-            <a:r>
-              <a:rPr lang="en-US" sz="2800" b="1" dirty="0" err="1">
-                <a:solidFill>
-                  <a:srgbClr val="000000"/>
-                </a:solidFill>
-                <a:highlight>
-                  <a:srgbClr val="FFFFFF"/>
-                </a:highlight>
-                <a:latin typeface="Courier New" panose="02070309020205020404" pitchFamily="49" charset="0"/>
-                <a:cs typeface="Courier New" panose="02070309020205020404" pitchFamily="49" charset="0"/>
-              </a:rPr>
-              <a:t>prev</a:t>
-            </a:r>
-            <a:r>
-              <a:rPr lang="en-US" sz="2800" b="1" dirty="0">
-                <a:solidFill>
-                  <a:srgbClr val="000000"/>
-                </a:solidFill>
-                <a:highlight>
-                  <a:srgbClr val="FFFFFF"/>
-                </a:highlight>
-                <a:latin typeface="Courier New" panose="02070309020205020404" pitchFamily="49" charset="0"/>
-                <a:cs typeface="Courier New" panose="02070309020205020404" pitchFamily="49" charset="0"/>
-              </a:rPr>
-              <a:t> == </a:t>
-            </a:r>
-            <a:r>
-              <a:rPr lang="en-US" sz="2800" b="1" dirty="0" smtClean="0">
-                <a:solidFill>
-                  <a:srgbClr val="6F008A"/>
-                </a:solidFill>
-                <a:highlight>
-                  <a:srgbClr val="FFFFFF"/>
-                </a:highlight>
-                <a:latin typeface="Courier New" panose="02070309020205020404" pitchFamily="49" charset="0"/>
-                <a:cs typeface="Courier New" panose="02070309020205020404" pitchFamily="49" charset="0"/>
-              </a:rPr>
-              <a:t>NULL</a:t>
-            </a:r>
-            <a:r>
-              <a:rPr lang="en-US" sz="2800" b="1" dirty="0" smtClean="0">
-                <a:solidFill>
-                  <a:srgbClr val="000000"/>
-                </a:solidFill>
-                <a:highlight>
-                  <a:srgbClr val="FFFFFF"/>
-                </a:highlight>
-                <a:latin typeface="Courier New" panose="02070309020205020404" pitchFamily="49" charset="0"/>
-                <a:cs typeface="Courier New" panose="02070309020205020404" pitchFamily="49" charset="0"/>
-              </a:rPr>
-              <a:t>) </a:t>
-            </a:r>
-            <a:r>
-              <a:rPr lang="en-US" sz="2800" b="1" dirty="0" smtClean="0">
-                <a:solidFill>
-                  <a:srgbClr val="808080"/>
-                </a:solidFill>
-                <a:highlight>
-                  <a:srgbClr val="FFFFFF"/>
-                </a:highlight>
-                <a:latin typeface="Courier New" panose="02070309020205020404" pitchFamily="49" charset="0"/>
-                <a:cs typeface="Courier New" panose="02070309020205020404" pitchFamily="49" charset="0"/>
-              </a:rPr>
-              <a:t>list</a:t>
-            </a:r>
-            <a:r>
-              <a:rPr lang="en-US" sz="2800" b="1" dirty="0" smtClean="0">
-                <a:solidFill>
-                  <a:srgbClr val="000000"/>
-                </a:solidFill>
-                <a:highlight>
-                  <a:srgbClr val="FFFFFF"/>
-                </a:highlight>
-                <a:latin typeface="Courier New" panose="02070309020205020404" pitchFamily="49" charset="0"/>
-                <a:cs typeface="Courier New" panose="02070309020205020404" pitchFamily="49" charset="0"/>
-              </a:rPr>
-              <a:t> </a:t>
-            </a:r>
-            <a:r>
-              <a:rPr lang="en-US" sz="2800" b="1" dirty="0">
-                <a:solidFill>
-                  <a:srgbClr val="000000"/>
-                </a:solidFill>
-                <a:highlight>
-                  <a:srgbClr val="FFFFFF"/>
-                </a:highlight>
-                <a:latin typeface="Courier New" panose="02070309020205020404" pitchFamily="49" charset="0"/>
-                <a:cs typeface="Courier New" panose="02070309020205020404" pitchFamily="49" charset="0"/>
-              </a:rPr>
-              <a:t>= </a:t>
-            </a:r>
-            <a:r>
-              <a:rPr lang="en-US" sz="2800" b="1" dirty="0" smtClean="0">
-                <a:solidFill>
-                  <a:srgbClr val="808080"/>
-                </a:solidFill>
-                <a:highlight>
-                  <a:srgbClr val="FFFFFF"/>
-                </a:highlight>
-                <a:latin typeface="Courier New" panose="02070309020205020404" pitchFamily="49" charset="0"/>
-                <a:cs typeface="Courier New" panose="02070309020205020404" pitchFamily="49" charset="0"/>
-              </a:rPr>
-              <a:t>list</a:t>
-            </a:r>
-            <a:r>
-              <a:rPr lang="en-US" sz="2800" b="1" dirty="0">
-                <a:solidFill>
-                  <a:srgbClr val="000000"/>
-                </a:solidFill>
-                <a:highlight>
-                  <a:srgbClr val="FFFFFF"/>
-                </a:highlight>
-                <a:latin typeface="Courier New" panose="02070309020205020404" pitchFamily="49" charset="0"/>
-                <a:cs typeface="Courier New" panose="02070309020205020404" pitchFamily="49" charset="0"/>
-              </a:rPr>
-              <a:t>-&gt;next</a:t>
-            </a:r>
-            <a:r>
-              <a:rPr lang="en-US" sz="2800" b="1" dirty="0" smtClean="0">
-                <a:solidFill>
-                  <a:srgbClr val="000000"/>
-                </a:solidFill>
-                <a:highlight>
-                  <a:srgbClr val="FFFFFF"/>
-                </a:highlight>
-                <a:latin typeface="Courier New" panose="02070309020205020404" pitchFamily="49" charset="0"/>
-                <a:cs typeface="Courier New" panose="02070309020205020404" pitchFamily="49" charset="0"/>
-              </a:rPr>
-              <a:t>;</a:t>
-            </a:r>
-            <a:endParaRPr lang="en-US" b="1" dirty="0" smtClean="0">
-              <a:latin typeface="Courier New" panose="02070309020205020404" pitchFamily="49" charset="0"/>
-              <a:cs typeface="Courier New" panose="02070309020205020404" pitchFamily="49" charset="0"/>
-              <a:sym typeface="Wingdings" panose="05000000000000000000" pitchFamily="2" charset="2"/>
-            </a:endParaRPr>
-          </a:p>
-          <a:p>
-            <a:pPr marL="514350" indent="-514350">
-              <a:buFont typeface="+mj-lt"/>
-              <a:buAutoNum type="arabicPeriod" startAt="3"/>
+              <a:rPr lang="en-US" dirty="0" smtClean="0"/>
+              <a:t>Special cases for empty list, first node, and last node</a:t>
+            </a:r>
+          </a:p>
+          <a:p>
+            <a:pPr lvl="1">
+              <a:buFont typeface="Wingdings" pitchFamily="2" charset="2"/>
+              <a:buChar char="q"/>
               <a:defRPr/>
             </a:pPr>
-            <a:endParaRPr lang="en-US" dirty="0" smtClean="0">
-              <a:ea typeface="+mn-ea"/>
-            </a:endParaRPr>
-          </a:p>
-          <a:p>
-            <a:pPr marL="514350" indent="-514350">
-              <a:buFont typeface="+mj-lt"/>
-              <a:buAutoNum type="arabicPeriod" startAt="3"/>
+            <a:r>
+              <a:rPr lang="en-US" dirty="0" smtClean="0"/>
+              <a:t>Deleting from list</a:t>
+            </a:r>
+          </a:p>
+          <a:p>
+            <a:pPr lvl="2">
+              <a:buFont typeface="Wingdings" pitchFamily="2" charset="2"/>
+              <a:buChar char="n"/>
               <a:defRPr/>
             </a:pPr>
             <a:r>
-              <a:rPr lang="en-US" dirty="0" smtClean="0">
-                <a:ea typeface="+mn-ea"/>
-              </a:rPr>
-              <a:t>Case 2b: Data found elsewhere </a:t>
-            </a:r>
-            <a:r>
-              <a:rPr lang="en-US" dirty="0" smtClean="0">
-                <a:ea typeface="+mn-ea"/>
-                <a:sym typeface="Wingdings" panose="05000000000000000000" pitchFamily="2" charset="2"/>
-              </a:rPr>
-              <a:t> previous node points past node to be removed</a:t>
-            </a:r>
-          </a:p>
-          <a:p>
-            <a:pPr marL="344487" lvl="1" indent="0">
+              <a:rPr lang="en-US" dirty="0" smtClean="0"/>
+              <a:t>Previous &amp; next nodes must point past node to be removed</a:t>
+            </a:r>
+          </a:p>
+          <a:p>
+            <a:pPr lvl="2">
               <a:buFont typeface="Wingdings" pitchFamily="2" charset="2"/>
-              <a:buNone/>
+              <a:buChar char="n"/>
               <a:defRPr/>
             </a:pPr>
             <a:r>
-              <a:rPr lang="en-US" sz="2800" b="1" dirty="0" smtClean="0">
-                <a:solidFill>
-                  <a:srgbClr val="0000FF"/>
-                </a:solidFill>
-                <a:highlight>
-                  <a:srgbClr val="FFFFFF"/>
-                </a:highlight>
-                <a:latin typeface="Courier New" panose="02070309020205020404" pitchFamily="49" charset="0"/>
-                <a:cs typeface="Courier New" panose="02070309020205020404" pitchFamily="49" charset="0"/>
-              </a:rPr>
-              <a:t>else </a:t>
-            </a:r>
-            <a:r>
-              <a:rPr lang="en-US" sz="2800" b="1" dirty="0" err="1" smtClean="0">
-                <a:solidFill>
-                  <a:srgbClr val="000000"/>
-                </a:solidFill>
-                <a:highlight>
-                  <a:srgbClr val="FFFFFF"/>
-                </a:highlight>
-                <a:latin typeface="Courier New" panose="02070309020205020404" pitchFamily="49" charset="0"/>
-                <a:cs typeface="Courier New" panose="02070309020205020404" pitchFamily="49" charset="0"/>
-              </a:rPr>
-              <a:t>prev</a:t>
-            </a:r>
-            <a:r>
-              <a:rPr lang="en-US" sz="2800" b="1" dirty="0" smtClean="0">
-                <a:solidFill>
-                  <a:srgbClr val="000000"/>
-                </a:solidFill>
-                <a:highlight>
-                  <a:srgbClr val="FFFFFF"/>
-                </a:highlight>
-                <a:latin typeface="Courier New" panose="02070309020205020404" pitchFamily="49" charset="0"/>
-                <a:cs typeface="Courier New" panose="02070309020205020404" pitchFamily="49" charset="0"/>
-              </a:rPr>
-              <a:t>-</a:t>
-            </a:r>
-            <a:r>
-              <a:rPr lang="en-US" sz="2800" b="1" dirty="0">
-                <a:solidFill>
-                  <a:srgbClr val="000000"/>
-                </a:solidFill>
-                <a:highlight>
-                  <a:srgbClr val="FFFFFF"/>
-                </a:highlight>
-                <a:latin typeface="Courier New" panose="02070309020205020404" pitchFamily="49" charset="0"/>
-                <a:cs typeface="Courier New" panose="02070309020205020404" pitchFamily="49" charset="0"/>
-              </a:rPr>
-              <a:t>&gt;next = cur-&gt;next</a:t>
-            </a:r>
-            <a:r>
-              <a:rPr lang="en-US" sz="2800" b="1" dirty="0" smtClean="0">
-                <a:solidFill>
-                  <a:srgbClr val="000000"/>
-                </a:solidFill>
-                <a:highlight>
-                  <a:srgbClr val="FFFFFF"/>
-                </a:highlight>
-                <a:latin typeface="Courier New" panose="02070309020205020404" pitchFamily="49" charset="0"/>
-                <a:cs typeface="Courier New" panose="02070309020205020404" pitchFamily="49" charset="0"/>
-              </a:rPr>
-              <a:t>;</a:t>
-            </a:r>
-          </a:p>
-          <a:p>
-            <a:pPr marL="344487" lvl="1" indent="0">
+              <a:rPr lang="en-US" dirty="0" smtClean="0"/>
+              <a:t>Special cases for first node, last node, and list with </a:t>
+            </a:r>
+            <a:r>
+              <a:rPr lang="en-US" smtClean="0"/>
+              <a:t>one item</a:t>
+            </a:r>
+            <a:endParaRPr lang="en-US" dirty="0" smtClean="0"/>
+          </a:p>
+          <a:p>
+            <a:pPr lvl="2">
               <a:buFont typeface="Wingdings" pitchFamily="2" charset="2"/>
-              <a:buNone/>
+              <a:buChar char="n"/>
               <a:defRPr/>
             </a:pPr>
-            <a:endParaRPr lang="en-US" sz="2800" b="1" dirty="0" smtClean="0">
-              <a:solidFill>
-                <a:srgbClr val="000000"/>
-              </a:solidFill>
-              <a:highlight>
-                <a:srgbClr val="FFFFFF"/>
-              </a:highlight>
-              <a:latin typeface="Courier New" panose="02070309020205020404" pitchFamily="49" charset="0"/>
-              <a:cs typeface="Courier New" panose="02070309020205020404" pitchFamily="49" charset="0"/>
-            </a:endParaRPr>
-          </a:p>
-          <a:p>
-            <a:pPr marL="531812" indent="-514350">
-              <a:buFont typeface="+mj-lt"/>
-              <a:buAutoNum type="arabicPeriod" startAt="3"/>
+            <a:r>
+              <a:rPr lang="en-US" dirty="0" smtClean="0"/>
+              <a:t>Make sure you free string before freeing node</a:t>
+            </a:r>
+          </a:p>
+          <a:p>
+            <a:pPr lvl="1">
+              <a:buFont typeface="Wingdings" pitchFamily="2" charset="2"/>
+              <a:buChar char="q"/>
               <a:defRPr/>
             </a:pPr>
             <a:r>
-              <a:rPr lang="en-US" sz="3200" dirty="0" smtClean="0">
-                <a:solidFill>
-                  <a:srgbClr val="000000"/>
-                </a:solidFill>
-                <a:highlight>
-                  <a:srgbClr val="FFFFFF"/>
-                </a:highlight>
-                <a:ea typeface="+mn-ea"/>
-                <a:cs typeface="Courier New" panose="02070309020205020404" pitchFamily="49" charset="0"/>
-              </a:rPr>
-              <a:t>Remove node holding data, then return list</a:t>
-            </a:r>
-            <a:endParaRPr lang="en-US" sz="3200" dirty="0">
-              <a:solidFill>
-                <a:srgbClr val="000000"/>
-              </a:solidFill>
-              <a:highlight>
-                <a:srgbClr val="FFFFFF"/>
-              </a:highlight>
-              <a:ea typeface="+mn-ea"/>
-              <a:cs typeface="Courier New" panose="02070309020205020404" pitchFamily="49" charset="0"/>
-            </a:endParaRPr>
-          </a:p>
-          <a:p>
-            <a:pPr marL="344487" lvl="1" indent="0">
-              <a:buFont typeface="Wingdings" pitchFamily="2" charset="2"/>
-              <a:buNone/>
-              <a:defRPr/>
-            </a:pPr>
-            <a:r>
-              <a:rPr lang="en-US" sz="2800" b="1" dirty="0">
-                <a:solidFill>
-                  <a:srgbClr val="000000"/>
-                </a:solidFill>
-                <a:highlight>
-                  <a:srgbClr val="FFFFFF"/>
-                </a:highlight>
-                <a:latin typeface="Courier New" panose="02070309020205020404" pitchFamily="49" charset="0"/>
-                <a:cs typeface="Courier New" panose="02070309020205020404" pitchFamily="49" charset="0"/>
-              </a:rPr>
-              <a:t>free(cur</a:t>
-            </a:r>
-            <a:r>
-              <a:rPr lang="en-US" sz="2800" b="1" dirty="0" smtClean="0">
-                <a:solidFill>
-                  <a:srgbClr val="000000"/>
-                </a:solidFill>
-                <a:highlight>
-                  <a:srgbClr val="FFFFFF"/>
-                </a:highlight>
-                <a:latin typeface="Courier New" panose="02070309020205020404" pitchFamily="49" charset="0"/>
-                <a:cs typeface="Courier New" panose="02070309020205020404" pitchFamily="49" charset="0"/>
-              </a:rPr>
-              <a:t>);</a:t>
-            </a:r>
-          </a:p>
-          <a:p>
-            <a:pPr marL="344487" lvl="1" indent="0">
-              <a:buFont typeface="Wingdings" pitchFamily="2" charset="2"/>
-              <a:buNone/>
-              <a:defRPr/>
-            </a:pPr>
-            <a:r>
-              <a:rPr lang="en-US" sz="2800" b="1" dirty="0" smtClean="0">
-                <a:solidFill>
-                  <a:srgbClr val="000000"/>
-                </a:solidFill>
-                <a:highlight>
-                  <a:srgbClr val="FFFFFF"/>
-                </a:highlight>
-                <a:latin typeface="Courier New" panose="02070309020205020404" pitchFamily="49" charset="0"/>
-                <a:cs typeface="Courier New" panose="02070309020205020404" pitchFamily="49" charset="0"/>
-              </a:rPr>
-              <a:t>return list;</a:t>
-            </a:r>
-            <a:endParaRPr lang="en-US" b="1" dirty="0">
-              <a:latin typeface="Courier New" panose="02070309020205020404" pitchFamily="49" charset="0"/>
-              <a:cs typeface="Courier New" panose="02070309020205020404" pitchFamily="49" charset="0"/>
-            </a:endParaRPr>
-          </a:p>
-        </p:txBody>
-      </p:sp>
-      <p:sp>
-        <p:nvSpPr>
-          <p:cNvPr id="15364" name="Date Placeholder 3"/>
-          <p:cNvSpPr>
-            <a:spLocks noGrp="1"/>
-          </p:cNvSpPr>
-          <p:nvPr>
-            <p:ph type="dt" sz="quarter" idx="10"/>
-          </p:nvPr>
-        </p:nvSpPr>
-        <p:spPr>
-          <a:noFill/>
-          <a:ln/>
-          <a:extLst>
-            <a:ext uri="{909E8E84-426E-40dd-AFC4-6F175D3DCCD1}">
-              <a14:hiddenFill xmlns:a14="http://schemas.microsoft.com/office/drawing/2010/main">
-                <a:solidFill>
-                  <a:srgbClr val="FFFFFF"/>
-                </a:solidFill>
-              </a14:hiddenFill>
-            </a:ext>
-            <a:ext uri="{91240B29-F687-4f45-9708-019B960494DF}">
-              <a14:hiddenLine xmlns:a14="http://schemas.microsoft.com/office/drawing/2010/main" w="9525">
-                <a:solidFill>
-                  <a:srgbClr val="000000"/>
-                </a:solidFill>
-                <a:miter lim="800000"/>
-                <a:headEnd/>
-                <a:tailEnd/>
-              </a14:hiddenLine>
-            </a:ext>
-          </a:extLst>
-        </p:spPr>
-        <p:txBody>
-          <a:bodyPr/>
-          <a:lstStyle>
-            <a:lvl1pPr>
-              <a:defRPr sz="3000">
-                <a:solidFill>
-                  <a:schemeClr val="tx1"/>
-                </a:solidFill>
-                <a:latin typeface="Arial" charset="0"/>
-                <a:ea typeface="ＭＳ Ｐゴシック" charset="0"/>
-                <a:cs typeface="ＭＳ Ｐゴシック" charset="0"/>
-              </a:defRPr>
-            </a:lvl1pPr>
-            <a:lvl2pPr marL="742950" indent="-285750">
-              <a:defRPr sz="2600">
-                <a:solidFill>
-                  <a:schemeClr val="tx1"/>
-                </a:solidFill>
-                <a:latin typeface="Arial" charset="0"/>
-                <a:ea typeface="ＭＳ Ｐゴシック" charset="0"/>
-              </a:defRPr>
-            </a:lvl2pPr>
-            <a:lvl3pPr marL="1143000" indent="-228600">
-              <a:defRPr sz="2200">
-                <a:solidFill>
-                  <a:schemeClr val="tx1"/>
-                </a:solidFill>
-                <a:latin typeface="Arial" charset="0"/>
-                <a:ea typeface="ＭＳ Ｐゴシック" charset="0"/>
-              </a:defRPr>
-            </a:lvl3pPr>
-            <a:lvl4pPr marL="1600200" indent="-228600">
-              <a:defRPr sz="2000">
-                <a:solidFill>
-                  <a:schemeClr val="tx1"/>
-                </a:solidFill>
-                <a:latin typeface="Arial" charset="0"/>
-                <a:ea typeface="ＭＳ Ｐゴシック" charset="0"/>
-              </a:defRPr>
-            </a:lvl4pPr>
-            <a:lvl5pPr marL="2057400" indent="-228600">
-              <a:defRPr sz="2000">
-                <a:solidFill>
-                  <a:schemeClr val="tx1"/>
-                </a:solidFill>
-                <a:latin typeface="Arial" charset="0"/>
-                <a:ea typeface="ＭＳ Ｐゴシック" charset="0"/>
-              </a:defRPr>
-            </a:lvl5pPr>
-            <a:lvl6pPr marL="2514600" indent="-228600" eaLnBrk="0" hangingPunct="0">
-              <a:buFont typeface="Wingdings" charset="0"/>
-              <a:defRPr sz="2000">
-                <a:solidFill>
-                  <a:schemeClr val="tx1"/>
-                </a:solidFill>
-                <a:latin typeface="Arial" charset="0"/>
-                <a:ea typeface="ＭＳ Ｐゴシック" charset="0"/>
-              </a:defRPr>
-            </a:lvl6pPr>
-            <a:lvl7pPr marL="2971800" indent="-228600" eaLnBrk="0" hangingPunct="0">
-              <a:buFont typeface="Wingdings" charset="0"/>
-              <a:defRPr sz="2000">
-                <a:solidFill>
-                  <a:schemeClr val="tx1"/>
-                </a:solidFill>
-                <a:latin typeface="Arial" charset="0"/>
-                <a:ea typeface="ＭＳ Ｐゴシック" charset="0"/>
-              </a:defRPr>
-            </a:lvl7pPr>
-            <a:lvl8pPr marL="3429000" indent="-228600" eaLnBrk="0" hangingPunct="0">
-              <a:buFont typeface="Wingdings" charset="0"/>
-              <a:defRPr sz="2000">
-                <a:solidFill>
-                  <a:schemeClr val="tx1"/>
-                </a:solidFill>
-                <a:latin typeface="Arial" charset="0"/>
-                <a:ea typeface="ＭＳ Ｐゴシック" charset="0"/>
-              </a:defRPr>
-            </a:lvl8pPr>
-            <a:lvl9pPr marL="3886200" indent="-228600" eaLnBrk="0" hangingPunct="0">
-              <a:buFont typeface="Wingdings" charset="0"/>
-              <a:defRPr sz="2000">
-                <a:solidFill>
-                  <a:schemeClr val="tx1"/>
-                </a:solidFill>
-                <a:latin typeface="Arial" charset="0"/>
-                <a:ea typeface="ＭＳ Ｐゴシック" charset="0"/>
-              </a:defRPr>
-            </a:lvl9pPr>
-          </a:lstStyle>
-          <a:p>
-            <a:fld id="{13D7F300-ED75-F746-8DB6-BEB2D189A3BB}" type="datetime1">
-              <a:rPr lang="en-US" sz="1200" smtClean="0">
-                <a:latin typeface="Garamond" charset="0"/>
-                <a:cs typeface="Arial" charset="0"/>
-              </a:rPr>
-              <a:t>11/30/16</a:t>
-            </a:fld>
-            <a:endParaRPr lang="en-US" sz="1200">
-              <a:latin typeface="Garamond" charset="0"/>
-              <a:cs typeface="Arial" charset="0"/>
-            </a:endParaRPr>
-          </a:p>
-        </p:txBody>
-      </p:sp>
-      <p:sp>
-        <p:nvSpPr>
-          <p:cNvPr id="5" name="Footer Placeholder 4"/>
-          <p:cNvSpPr>
-            <a:spLocks noGrp="1"/>
-          </p:cNvSpPr>
-          <p:nvPr>
-            <p:ph type="ftr" sz="quarter" idx="11"/>
-          </p:nvPr>
-        </p:nvSpPr>
-        <p:spPr/>
-        <p:txBody>
-          <a:bodyPr/>
-          <a:lstStyle/>
-          <a:p>
-            <a:pPr>
-              <a:defRPr/>
-            </a:pPr>
-            <a:r>
-              <a:rPr lang="en-US" altLang="en-US" smtClean="0"/>
-              <a:t>ECE Application Programming: Lecture 32</a:t>
-            </a:r>
-            <a:endParaRPr lang="en-US" altLang="en-US"/>
-          </a:p>
-        </p:txBody>
-      </p:sp>
-      <p:sp>
-        <p:nvSpPr>
-          <p:cNvPr id="15366" name="Slide Number Placeholder 5"/>
-          <p:cNvSpPr>
-            <a:spLocks noGrp="1"/>
-          </p:cNvSpPr>
-          <p:nvPr>
-            <p:ph type="sldNum" sz="quarter" idx="12"/>
-          </p:nvPr>
-        </p:nvSpPr>
-        <p:spPr>
-          <a:noFill/>
-          <a:ln/>
-          <a:extLst>
-            <a:ext uri="{909E8E84-426E-40dd-AFC4-6F175D3DCCD1}">
-              <a14:hiddenFill xmlns:a14="http://schemas.microsoft.com/office/drawing/2010/main">
-                <a:solidFill>
-                  <a:srgbClr val="FFFFFF"/>
-                </a:solidFill>
-              </a14:hiddenFill>
-            </a:ext>
-            <a:ext uri="{91240B29-F687-4f45-9708-019B960494DF}">
-              <a14:hiddenLine xmlns:a14="http://schemas.microsoft.com/office/drawing/2010/main" w="9525">
-                <a:solidFill>
-                  <a:srgbClr val="000000"/>
-                </a:solidFill>
-                <a:miter lim="800000"/>
-                <a:headEnd/>
-                <a:tailEnd/>
-              </a14:hiddenLine>
-            </a:ext>
-          </a:extLst>
-        </p:spPr>
-        <p:txBody>
-          <a:bodyPr/>
-          <a:lstStyle>
-            <a:lvl1pPr>
-              <a:defRPr sz="3000">
-                <a:solidFill>
-                  <a:schemeClr val="tx1"/>
-                </a:solidFill>
-                <a:latin typeface="Arial" charset="0"/>
-                <a:ea typeface="ＭＳ Ｐゴシック" charset="0"/>
-                <a:cs typeface="ＭＳ Ｐゴシック" charset="0"/>
-              </a:defRPr>
-            </a:lvl1pPr>
-            <a:lvl2pPr marL="742950" indent="-285750">
-              <a:defRPr sz="2600">
-                <a:solidFill>
-                  <a:schemeClr val="tx1"/>
-                </a:solidFill>
-                <a:latin typeface="Arial" charset="0"/>
-                <a:ea typeface="ＭＳ Ｐゴシック" charset="0"/>
-              </a:defRPr>
-            </a:lvl2pPr>
-            <a:lvl3pPr marL="1143000" indent="-228600">
-              <a:defRPr sz="2200">
-                <a:solidFill>
-                  <a:schemeClr val="tx1"/>
-                </a:solidFill>
-                <a:latin typeface="Arial" charset="0"/>
-                <a:ea typeface="ＭＳ Ｐゴシック" charset="0"/>
-              </a:defRPr>
-            </a:lvl3pPr>
-            <a:lvl4pPr marL="1600200" indent="-228600">
-              <a:defRPr sz="2000">
-                <a:solidFill>
-                  <a:schemeClr val="tx1"/>
-                </a:solidFill>
-                <a:latin typeface="Arial" charset="0"/>
-                <a:ea typeface="ＭＳ Ｐゴシック" charset="0"/>
-              </a:defRPr>
-            </a:lvl4pPr>
-            <a:lvl5pPr marL="2057400" indent="-228600">
-              <a:defRPr sz="2000">
-                <a:solidFill>
-                  <a:schemeClr val="tx1"/>
-                </a:solidFill>
-                <a:latin typeface="Arial" charset="0"/>
-                <a:ea typeface="ＭＳ Ｐゴシック" charset="0"/>
-              </a:defRPr>
-            </a:lvl5pPr>
-            <a:lvl6pPr marL="2514600" indent="-228600" eaLnBrk="0" hangingPunct="0">
-              <a:buFont typeface="Wingdings" charset="0"/>
-              <a:defRPr sz="2000">
-                <a:solidFill>
-                  <a:schemeClr val="tx1"/>
-                </a:solidFill>
-                <a:latin typeface="Arial" charset="0"/>
-                <a:ea typeface="ＭＳ Ｐゴシック" charset="0"/>
-              </a:defRPr>
-            </a:lvl6pPr>
-            <a:lvl7pPr marL="2971800" indent="-228600" eaLnBrk="0" hangingPunct="0">
-              <a:buFont typeface="Wingdings" charset="0"/>
-              <a:defRPr sz="2000">
-                <a:solidFill>
-                  <a:schemeClr val="tx1"/>
-                </a:solidFill>
-                <a:latin typeface="Arial" charset="0"/>
-                <a:ea typeface="ＭＳ Ｐゴシック" charset="0"/>
-              </a:defRPr>
-            </a:lvl7pPr>
-            <a:lvl8pPr marL="3429000" indent="-228600" eaLnBrk="0" hangingPunct="0">
-              <a:buFont typeface="Wingdings" charset="0"/>
-              <a:defRPr sz="2000">
-                <a:solidFill>
-                  <a:schemeClr val="tx1"/>
-                </a:solidFill>
-                <a:latin typeface="Arial" charset="0"/>
-                <a:ea typeface="ＭＳ Ｐゴシック" charset="0"/>
-              </a:defRPr>
-            </a:lvl8pPr>
-            <a:lvl9pPr marL="3886200" indent="-228600" eaLnBrk="0" hangingPunct="0">
-              <a:buFont typeface="Wingdings" charset="0"/>
-              <a:defRPr sz="2000">
-                <a:solidFill>
-                  <a:schemeClr val="tx1"/>
-                </a:solidFill>
-                <a:latin typeface="Arial" charset="0"/>
-                <a:ea typeface="ＭＳ Ｐゴシック" charset="0"/>
-              </a:defRPr>
-            </a:lvl9pPr>
-          </a:lstStyle>
-          <a:p>
-            <a:fld id="{F84C79CD-9976-4249-B3A0-1B7875615771}" type="slidenum">
-              <a:rPr lang="en-US" sz="1200">
-                <a:latin typeface="Garamond" charset="0"/>
-                <a:cs typeface="Arial" charset="0"/>
-              </a:rPr>
-              <a:pPr/>
-              <a:t>10</a:t>
-            </a:fld>
-            <a:endParaRPr lang="en-US" sz="1200">
-              <a:latin typeface="Garamond" charset="0"/>
-              <a:cs typeface="Arial" charset="0"/>
-            </a:endParaRPr>
-          </a:p>
-        </p:txBody>
-      </p:sp>
-    </p:spTree>
-    <p:extLst>
-      <p:ext uri="{BB962C8B-B14F-4D97-AF65-F5344CB8AC3E}">
-        <p14:creationId xmlns:p14="http://schemas.microsoft.com/office/powerpoint/2010/main" val="756205172"/>
-      </p:ext>
-    </p:extLst>
-  </p:cSld>
-  <p:clrMapOvr>
-    <a:masterClrMapping/>
-  </p:clrMapOvr>
-  <p:timing>
-    <p:tnLst>
-      <p:par>
-        <p:cTn xmlns:p14="http://schemas.microsoft.com/office/powerpoint/2010/main" id="1" dur="indefinite" restart="never" nodeType="tmRoot">
-          <p:childTnLst>
-            <p:seq concurrent="1" nextAc="seek">
-              <p:cTn id="2" dur="indefinite" nodeType="mainSeq">
-                <p:childTnLst>
-                  <p:par>
-                    <p:cTn id="3" fill="hold">
-                      <p:stCondLst>
-                        <p:cond delay="indefinite"/>
-                      </p:stCondLst>
-                      <p:childTnLst>
-                        <p:par>
-                          <p:cTn id="4" fill="hold">
-                            <p:stCondLst>
-                              <p:cond delay="0"/>
-                            </p:stCondLst>
-                            <p:childTnLst>
-                              <p:par>
-                                <p:cTn id="5" presetID="1" presetClass="entr" presetSubtype="0" fill="hold" nodeType="clickEffect">
-                                  <p:stCondLst>
-                                    <p:cond delay="0"/>
-                                  </p:stCondLst>
-                                  <p:childTnLst>
-                                    <p:set>
-                                      <p:cBhvr>
-                                        <p:cTn id="6" dur="1" fill="hold">
-                                          <p:stCondLst>
-                                            <p:cond delay="0"/>
-                                          </p:stCondLst>
-                                        </p:cTn>
-                                        <p:tgtEl>
-                                          <p:spTgt spid="3">
-                                            <p:txEl>
-                                              <p:pRg st="1" end="1"/>
-                                            </p:txEl>
-                                          </p:spTgt>
-                                        </p:tgtEl>
-                                        <p:attrNameLst>
-                                          <p:attrName>style.visibility</p:attrName>
-                                        </p:attrNameLst>
-                                      </p:cBhvr>
-                                      <p:to>
-                                        <p:strVal val="visible"/>
-                                      </p:to>
-                                    </p:set>
-                                  </p:childTnLst>
-                                </p:cTn>
-                              </p:par>
-                            </p:childTnLst>
-                          </p:cTn>
-                        </p:par>
-                      </p:childTnLst>
-                    </p:cTn>
-                  </p:par>
-                  <p:par>
-                    <p:cTn id="7" fill="hold">
-                      <p:stCondLst>
-                        <p:cond delay="indefinite"/>
-                      </p:stCondLst>
-                      <p:childTnLst>
-                        <p:par>
-                          <p:cTn id="8" fill="hold">
-                            <p:stCondLst>
-                              <p:cond delay="0"/>
-                            </p:stCondLst>
-                            <p:childTnLst>
-                              <p:par>
-                                <p:cTn id="9" presetID="1" presetClass="entr" presetSubtype="0" fill="hold" nodeType="clickEffect">
-                                  <p:stCondLst>
-                                    <p:cond delay="0"/>
-                                  </p:stCondLst>
-                                  <p:childTnLst>
-                                    <p:set>
-                                      <p:cBhvr>
-                                        <p:cTn id="10" dur="1" fill="hold">
-                                          <p:stCondLst>
-                                            <p:cond delay="0"/>
-                                          </p:stCondLst>
-                                        </p:cTn>
-                                        <p:tgtEl>
-                                          <p:spTgt spid="3">
-                                            <p:txEl>
-                                              <p:pRg st="4" end="4"/>
-                                            </p:txEl>
-                                          </p:spTgt>
-                                        </p:tgtEl>
-                                        <p:attrNameLst>
-                                          <p:attrName>style.visibility</p:attrName>
-                                        </p:attrNameLst>
-                                      </p:cBhvr>
-                                      <p:to>
-                                        <p:strVal val="visible"/>
-                                      </p:to>
-                                    </p:set>
-                                  </p:childTnLst>
-                                </p:cTn>
-                              </p:par>
-                            </p:childTnLst>
-                          </p:cTn>
-                        </p:par>
-                      </p:childTnLst>
-                    </p:cTn>
-                  </p:par>
-                  <p:par>
-                    <p:cTn id="11" fill="hold">
-                      <p:stCondLst>
-                        <p:cond delay="indefinite"/>
-                      </p:stCondLst>
-                      <p:childTnLst>
-                        <p:par>
-                          <p:cTn id="12" fill="hold">
-                            <p:stCondLst>
-                              <p:cond delay="0"/>
-                            </p:stCondLst>
-                            <p:childTnLst>
-                              <p:par>
-                                <p:cTn id="13" presetID="1" presetClass="entr" presetSubtype="0" fill="hold" nodeType="clickEffect">
-                                  <p:stCondLst>
-                                    <p:cond delay="0"/>
-                                  </p:stCondLst>
-                                  <p:childTnLst>
-                                    <p:set>
-                                      <p:cBhvr>
-                                        <p:cTn id="14" dur="1" fill="hold">
-                                          <p:stCondLst>
-                                            <p:cond delay="0"/>
-                                          </p:stCondLst>
-                                        </p:cTn>
-                                        <p:tgtEl>
-                                          <p:spTgt spid="3">
-                                            <p:txEl>
-                                              <p:pRg st="7" end="7"/>
-                                            </p:txEl>
-                                          </p:spTgt>
-                                        </p:tgtEl>
-                                        <p:attrNameLst>
-                                          <p:attrName>style.visibility</p:attrName>
-                                        </p:attrNameLst>
-                                      </p:cBhvr>
-                                      <p:to>
-                                        <p:strVal val="visible"/>
-                                      </p:to>
-                                    </p:set>
-                                  </p:childTnLst>
-                                </p:cTn>
-                              </p:par>
-                            </p:childTnLst>
-                          </p:cTn>
-                        </p:par>
-                      </p:childTnLst>
-                    </p:cTn>
-                  </p:par>
-                  <p:par>
-                    <p:cTn id="15" fill="hold">
-                      <p:stCondLst>
-                        <p:cond delay="indefinite"/>
-                      </p:stCondLst>
-                      <p:childTnLst>
-                        <p:par>
-                          <p:cTn id="16" fill="hold">
-                            <p:stCondLst>
-                              <p:cond delay="0"/>
-                            </p:stCondLst>
-                            <p:childTnLst>
-                              <p:par>
-                                <p:cTn id="17" presetID="1" presetClass="entr" presetSubtype="0" fill="hold" nodeType="clickEffect">
-                                  <p:stCondLst>
-                                    <p:cond delay="0"/>
-                                  </p:stCondLst>
-                                  <p:childTnLst>
-                                    <p:set>
-                                      <p:cBhvr>
-                                        <p:cTn id="18" dur="1" fill="hold">
-                                          <p:stCondLst>
-                                            <p:cond delay="0"/>
-                                          </p:stCondLst>
-                                        </p:cTn>
-                                        <p:tgtEl>
-                                          <p:spTgt spid="3">
-                                            <p:txEl>
-                                              <p:pRg st="10" end="10"/>
-                                            </p:txEl>
-                                          </p:spTgt>
-                                        </p:tgtEl>
-                                        <p:attrNameLst>
-                                          <p:attrName>style.visibility</p:attrName>
-                                        </p:attrNameLst>
-                                      </p:cBhvr>
-                                      <p:to>
-                                        <p:strVal val="visible"/>
-                                      </p:to>
-                                    </p:set>
-                                  </p:childTnLst>
-                                </p:cTn>
-                              </p:par>
-                              <p:par>
-                                <p:cTn id="19" presetID="1" presetClass="entr" presetSubtype="0" fill="hold" nodeType="withEffect">
-                                  <p:stCondLst>
-                                    <p:cond delay="0"/>
-                                  </p:stCondLst>
-                                  <p:childTnLst>
-                                    <p:set>
-                                      <p:cBhvr>
-                                        <p:cTn id="20" dur="1" fill="hold">
-                                          <p:stCondLst>
-                                            <p:cond delay="0"/>
-                                          </p:stCondLst>
-                                        </p:cTn>
-                                        <p:tgtEl>
-                                          <p:spTgt spid="3">
-                                            <p:txEl>
-                                              <p:pRg st="11" end="11"/>
-                                            </p:txEl>
-                                          </p:spTgt>
-                                        </p:tgtEl>
-                                        <p:attrNameLst>
-                                          <p:attrName>style.visibility</p:attrName>
-                                        </p:attrNameLst>
-                                      </p:cBhvr>
-                                      <p:to>
-                                        <p:strVal val="visible"/>
-                                      </p:to>
-                                    </p:set>
-                                  </p:childTnLst>
-                                </p:cTn>
-                              </p:par>
-                            </p:childTnLst>
-                          </p:cTn>
-                        </p:par>
-                      </p:childTnLst>
-                    </p:cTn>
-                  </p:par>
-                </p:childTnLst>
-              </p:cTn>
-              <p:prevCondLst>
-                <p:cond evt="onPrev" delay="0">
-                  <p:tgtEl>
-                    <p:sldTgt/>
-                  </p:tgtEl>
-                </p:cond>
-              </p:prevCondLst>
-              <p:nextCondLst>
-                <p:cond evt="onNext" delay="0">
-                  <p:tgtEl>
-                    <p:sldTgt/>
-                  </p:tgtEl>
-                </p:cond>
-              </p:nextCondLst>
-            </p:seq>
-          </p:childTnLst>
-        </p:cTn>
-      </p:par>
-    </p:tnLst>
-  </p:timing>
-</p:sld>
-</file>
-
-<file path=ppt/slides/slide11.xml><?xml version="1.0" encoding="utf-8"?>
-<p:sld xmlns:a="http://schemas.openxmlformats.org/drawingml/2006/main" xmlns:r="http://schemas.openxmlformats.org/officeDocument/2006/relationships" xmlns:p="http://schemas.openxmlformats.org/presentationml/2006/main">
-  <p:cSld>
-    <p:spTree>
-      <p:nvGrpSpPr>
-        <p:cNvPr id="1" name=""/>
-        <p:cNvGrpSpPr/>
-        <p:nvPr/>
-      </p:nvGrpSpPr>
-      <p:grpSpPr>
-        <a:xfrm>
-          <a:off x="0" y="0"/>
-          <a:ext cx="0" cy="0"/>
-          <a:chOff x="0" y="0"/>
-          <a:chExt cx="0" cy="0"/>
-        </a:xfrm>
-      </p:grpSpPr>
-      <p:sp>
-        <p:nvSpPr>
-          <p:cNvPr id="9218" name="Title 1"/>
-          <p:cNvSpPr>
-            <a:spLocks noGrp="1"/>
-          </p:cNvSpPr>
-          <p:nvPr>
-            <p:ph type="title"/>
-          </p:nvPr>
-        </p:nvSpPr>
-        <p:spPr/>
-        <p:txBody>
-          <a:bodyPr/>
-          <a:lstStyle/>
-          <a:p>
-            <a:r>
-              <a:rPr lang="en-US">
-                <a:latin typeface="Garamond" charset="0"/>
-              </a:rPr>
-              <a:t>Sorted linked list</a:t>
-            </a:r>
-          </a:p>
-        </p:txBody>
-      </p:sp>
-      <p:sp>
-        <p:nvSpPr>
-          <p:cNvPr id="3" name="Content Placeholder 2"/>
-          <p:cNvSpPr>
-            <a:spLocks noGrp="1"/>
-          </p:cNvSpPr>
-          <p:nvPr>
-            <p:ph idx="1"/>
-          </p:nvPr>
-        </p:nvSpPr>
-        <p:spPr>
-          <a:xfrm>
-            <a:off x="457200" y="1143000"/>
-            <a:ext cx="8229600" cy="3124200"/>
-          </a:xfrm>
-        </p:spPr>
-        <p:txBody>
-          <a:bodyPr>
-            <a:normAutofit/>
-          </a:bodyPr>
-          <a:lstStyle/>
-          <a:p>
-            <a:pPr>
-              <a:lnSpc>
-                <a:spcPct val="80000"/>
-              </a:lnSpc>
-            </a:pPr>
-            <a:r>
-              <a:rPr lang="en-US" sz="2600" dirty="0">
-                <a:latin typeface="Arial" charset="0"/>
-              </a:rPr>
-              <a:t>Can ensure each item is sorted as </a:t>
-            </a:r>
-            <a:r>
-              <a:rPr lang="en-US" sz="2600" dirty="0" smtClean="0">
-                <a:latin typeface="Arial" charset="0"/>
-              </a:rPr>
-              <a:t>it</a:t>
-            </a:r>
-            <a:r>
-              <a:rPr lang="en-US" sz="2600" dirty="0" smtClean="0">
-                <a:latin typeface="Arial" charset="0"/>
-              </a:rPr>
-              <a:t>’</a:t>
-            </a:r>
-            <a:r>
-              <a:rPr lang="en-US" sz="2600" dirty="0" smtClean="0">
-                <a:latin typeface="Arial" charset="0"/>
-              </a:rPr>
-              <a:t>s </a:t>
-            </a:r>
-            <a:r>
-              <a:rPr lang="en-US" sz="2600" dirty="0">
-                <a:latin typeface="Arial" charset="0"/>
-              </a:rPr>
-              <a:t>added</a:t>
-            </a:r>
-          </a:p>
-          <a:p>
-            <a:pPr lvl="1">
-              <a:lnSpc>
-                <a:spcPct val="80000"/>
-              </a:lnSpc>
-            </a:pPr>
-            <a:r>
-              <a:rPr lang="en-US" sz="2200" dirty="0">
-                <a:latin typeface="Arial" charset="0"/>
-              </a:rPr>
-              <a:t>Slower item insertion, but faster search</a:t>
-            </a:r>
-          </a:p>
-          <a:p>
-            <a:pPr>
-              <a:lnSpc>
-                <a:spcPct val="80000"/>
-              </a:lnSpc>
-            </a:pPr>
-            <a:r>
-              <a:rPr lang="en-US" sz="2600" dirty="0">
-                <a:latin typeface="Arial" charset="0"/>
-              </a:rPr>
-              <a:t>Not easy with arrays: must move existing data</a:t>
-            </a:r>
-          </a:p>
-          <a:p>
-            <a:pPr>
-              <a:lnSpc>
-                <a:spcPct val="80000"/>
-              </a:lnSpc>
-            </a:pPr>
-            <a:r>
-              <a:rPr lang="en-US" sz="2600" dirty="0">
-                <a:latin typeface="Arial" charset="0"/>
-              </a:rPr>
-              <a:t>Keeping linked list sorted</a:t>
-            </a:r>
-          </a:p>
-          <a:p>
-            <a:pPr lvl="1">
-              <a:lnSpc>
-                <a:spcPct val="80000"/>
-              </a:lnSpc>
-            </a:pPr>
-            <a:r>
-              <a:rPr lang="en-US" sz="2200" dirty="0">
-                <a:latin typeface="Arial" charset="0"/>
-              </a:rPr>
-              <a:t>Find appropriate location</a:t>
-            </a:r>
-          </a:p>
-          <a:p>
-            <a:pPr lvl="2">
-              <a:lnSpc>
-                <a:spcPct val="80000"/>
-              </a:lnSpc>
-            </a:pPr>
-            <a:r>
-              <a:rPr lang="en-US" sz="1900" dirty="0">
-                <a:latin typeface="Arial" charset="0"/>
-              </a:rPr>
-              <a:t>Often done by going </a:t>
-            </a:r>
-            <a:r>
-              <a:rPr lang="en-US" sz="1900" dirty="0" smtClean="0">
-                <a:latin typeface="Arial" charset="0"/>
-              </a:rPr>
-              <a:t>“</a:t>
-            </a:r>
-            <a:r>
-              <a:rPr lang="en-US" sz="1900" dirty="0" smtClean="0">
-                <a:latin typeface="Arial" charset="0"/>
-              </a:rPr>
-              <a:t>past</a:t>
-            </a:r>
-            <a:r>
-              <a:rPr lang="en-US" sz="1900" dirty="0" smtClean="0">
-                <a:latin typeface="Arial" charset="0"/>
-              </a:rPr>
-              <a:t>”</a:t>
-            </a:r>
-            <a:r>
-              <a:rPr lang="en-US" sz="1900" dirty="0" smtClean="0">
-                <a:latin typeface="Arial" charset="0"/>
-              </a:rPr>
-              <a:t> </a:t>
-            </a:r>
-            <a:r>
-              <a:rPr lang="en-US" sz="1900" dirty="0">
-                <a:latin typeface="Arial" charset="0"/>
-              </a:rPr>
-              <a:t>appropriate spot</a:t>
-            </a:r>
-          </a:p>
-          <a:p>
-            <a:pPr lvl="1">
-              <a:lnSpc>
-                <a:spcPct val="80000"/>
-              </a:lnSpc>
-            </a:pPr>
-            <a:r>
-              <a:rPr lang="en-US" sz="2200" dirty="0">
-                <a:latin typeface="Arial" charset="0"/>
-              </a:rPr>
-              <a:t>Modify pointers</a:t>
-            </a:r>
-          </a:p>
-          <a:p>
-            <a:pPr lvl="2">
-              <a:lnSpc>
-                <a:spcPct val="80000"/>
-              </a:lnSpc>
-            </a:pPr>
-            <a:r>
-              <a:rPr lang="en-US" sz="1900" dirty="0">
-                <a:latin typeface="Arial" charset="0"/>
-              </a:rPr>
-              <a:t>Node before correct spot points to new node</a:t>
-            </a:r>
-          </a:p>
-          <a:p>
-            <a:pPr lvl="2">
-              <a:lnSpc>
-                <a:spcPct val="80000"/>
-              </a:lnSpc>
-            </a:pPr>
-            <a:r>
-              <a:rPr lang="en-US" sz="1900" dirty="0">
-                <a:latin typeface="Arial" charset="0"/>
-              </a:rPr>
-              <a:t>New node points to node after correct spot</a:t>
-            </a:r>
+              <a:rPr lang="en-US" dirty="0" smtClean="0"/>
+              <a:t>Finding, printing: similar to basic linked list</a:t>
+            </a:r>
+            <a:endParaRPr lang="en-US" dirty="0"/>
           </a:p>
         </p:txBody>
       </p:sp>
@@ -7072,11 +5906,11 @@
           </a:lstStyle>
           <a:p>
             <a:pPr eaLnBrk="1" hangingPunct="1"/>
-            <a:fld id="{707C0FC7-17CD-F34D-8236-A461FBCD7279}" type="datetime1">
+            <a:fld id="{793D574A-D372-214E-9065-10F64795A406}" type="datetime1">
               <a:rPr lang="en-US" smtClean="0">
                 <a:latin typeface="Garamond" charset="0"/>
               </a:rPr>
-              <a:t>11/30/16</a:t>
+              <a:t>12/2/16</a:t>
             </a:fld>
             <a:endParaRPr lang="en-US">
               <a:latin typeface="Garamond" charset="0"/>
@@ -7241,6392 +6075,12 @@
           </a:lstStyle>
           <a:p>
             <a:pPr eaLnBrk="1" hangingPunct="1"/>
-            <a:fld id="{F14E1A75-5047-484D-87AE-8623F6D212A4}" type="slidenum">
-              <a:rPr lang="en-US">
-                <a:latin typeface="Garamond" charset="0"/>
-              </a:rPr>
-              <a:pPr eaLnBrk="1" hangingPunct="1"/>
-              <a:t>11</a:t>
-            </a:fld>
-            <a:endParaRPr lang="en-US">
-              <a:latin typeface="Garamond" charset="0"/>
-            </a:endParaRPr>
-          </a:p>
-        </p:txBody>
-      </p:sp>
-      <p:pic>
-        <p:nvPicPr>
-          <p:cNvPr id="9223" name="Picture 2" descr="CPT-LinkedLists-addingnode.svg"/>
-          <p:cNvPicPr>
-            <a:picLocks noChangeAspect="1" noChangeArrowheads="1"/>
-          </p:cNvPicPr>
-          <p:nvPr/>
-        </p:nvPicPr>
-        <p:blipFill>
-          <a:blip r:embed="rId2">
-            <a:extLst>
-              <a:ext uri="{28A0092B-C50C-407E-A947-70E740481C1C}">
-                <a14:useLocalDpi xmlns:a14="http://schemas.microsoft.com/office/drawing/2010/main" val="0"/>
-              </a:ext>
-            </a:extLst>
-          </a:blip>
-          <a:srcRect/>
-          <a:stretch>
-            <a:fillRect/>
-          </a:stretch>
-        </p:blipFill>
-        <p:spPr bwMode="auto">
-          <a:xfrm>
-            <a:off x="1295400" y="4267200"/>
-            <a:ext cx="6351588" cy="1554163"/>
-          </a:xfrm>
-          <a:prstGeom prst="rect">
-            <a:avLst/>
-          </a:prstGeom>
-          <a:noFill/>
-          <a:ln>
-            <a:noFill/>
-          </a:ln>
-          <a:extLst>
-            <a:ext uri="{909E8E84-426E-40dd-AFC4-6F175D3DCCD1}">
-              <a14:hiddenFill xmlns:a14="http://schemas.microsoft.com/office/drawing/2010/main">
-                <a:solidFill>
-                  <a:srgbClr val="FFFFFF"/>
-                </a:solidFill>
-              </a14:hiddenFill>
-            </a:ext>
-            <a:ext uri="{91240B29-F687-4f45-9708-019B960494DF}">
-              <a14:hiddenLine xmlns:a14="http://schemas.microsoft.com/office/drawing/2010/main" w="9525">
-                <a:solidFill>
-                  <a:srgbClr val="000000"/>
-                </a:solidFill>
-                <a:miter lim="800000"/>
-                <a:headEnd/>
-                <a:tailEnd/>
-              </a14:hiddenLine>
-            </a:ext>
-          </a:extLst>
-        </p:spPr>
-      </p:pic>
-      <p:sp>
-        <p:nvSpPr>
-          <p:cNvPr id="9224" name="Content Placeholder 2"/>
-          <p:cNvSpPr txBox="1">
-            <a:spLocks/>
-          </p:cNvSpPr>
-          <p:nvPr/>
-        </p:nvSpPr>
-        <p:spPr bwMode="auto">
-          <a:xfrm>
-            <a:off x="639763" y="5867400"/>
-            <a:ext cx="8229600" cy="533400"/>
-          </a:xfrm>
-          <a:prstGeom prst="rect">
-            <a:avLst/>
-          </a:prstGeom>
-          <a:noFill/>
-          <a:ln>
-            <a:noFill/>
-          </a:ln>
-          <a:extLst>
-            <a:ext uri="{909E8E84-426E-40dd-AFC4-6F175D3DCCD1}">
-              <a14:hiddenFill xmlns:a14="http://schemas.microsoft.com/office/drawing/2010/main">
-                <a:solidFill>
-                  <a:srgbClr val="FFFFFF"/>
-                </a:solidFill>
-              </a14:hiddenFill>
-            </a:ext>
-            <a:ext uri="{91240B29-F687-4f45-9708-019B960494DF}">
-              <a14:hiddenLine xmlns:a14="http://schemas.microsoft.com/office/drawing/2010/main" w="9525">
-                <a:solidFill>
-                  <a:srgbClr val="000000"/>
-                </a:solidFill>
-                <a:miter lim="800000"/>
-                <a:headEnd/>
-                <a:tailEnd/>
-              </a14:hiddenLine>
-            </a:ext>
-          </a:extLst>
-        </p:spPr>
-        <p:txBody>
-          <a:bodyPr/>
-          <a:lstStyle>
-            <a:lvl1pPr>
-              <a:defRPr sz="3000">
-                <a:solidFill>
-                  <a:schemeClr val="tx1"/>
-                </a:solidFill>
-                <a:latin typeface="Arial" charset="0"/>
-                <a:ea typeface="ＭＳ Ｐゴシック" charset="0"/>
-              </a:defRPr>
-            </a:lvl1pPr>
-            <a:lvl2pPr marL="742950" indent="-285750">
-              <a:defRPr sz="2600">
-                <a:solidFill>
-                  <a:schemeClr val="tx1"/>
-                </a:solidFill>
-                <a:latin typeface="Arial" charset="0"/>
-                <a:ea typeface="ＭＳ Ｐゴシック" charset="0"/>
-              </a:defRPr>
-            </a:lvl2pPr>
-            <a:lvl3pPr marL="669925">
-              <a:defRPr sz="2200">
-                <a:solidFill>
-                  <a:schemeClr val="tx1"/>
-                </a:solidFill>
-                <a:latin typeface="Arial" charset="0"/>
-                <a:ea typeface="ＭＳ Ｐゴシック" charset="0"/>
-              </a:defRPr>
-            </a:lvl3pPr>
-            <a:lvl4pPr marL="1600200" indent="-228600">
-              <a:defRPr sz="2000">
-                <a:solidFill>
-                  <a:schemeClr val="tx1"/>
-                </a:solidFill>
-                <a:latin typeface="Arial" charset="0"/>
-                <a:ea typeface="ＭＳ Ｐゴシック" charset="0"/>
-              </a:defRPr>
-            </a:lvl4pPr>
-            <a:lvl5pPr marL="2057400" indent="-228600">
-              <a:defRPr sz="2000">
-                <a:solidFill>
-                  <a:schemeClr val="tx1"/>
-                </a:solidFill>
-                <a:latin typeface="Arial" charset="0"/>
-                <a:ea typeface="ＭＳ Ｐゴシック" charset="0"/>
-              </a:defRPr>
-            </a:lvl5pPr>
-            <a:lvl6pPr marL="2514600" indent="-228600" eaLnBrk="0" hangingPunct="0">
-              <a:buFont typeface="Wingdings" charset="0"/>
-              <a:defRPr sz="2000">
-                <a:solidFill>
-                  <a:schemeClr val="tx1"/>
-                </a:solidFill>
-                <a:latin typeface="Arial" charset="0"/>
-                <a:ea typeface="ＭＳ Ｐゴシック" charset="0"/>
-              </a:defRPr>
-            </a:lvl6pPr>
-            <a:lvl7pPr marL="2971800" indent="-228600" eaLnBrk="0" hangingPunct="0">
-              <a:buFont typeface="Wingdings" charset="0"/>
-              <a:defRPr sz="2000">
-                <a:solidFill>
-                  <a:schemeClr val="tx1"/>
-                </a:solidFill>
-                <a:latin typeface="Arial" charset="0"/>
-                <a:ea typeface="ＭＳ Ｐゴシック" charset="0"/>
-              </a:defRPr>
-            </a:lvl7pPr>
-            <a:lvl8pPr marL="3429000" indent="-228600" eaLnBrk="0" hangingPunct="0">
-              <a:buFont typeface="Wingdings" charset="0"/>
-              <a:defRPr sz="2000">
-                <a:solidFill>
-                  <a:schemeClr val="tx1"/>
-                </a:solidFill>
-                <a:latin typeface="Arial" charset="0"/>
-                <a:ea typeface="ＭＳ Ｐゴシック" charset="0"/>
-              </a:defRPr>
-            </a:lvl8pPr>
-            <a:lvl9pPr marL="3886200" indent="-228600" eaLnBrk="0" hangingPunct="0">
-              <a:buFont typeface="Wingdings" charset="0"/>
-              <a:defRPr sz="2000">
-                <a:solidFill>
-                  <a:schemeClr val="tx1"/>
-                </a:solidFill>
-                <a:latin typeface="Arial" charset="0"/>
-                <a:ea typeface="ＭＳ Ｐゴシック" charset="0"/>
-              </a:defRPr>
-            </a:lvl9pPr>
-          </a:lstStyle>
-          <a:p>
-            <a:pPr lvl="2" eaLnBrk="0" hangingPunct="0">
-              <a:spcBef>
-                <a:spcPct val="20000"/>
-              </a:spcBef>
-              <a:buClr>
-                <a:schemeClr val="accent1"/>
-              </a:buClr>
-              <a:buSzPct val="65000"/>
-              <a:buFont typeface="Wingdings" charset="0"/>
-              <a:buNone/>
-            </a:pPr>
-            <a:r>
-              <a:rPr lang="en-US" sz="1400" i="1"/>
-              <a:t>Image source: http://en.wikipedia.org/wiki/Linked_list</a:t>
-            </a:r>
-          </a:p>
-        </p:txBody>
-      </p:sp>
-    </p:spTree>
-    <p:extLst>
-      <p:ext uri="{BB962C8B-B14F-4D97-AF65-F5344CB8AC3E}">
-        <p14:creationId xmlns:p14="http://schemas.microsoft.com/office/powerpoint/2010/main" val="3228058307"/>
-      </p:ext>
-    </p:extLst>
-  </p:cSld>
-  <p:clrMapOvr>
-    <a:masterClrMapping/>
-  </p:clrMapOvr>
-  <p:timing>
-    <p:tnLst>
-      <p:par>
-        <p:cTn xmlns:p14="http://schemas.microsoft.com/office/powerpoint/2010/main" id="1" dur="indefinite" restart="never" nodeType="tmRoot"/>
-      </p:par>
-    </p:tnLst>
-  </p:timing>
-</p:sld>
-</file>
-
-<file path=ppt/slides/slide12.xml><?xml version="1.0" encoding="utf-8"?>
-<p:sld xmlns:a="http://schemas.openxmlformats.org/drawingml/2006/main" xmlns:r="http://schemas.openxmlformats.org/officeDocument/2006/relationships" xmlns:p="http://schemas.openxmlformats.org/presentationml/2006/main">
-  <p:cSld>
-    <p:spTree>
-      <p:nvGrpSpPr>
-        <p:cNvPr id="1" name=""/>
-        <p:cNvGrpSpPr/>
-        <p:nvPr/>
-      </p:nvGrpSpPr>
-      <p:grpSpPr>
-        <a:xfrm>
-          <a:off x="0" y="0"/>
-          <a:ext cx="0" cy="0"/>
-          <a:chOff x="0" y="0"/>
-          <a:chExt cx="0" cy="0"/>
-        </a:xfrm>
-      </p:grpSpPr>
-      <p:sp>
-        <p:nvSpPr>
-          <p:cNvPr id="10242" name="Title 1"/>
-          <p:cNvSpPr>
-            <a:spLocks noGrp="1"/>
-          </p:cNvSpPr>
-          <p:nvPr>
-            <p:ph type="title"/>
-          </p:nvPr>
-        </p:nvSpPr>
-        <p:spPr/>
-        <p:txBody>
-          <a:bodyPr/>
-          <a:lstStyle/>
-          <a:p>
-            <a:r>
-              <a:rPr lang="en-US">
-                <a:latin typeface="Garamond" charset="0"/>
-              </a:rPr>
-              <a:t>Examples</a:t>
-            </a:r>
-          </a:p>
-        </p:txBody>
-      </p:sp>
-      <p:sp>
-        <p:nvSpPr>
-          <p:cNvPr id="3" name="Content Placeholder 2"/>
-          <p:cNvSpPr>
-            <a:spLocks noGrp="1"/>
-          </p:cNvSpPr>
-          <p:nvPr>
-            <p:ph idx="1"/>
-          </p:nvPr>
-        </p:nvSpPr>
-        <p:spPr>
-          <a:extLst/>
-        </p:spPr>
-        <p:txBody>
-          <a:bodyPr>
-            <a:normAutofit fontScale="92500" lnSpcReduction="20000"/>
-          </a:bodyPr>
-          <a:lstStyle/>
-          <a:p>
-            <a:pPr>
-              <a:buFont typeface="Wingdings" pitchFamily="2" charset="2"/>
-              <a:buChar char="n"/>
-              <a:defRPr/>
-            </a:pPr>
-            <a:r>
-              <a:rPr lang="en-US" dirty="0" smtClean="0">
-                <a:ea typeface="+mn-ea"/>
-              </a:rPr>
-              <a:t>Write functions for:</a:t>
-            </a:r>
-          </a:p>
-          <a:p>
-            <a:pPr lvl="1">
-              <a:buFont typeface="Wingdings" pitchFamily="2" charset="2"/>
-              <a:buChar char="q"/>
-              <a:defRPr/>
-            </a:pPr>
-            <a:r>
-              <a:rPr lang="en-US" dirty="0" smtClean="0"/>
-              <a:t>Adding item to sorted list:</a:t>
-            </a:r>
-          </a:p>
-          <a:p>
-            <a:pPr marL="0" indent="0">
-              <a:buFont typeface="Wingdings" pitchFamily="2" charset="2"/>
-              <a:buNone/>
-              <a:defRPr/>
-            </a:pPr>
-            <a:r>
-              <a:rPr lang="en-US" sz="2400" b="1" dirty="0" err="1" smtClean="0">
-                <a:solidFill>
-                  <a:srgbClr val="2B91AF"/>
-                </a:solidFill>
-                <a:highlight>
-                  <a:srgbClr val="FFFFFF"/>
-                </a:highlight>
-                <a:latin typeface="Courier New" pitchFamily="49" charset="0"/>
-                <a:ea typeface="+mn-ea"/>
-                <a:cs typeface="Courier New" pitchFamily="49" charset="0"/>
-              </a:rPr>
-              <a:t>LLnode</a:t>
-            </a:r>
-            <a:r>
-              <a:rPr lang="en-US" sz="2400" b="1" dirty="0" smtClean="0">
-                <a:solidFill>
-                  <a:srgbClr val="000000"/>
-                </a:solidFill>
-                <a:highlight>
-                  <a:srgbClr val="FFFFFF"/>
-                </a:highlight>
-                <a:latin typeface="Courier New" pitchFamily="49" charset="0"/>
-                <a:ea typeface="+mn-ea"/>
-                <a:cs typeface="Courier New" pitchFamily="49" charset="0"/>
-              </a:rPr>
-              <a:t> </a:t>
-            </a:r>
-            <a:r>
-              <a:rPr lang="en-US" sz="2400" b="1" dirty="0">
-                <a:solidFill>
-                  <a:srgbClr val="000000"/>
-                </a:solidFill>
-                <a:highlight>
-                  <a:srgbClr val="FFFFFF"/>
-                </a:highlight>
-                <a:latin typeface="Courier New" pitchFamily="49" charset="0"/>
-                <a:ea typeface="+mn-ea"/>
-                <a:cs typeface="Courier New" pitchFamily="49" charset="0"/>
-              </a:rPr>
-              <a:t>*</a:t>
-            </a:r>
-            <a:r>
-              <a:rPr lang="en-US" sz="2400" b="1" dirty="0" err="1">
-                <a:solidFill>
-                  <a:srgbClr val="000000"/>
-                </a:solidFill>
-                <a:highlight>
-                  <a:srgbClr val="FFFFFF"/>
-                </a:highlight>
-                <a:latin typeface="Courier New" pitchFamily="49" charset="0"/>
-                <a:ea typeface="+mn-ea"/>
-                <a:cs typeface="Courier New" pitchFamily="49" charset="0"/>
-              </a:rPr>
-              <a:t>addSortedNode</a:t>
-            </a:r>
-            <a:r>
-              <a:rPr lang="en-US" sz="2400" b="1" dirty="0">
-                <a:solidFill>
-                  <a:srgbClr val="000000"/>
-                </a:solidFill>
-                <a:highlight>
-                  <a:srgbClr val="FFFFFF"/>
-                </a:highlight>
-                <a:latin typeface="Courier New" pitchFamily="49" charset="0"/>
-                <a:ea typeface="+mn-ea"/>
-                <a:cs typeface="Courier New" pitchFamily="49" charset="0"/>
-              </a:rPr>
-              <a:t>(</a:t>
-            </a:r>
-            <a:r>
-              <a:rPr lang="en-US" sz="2400" b="1" dirty="0" err="1">
-                <a:solidFill>
-                  <a:srgbClr val="2B91AF"/>
-                </a:solidFill>
-                <a:highlight>
-                  <a:srgbClr val="FFFFFF"/>
-                </a:highlight>
-                <a:latin typeface="Courier New" pitchFamily="49" charset="0"/>
-                <a:ea typeface="+mn-ea"/>
-                <a:cs typeface="Courier New" pitchFamily="49" charset="0"/>
-              </a:rPr>
-              <a:t>LLnode</a:t>
-            </a:r>
-            <a:r>
-              <a:rPr lang="en-US" sz="2400" b="1" dirty="0">
-                <a:solidFill>
-                  <a:srgbClr val="000000"/>
-                </a:solidFill>
-                <a:highlight>
-                  <a:srgbClr val="FFFFFF"/>
-                </a:highlight>
-                <a:latin typeface="Courier New" pitchFamily="49" charset="0"/>
-                <a:ea typeface="+mn-ea"/>
-                <a:cs typeface="Courier New" pitchFamily="49" charset="0"/>
-              </a:rPr>
-              <a:t> *list, </a:t>
-            </a:r>
-            <a:r>
-              <a:rPr lang="en-US" sz="2400" b="1" dirty="0" err="1">
-                <a:solidFill>
-                  <a:srgbClr val="0000FF"/>
-                </a:solidFill>
-                <a:highlight>
-                  <a:srgbClr val="FFFFFF"/>
-                </a:highlight>
-                <a:latin typeface="Courier New" pitchFamily="49" charset="0"/>
-                <a:ea typeface="+mn-ea"/>
-                <a:cs typeface="Courier New" pitchFamily="49" charset="0"/>
-              </a:rPr>
-              <a:t>int</a:t>
-            </a:r>
-            <a:r>
-              <a:rPr lang="en-US" sz="2400" b="1" dirty="0">
-                <a:solidFill>
-                  <a:srgbClr val="000000"/>
-                </a:solidFill>
-                <a:highlight>
-                  <a:srgbClr val="FFFFFF"/>
-                </a:highlight>
-                <a:latin typeface="Courier New" pitchFamily="49" charset="0"/>
-                <a:ea typeface="+mn-ea"/>
-                <a:cs typeface="Courier New" pitchFamily="49" charset="0"/>
-              </a:rPr>
-              <a:t> v);</a:t>
-            </a:r>
-            <a:endParaRPr lang="en-US" sz="2400" b="1" dirty="0" smtClean="0">
-              <a:latin typeface="Courier New" pitchFamily="49" charset="0"/>
-              <a:ea typeface="+mn-ea"/>
-              <a:cs typeface="Courier New" pitchFamily="49" charset="0"/>
-            </a:endParaRPr>
-          </a:p>
-          <a:p>
-            <a:pPr lvl="2">
-              <a:buFont typeface="Wingdings" pitchFamily="2" charset="2"/>
-              <a:buChar char="n"/>
-              <a:defRPr/>
-            </a:pPr>
-            <a:r>
-              <a:rPr lang="en-US" dirty="0" smtClean="0"/>
-              <a:t>Use </a:t>
-            </a:r>
-            <a:r>
-              <a:rPr lang="en-US" b="1" dirty="0" err="1" smtClean="0">
-                <a:latin typeface="Courier New" pitchFamily="49" charset="0"/>
-                <a:cs typeface="Courier New" pitchFamily="49" charset="0"/>
-              </a:rPr>
-              <a:t>addNode</a:t>
-            </a:r>
-            <a:r>
-              <a:rPr lang="en-US" b="1" dirty="0" smtClean="0">
-                <a:latin typeface="Courier New" pitchFamily="49" charset="0"/>
-                <a:cs typeface="Courier New" pitchFamily="49" charset="0"/>
-              </a:rPr>
-              <a:t>()</a:t>
-            </a:r>
-            <a:r>
-              <a:rPr lang="en-US" dirty="0" smtClean="0"/>
-              <a:t> as a starting point</a:t>
-            </a:r>
-          </a:p>
-          <a:p>
-            <a:pPr lvl="2">
-              <a:buFont typeface="Wingdings" pitchFamily="2" charset="2"/>
-              <a:buChar char="n"/>
-              <a:defRPr/>
-            </a:pPr>
-            <a:r>
-              <a:rPr lang="en-US" dirty="0" smtClean="0"/>
-              <a:t>Instead of adding node at beginning, find appropriate place in list and then add</a:t>
-            </a:r>
-          </a:p>
-          <a:p>
-            <a:pPr lvl="2">
-              <a:buFont typeface="Wingdings" pitchFamily="2" charset="2"/>
-              <a:buChar char="n"/>
-              <a:defRPr/>
-            </a:pPr>
-            <a:r>
-              <a:rPr lang="en-US" dirty="0" smtClean="0"/>
-              <a:t>Function </a:t>
-            </a:r>
-            <a:r>
-              <a:rPr lang="en-US" dirty="0"/>
-              <a:t>should return pointer to start of list after it has been modified</a:t>
-            </a:r>
-          </a:p>
-          <a:p>
-            <a:pPr lvl="1">
-              <a:buFont typeface="Wingdings" pitchFamily="2" charset="2"/>
-              <a:buChar char="q"/>
-              <a:defRPr/>
-            </a:pPr>
-            <a:endParaRPr lang="en-US" dirty="0" smtClean="0"/>
-          </a:p>
-          <a:p>
-            <a:pPr lvl="1">
-              <a:buFont typeface="Wingdings" pitchFamily="2" charset="2"/>
-              <a:buChar char="q"/>
-              <a:defRPr/>
-            </a:pPr>
-            <a:r>
-              <a:rPr lang="en-US" dirty="0" smtClean="0"/>
-              <a:t>Finding item in sorted list:</a:t>
-            </a:r>
-          </a:p>
-          <a:p>
-            <a:pPr marL="0" indent="0">
-              <a:buFont typeface="Wingdings" pitchFamily="2" charset="2"/>
-              <a:buNone/>
-              <a:defRPr/>
-            </a:pPr>
-            <a:r>
-              <a:rPr lang="da-DK" sz="2400" b="1" dirty="0">
-                <a:solidFill>
-                  <a:srgbClr val="2B91AF"/>
-                </a:solidFill>
-                <a:highlight>
-                  <a:srgbClr val="FFFFFF"/>
-                </a:highlight>
-                <a:latin typeface="Courier New" pitchFamily="49" charset="0"/>
-                <a:ea typeface="+mn-ea"/>
-                <a:cs typeface="Courier New" pitchFamily="49" charset="0"/>
-              </a:rPr>
-              <a:t>LLnode</a:t>
-            </a:r>
-            <a:r>
-              <a:rPr lang="da-DK" sz="2400" b="1" dirty="0">
-                <a:solidFill>
-                  <a:srgbClr val="000000"/>
-                </a:solidFill>
-                <a:highlight>
-                  <a:srgbClr val="FFFFFF"/>
-                </a:highlight>
-                <a:latin typeface="Courier New" pitchFamily="49" charset="0"/>
-                <a:ea typeface="+mn-ea"/>
-                <a:cs typeface="Courier New" pitchFamily="49" charset="0"/>
-              </a:rPr>
-              <a:t> *findSortedNode(</a:t>
-            </a:r>
-            <a:r>
-              <a:rPr lang="da-DK" sz="2400" b="1" dirty="0">
-                <a:solidFill>
-                  <a:srgbClr val="2B91AF"/>
-                </a:solidFill>
-                <a:highlight>
-                  <a:srgbClr val="FFFFFF"/>
-                </a:highlight>
-                <a:latin typeface="Courier New" pitchFamily="49" charset="0"/>
-                <a:ea typeface="+mn-ea"/>
-                <a:cs typeface="Courier New" pitchFamily="49" charset="0"/>
-              </a:rPr>
-              <a:t>LLnode</a:t>
-            </a:r>
-            <a:r>
-              <a:rPr lang="da-DK" sz="2400" b="1" dirty="0">
-                <a:solidFill>
-                  <a:srgbClr val="000000"/>
-                </a:solidFill>
-                <a:highlight>
-                  <a:srgbClr val="FFFFFF"/>
-                </a:highlight>
-                <a:latin typeface="Courier New" pitchFamily="49" charset="0"/>
-                <a:ea typeface="+mn-ea"/>
-                <a:cs typeface="Courier New" pitchFamily="49" charset="0"/>
-              </a:rPr>
-              <a:t> *list, </a:t>
-            </a:r>
-            <a:r>
-              <a:rPr lang="da-DK" sz="2400" b="1" dirty="0">
-                <a:solidFill>
-                  <a:srgbClr val="0000FF"/>
-                </a:solidFill>
-                <a:highlight>
-                  <a:srgbClr val="FFFFFF"/>
-                </a:highlight>
-                <a:latin typeface="Courier New" pitchFamily="49" charset="0"/>
-                <a:ea typeface="+mn-ea"/>
-                <a:cs typeface="Courier New" pitchFamily="49" charset="0"/>
-              </a:rPr>
-              <a:t>int</a:t>
-            </a:r>
-            <a:r>
-              <a:rPr lang="da-DK" sz="2400" b="1" dirty="0">
-                <a:solidFill>
-                  <a:srgbClr val="000000"/>
-                </a:solidFill>
-                <a:highlight>
-                  <a:srgbClr val="FFFFFF"/>
-                </a:highlight>
-                <a:latin typeface="Courier New" pitchFamily="49" charset="0"/>
-                <a:ea typeface="+mn-ea"/>
-                <a:cs typeface="Courier New" pitchFamily="49" charset="0"/>
-              </a:rPr>
-              <a:t> v</a:t>
-            </a:r>
-            <a:r>
-              <a:rPr lang="da-DK" sz="2400" b="1" dirty="0" smtClean="0">
-                <a:solidFill>
-                  <a:srgbClr val="000000"/>
-                </a:solidFill>
-                <a:highlight>
-                  <a:srgbClr val="FFFFFF"/>
-                </a:highlight>
-                <a:latin typeface="Courier New" pitchFamily="49" charset="0"/>
-                <a:ea typeface="+mn-ea"/>
-                <a:cs typeface="Courier New" pitchFamily="49" charset="0"/>
-              </a:rPr>
-              <a:t>);</a:t>
-            </a:r>
-          </a:p>
-          <a:p>
-            <a:pPr lvl="2">
-              <a:buFont typeface="Wingdings" pitchFamily="2" charset="2"/>
-              <a:buChar char="n"/>
-              <a:defRPr/>
-            </a:pPr>
-            <a:r>
-              <a:rPr lang="en-US" dirty="0" smtClean="0"/>
-              <a:t>Use</a:t>
-            </a:r>
-            <a:r>
-              <a:rPr lang="en-US" b="1" dirty="0" smtClean="0">
-                <a:cs typeface="Courier New" pitchFamily="49" charset="0"/>
-              </a:rPr>
-              <a:t> </a:t>
-            </a:r>
-            <a:r>
-              <a:rPr lang="en-US" b="1" dirty="0" err="1" smtClean="0">
-                <a:latin typeface="Courier New" pitchFamily="49" charset="0"/>
-                <a:cs typeface="Courier New" pitchFamily="49" charset="0"/>
-              </a:rPr>
-              <a:t>findNode</a:t>
-            </a:r>
-            <a:r>
-              <a:rPr lang="en-US" b="1" dirty="0" smtClean="0">
-                <a:latin typeface="Courier New" pitchFamily="49" charset="0"/>
-                <a:cs typeface="Courier New" pitchFamily="49" charset="0"/>
-              </a:rPr>
-              <a:t>()</a:t>
-            </a:r>
-            <a:r>
-              <a:rPr lang="en-US" dirty="0" smtClean="0"/>
-              <a:t> as starting point—should perform same operation, but more efficiently</a:t>
-            </a:r>
-          </a:p>
-          <a:p>
-            <a:pPr lvl="2">
-              <a:buFont typeface="Wingdings" pitchFamily="2" charset="2"/>
-              <a:buChar char="n"/>
-              <a:defRPr/>
-            </a:pPr>
-            <a:r>
-              <a:rPr lang="en-US" dirty="0" smtClean="0"/>
-              <a:t>Function </a:t>
-            </a:r>
-            <a:r>
-              <a:rPr lang="en-US" dirty="0"/>
-              <a:t>should return pointer to node if found</a:t>
-            </a:r>
-          </a:p>
-          <a:p>
-            <a:pPr lvl="2">
-              <a:buFont typeface="Wingdings" pitchFamily="2" charset="2"/>
-              <a:buChar char="n"/>
-              <a:defRPr/>
-            </a:pPr>
-            <a:r>
-              <a:rPr lang="en-US" dirty="0"/>
-              <a:t>Return NULL otherwise</a:t>
-            </a:r>
-          </a:p>
-          <a:p>
-            <a:pPr lvl="2">
-              <a:buFont typeface="Wingdings" pitchFamily="2" charset="2"/>
-              <a:buChar char="n"/>
-              <a:defRPr/>
-            </a:pPr>
-            <a:endParaRPr lang="en-US" b="1" dirty="0" smtClean="0">
-              <a:cs typeface="Courier New" pitchFamily="49" charset="0"/>
-            </a:endParaRPr>
-          </a:p>
-        </p:txBody>
-      </p:sp>
-      <p:sp>
-        <p:nvSpPr>
-          <p:cNvPr id="4" name="Date Placeholder 3"/>
-          <p:cNvSpPr>
-            <a:spLocks noGrp="1"/>
-          </p:cNvSpPr>
-          <p:nvPr>
-            <p:ph type="dt" sz="quarter" idx="10"/>
-          </p:nvPr>
-        </p:nvSpPr>
-        <p:spPr/>
-        <p:txBody>
-          <a:bodyPr/>
-          <a:lstStyle>
-            <a:lvl1pPr eaLnBrk="0" hangingPunct="0">
-              <a:defRPr>
-                <a:solidFill>
-                  <a:schemeClr val="tx1"/>
-                </a:solidFill>
-                <a:latin typeface="Arial" charset="0"/>
-                <a:ea typeface="ＭＳ Ｐゴシック" charset="0"/>
-                <a:cs typeface="Arial" charset="0"/>
-              </a:defRPr>
-            </a:lvl1pPr>
-            <a:lvl2pPr marL="742950" indent="-285750" eaLnBrk="0" hangingPunct="0">
-              <a:defRPr>
-                <a:solidFill>
-                  <a:schemeClr val="tx1"/>
-                </a:solidFill>
-                <a:latin typeface="Arial" charset="0"/>
-                <a:ea typeface="Arial" charset="0"/>
-                <a:cs typeface="Arial" charset="0"/>
-              </a:defRPr>
-            </a:lvl2pPr>
-            <a:lvl3pPr marL="1143000" indent="-228600" eaLnBrk="0" hangingPunct="0">
-              <a:defRPr>
-                <a:solidFill>
-                  <a:schemeClr val="tx1"/>
-                </a:solidFill>
-                <a:latin typeface="Arial" charset="0"/>
-                <a:ea typeface="Arial" charset="0"/>
-                <a:cs typeface="Arial" charset="0"/>
-              </a:defRPr>
-            </a:lvl3pPr>
-            <a:lvl4pPr marL="1600200" indent="-228600" eaLnBrk="0" hangingPunct="0">
-              <a:defRPr>
-                <a:solidFill>
-                  <a:schemeClr val="tx1"/>
-                </a:solidFill>
-                <a:latin typeface="Arial" charset="0"/>
-                <a:ea typeface="Arial" charset="0"/>
-                <a:cs typeface="Arial" charset="0"/>
-              </a:defRPr>
-            </a:lvl4pPr>
-            <a:lvl5pPr marL="2057400" indent="-228600" eaLnBrk="0" hangingPunct="0">
-              <a:defRPr>
-                <a:solidFill>
-                  <a:schemeClr val="tx1"/>
-                </a:solidFill>
-                <a:latin typeface="Arial" charset="0"/>
-                <a:ea typeface="Arial" charset="0"/>
-                <a:cs typeface="Arial" charset="0"/>
-              </a:defRPr>
-            </a:lvl5pPr>
-            <a:lvl6pPr marL="2514600" indent="-228600" eaLnBrk="0" fontAlgn="base" hangingPunct="0">
-              <a:spcBef>
-                <a:spcPct val="0"/>
-              </a:spcBef>
-              <a:spcAft>
-                <a:spcPct val="0"/>
-              </a:spcAft>
-              <a:defRPr>
-                <a:solidFill>
-                  <a:schemeClr val="tx1"/>
-                </a:solidFill>
-                <a:latin typeface="Arial" charset="0"/>
-                <a:ea typeface="Arial" charset="0"/>
-                <a:cs typeface="Arial" charset="0"/>
-              </a:defRPr>
-            </a:lvl6pPr>
-            <a:lvl7pPr marL="2971800" indent="-228600" eaLnBrk="0" fontAlgn="base" hangingPunct="0">
-              <a:spcBef>
-                <a:spcPct val="0"/>
-              </a:spcBef>
-              <a:spcAft>
-                <a:spcPct val="0"/>
-              </a:spcAft>
-              <a:defRPr>
-                <a:solidFill>
-                  <a:schemeClr val="tx1"/>
-                </a:solidFill>
-                <a:latin typeface="Arial" charset="0"/>
-                <a:ea typeface="Arial" charset="0"/>
-                <a:cs typeface="Arial" charset="0"/>
-              </a:defRPr>
-            </a:lvl7pPr>
-            <a:lvl8pPr marL="3429000" indent="-228600" eaLnBrk="0" fontAlgn="base" hangingPunct="0">
-              <a:spcBef>
-                <a:spcPct val="0"/>
-              </a:spcBef>
-              <a:spcAft>
-                <a:spcPct val="0"/>
-              </a:spcAft>
-              <a:defRPr>
-                <a:solidFill>
-                  <a:schemeClr val="tx1"/>
-                </a:solidFill>
-                <a:latin typeface="Arial" charset="0"/>
-                <a:ea typeface="Arial" charset="0"/>
-                <a:cs typeface="Arial" charset="0"/>
-              </a:defRPr>
-            </a:lvl8pPr>
-            <a:lvl9pPr marL="3886200" indent="-228600" eaLnBrk="0" fontAlgn="base" hangingPunct="0">
-              <a:spcBef>
-                <a:spcPct val="0"/>
-              </a:spcBef>
-              <a:spcAft>
-                <a:spcPct val="0"/>
-              </a:spcAft>
-              <a:defRPr>
-                <a:solidFill>
-                  <a:schemeClr val="tx1"/>
-                </a:solidFill>
-                <a:latin typeface="Arial" charset="0"/>
-                <a:ea typeface="Arial" charset="0"/>
-                <a:cs typeface="Arial" charset="0"/>
-              </a:defRPr>
-            </a:lvl9pPr>
-          </a:lstStyle>
-          <a:p>
-            <a:pPr eaLnBrk="1" hangingPunct="1"/>
-            <a:fld id="{0EFE2F54-5134-FA42-B0A4-00D56BAF3FA1}" type="datetime1">
-              <a:rPr lang="en-US" smtClean="0">
-                <a:latin typeface="Garamond" charset="0"/>
-              </a:rPr>
-              <a:t>11/30/16</a:t>
-            </a:fld>
-            <a:endParaRPr lang="en-US">
-              <a:latin typeface="Garamond" charset="0"/>
-            </a:endParaRPr>
-          </a:p>
-        </p:txBody>
-      </p:sp>
-      <p:sp>
-        <p:nvSpPr>
-          <p:cNvPr id="5" name="Footer Placeholder 4"/>
-          <p:cNvSpPr>
-            <a:spLocks noGrp="1"/>
-          </p:cNvSpPr>
-          <p:nvPr>
-            <p:ph type="ftr" sz="quarter" idx="11"/>
-          </p:nvPr>
-        </p:nvSpPr>
-        <p:spPr/>
-        <p:txBody>
-          <a:bodyPr/>
-          <a:lstStyle/>
-          <a:p>
-            <a:pPr>
-              <a:defRPr/>
-            </a:pPr>
-            <a:r>
-              <a:rPr lang="en-US" altLang="en-US" smtClean="0"/>
-              <a:t>ECE Application Programming: Lecture 35</a:t>
-            </a:r>
-            <a:endParaRPr lang="en-US" altLang="en-US"/>
-          </a:p>
-        </p:txBody>
-      </p:sp>
-      <p:sp>
-        <p:nvSpPr>
-          <p:cNvPr id="6" name="Slide Number Placeholder 5"/>
-          <p:cNvSpPr>
-            <a:spLocks noGrp="1"/>
-          </p:cNvSpPr>
-          <p:nvPr>
-            <p:ph type="sldNum" sz="quarter" idx="12"/>
-          </p:nvPr>
-        </p:nvSpPr>
-        <p:spPr/>
-        <p:txBody>
-          <a:bodyPr/>
-          <a:lstStyle>
-            <a:lvl1pPr eaLnBrk="0" hangingPunct="0">
-              <a:defRPr>
-                <a:solidFill>
-                  <a:schemeClr val="tx1"/>
-                </a:solidFill>
-                <a:latin typeface="Arial" charset="0"/>
-                <a:ea typeface="ＭＳ Ｐゴシック" charset="0"/>
-                <a:cs typeface="Arial" charset="0"/>
-              </a:defRPr>
-            </a:lvl1pPr>
-            <a:lvl2pPr marL="742950" indent="-285750" eaLnBrk="0" hangingPunct="0">
-              <a:defRPr>
-                <a:solidFill>
-                  <a:schemeClr val="tx1"/>
-                </a:solidFill>
-                <a:latin typeface="Arial" charset="0"/>
-                <a:ea typeface="Arial" charset="0"/>
-                <a:cs typeface="Arial" charset="0"/>
-              </a:defRPr>
-            </a:lvl2pPr>
-            <a:lvl3pPr marL="1143000" indent="-228600" eaLnBrk="0" hangingPunct="0">
-              <a:defRPr>
-                <a:solidFill>
-                  <a:schemeClr val="tx1"/>
-                </a:solidFill>
-                <a:latin typeface="Arial" charset="0"/>
-                <a:ea typeface="Arial" charset="0"/>
-                <a:cs typeface="Arial" charset="0"/>
-              </a:defRPr>
-            </a:lvl3pPr>
-            <a:lvl4pPr marL="1600200" indent="-228600" eaLnBrk="0" hangingPunct="0">
-              <a:defRPr>
-                <a:solidFill>
-                  <a:schemeClr val="tx1"/>
-                </a:solidFill>
-                <a:latin typeface="Arial" charset="0"/>
-                <a:ea typeface="Arial" charset="0"/>
-                <a:cs typeface="Arial" charset="0"/>
-              </a:defRPr>
-            </a:lvl4pPr>
-            <a:lvl5pPr marL="2057400" indent="-228600" eaLnBrk="0" hangingPunct="0">
-              <a:defRPr>
-                <a:solidFill>
-                  <a:schemeClr val="tx1"/>
-                </a:solidFill>
-                <a:latin typeface="Arial" charset="0"/>
-                <a:ea typeface="Arial" charset="0"/>
-                <a:cs typeface="Arial" charset="0"/>
-              </a:defRPr>
-            </a:lvl5pPr>
-            <a:lvl6pPr marL="2514600" indent="-228600" eaLnBrk="0" fontAlgn="base" hangingPunct="0">
-              <a:spcBef>
-                <a:spcPct val="0"/>
-              </a:spcBef>
-              <a:spcAft>
-                <a:spcPct val="0"/>
-              </a:spcAft>
-              <a:defRPr>
-                <a:solidFill>
-                  <a:schemeClr val="tx1"/>
-                </a:solidFill>
-                <a:latin typeface="Arial" charset="0"/>
-                <a:ea typeface="Arial" charset="0"/>
-                <a:cs typeface="Arial" charset="0"/>
-              </a:defRPr>
-            </a:lvl6pPr>
-            <a:lvl7pPr marL="2971800" indent="-228600" eaLnBrk="0" fontAlgn="base" hangingPunct="0">
-              <a:spcBef>
-                <a:spcPct val="0"/>
-              </a:spcBef>
-              <a:spcAft>
-                <a:spcPct val="0"/>
-              </a:spcAft>
-              <a:defRPr>
-                <a:solidFill>
-                  <a:schemeClr val="tx1"/>
-                </a:solidFill>
-                <a:latin typeface="Arial" charset="0"/>
-                <a:ea typeface="Arial" charset="0"/>
-                <a:cs typeface="Arial" charset="0"/>
-              </a:defRPr>
-            </a:lvl7pPr>
-            <a:lvl8pPr marL="3429000" indent="-228600" eaLnBrk="0" fontAlgn="base" hangingPunct="0">
-              <a:spcBef>
-                <a:spcPct val="0"/>
-              </a:spcBef>
-              <a:spcAft>
-                <a:spcPct val="0"/>
-              </a:spcAft>
-              <a:defRPr>
-                <a:solidFill>
-                  <a:schemeClr val="tx1"/>
-                </a:solidFill>
-                <a:latin typeface="Arial" charset="0"/>
-                <a:ea typeface="Arial" charset="0"/>
-                <a:cs typeface="Arial" charset="0"/>
-              </a:defRPr>
-            </a:lvl8pPr>
-            <a:lvl9pPr marL="3886200" indent="-228600" eaLnBrk="0" fontAlgn="base" hangingPunct="0">
-              <a:spcBef>
-                <a:spcPct val="0"/>
-              </a:spcBef>
-              <a:spcAft>
-                <a:spcPct val="0"/>
-              </a:spcAft>
-              <a:defRPr>
-                <a:solidFill>
-                  <a:schemeClr val="tx1"/>
-                </a:solidFill>
-                <a:latin typeface="Arial" charset="0"/>
-                <a:ea typeface="Arial" charset="0"/>
-                <a:cs typeface="Arial" charset="0"/>
-              </a:defRPr>
-            </a:lvl9pPr>
-          </a:lstStyle>
-          <a:p>
-            <a:pPr eaLnBrk="1" hangingPunct="1"/>
-            <a:fld id="{AF765892-C395-3A41-B81E-CD511FE45088}" type="slidenum">
-              <a:rPr lang="en-US">
-                <a:latin typeface="Garamond" charset="0"/>
-              </a:rPr>
-              <a:pPr eaLnBrk="1" hangingPunct="1"/>
-              <a:t>12</a:t>
-            </a:fld>
-            <a:endParaRPr lang="en-US">
-              <a:latin typeface="Garamond" charset="0"/>
-            </a:endParaRPr>
-          </a:p>
-        </p:txBody>
-      </p:sp>
-    </p:spTree>
-    <p:extLst>
-      <p:ext uri="{BB962C8B-B14F-4D97-AF65-F5344CB8AC3E}">
-        <p14:creationId xmlns:p14="http://schemas.microsoft.com/office/powerpoint/2010/main" val="4148606594"/>
-      </p:ext>
-    </p:extLst>
-  </p:cSld>
-  <p:clrMapOvr>
-    <a:masterClrMapping/>
-  </p:clrMapOvr>
-  <p:timing>
-    <p:tnLst>
-      <p:par>
-        <p:cTn xmlns:p14="http://schemas.microsoft.com/office/powerpoint/2010/main" id="1" dur="indefinite" restart="never" nodeType="tmRoot"/>
-      </p:par>
-    </p:tnLst>
-  </p:timing>
-</p:sld>
-</file>
-
-<file path=ppt/slides/slide13.xml><?xml version="1.0" encoding="utf-8"?>
-<p:sld xmlns:a="http://schemas.openxmlformats.org/drawingml/2006/main" xmlns:r="http://schemas.openxmlformats.org/officeDocument/2006/relationships" xmlns:p="http://schemas.openxmlformats.org/presentationml/2006/main">
-  <p:cSld>
-    <p:spTree>
-      <p:nvGrpSpPr>
-        <p:cNvPr id="1" name=""/>
-        <p:cNvGrpSpPr/>
-        <p:nvPr/>
-      </p:nvGrpSpPr>
-      <p:grpSpPr>
-        <a:xfrm>
-          <a:off x="0" y="0"/>
-          <a:ext cx="0" cy="0"/>
-          <a:chOff x="0" y="0"/>
-          <a:chExt cx="0" cy="0"/>
-        </a:xfrm>
-      </p:grpSpPr>
-      <p:sp>
-        <p:nvSpPr>
-          <p:cNvPr id="9218" name="Title 1"/>
-          <p:cNvSpPr>
-            <a:spLocks noGrp="1"/>
-          </p:cNvSpPr>
-          <p:nvPr>
-            <p:ph type="title"/>
-          </p:nvPr>
-        </p:nvSpPr>
-        <p:spPr/>
-        <p:txBody>
-          <a:bodyPr>
-            <a:normAutofit fontScale="90000"/>
-          </a:bodyPr>
-          <a:lstStyle/>
-          <a:p>
-            <a:pPr>
-              <a:defRPr/>
-            </a:pPr>
-            <a:r>
-              <a:rPr lang="en-US" altLang="en-US" dirty="0" smtClean="0">
-                <a:ea typeface="+mj-ea"/>
-              </a:rPr>
-              <a:t>Going from </a:t>
-            </a:r>
-            <a:r>
-              <a:rPr lang="en-US" altLang="en-US" dirty="0" err="1" smtClean="0">
-                <a:ea typeface="+mj-ea"/>
-              </a:rPr>
-              <a:t>findNode</a:t>
-            </a:r>
-            <a:r>
-              <a:rPr lang="en-US" altLang="en-US" dirty="0" smtClean="0">
-                <a:ea typeface="+mj-ea"/>
-              </a:rPr>
-              <a:t> </a:t>
-            </a:r>
-            <a:r>
-              <a:rPr lang="en-US" altLang="en-US" dirty="0" smtClean="0">
-                <a:ea typeface="+mj-ea"/>
-                <a:sym typeface="Wingdings" panose="05000000000000000000" pitchFamily="2" charset="2"/>
-              </a:rPr>
-              <a:t> </a:t>
-            </a:r>
-            <a:r>
-              <a:rPr lang="en-US" altLang="en-US" dirty="0" err="1" smtClean="0">
-                <a:ea typeface="+mj-ea"/>
-                <a:sym typeface="Wingdings" panose="05000000000000000000" pitchFamily="2" charset="2"/>
-              </a:rPr>
-              <a:t>findSortedNode</a:t>
-            </a:r>
-            <a:endParaRPr lang="en-US" altLang="en-US" dirty="0" smtClean="0">
-              <a:ea typeface="+mj-ea"/>
-            </a:endParaRPr>
-          </a:p>
-        </p:txBody>
-      </p:sp>
-      <p:sp>
-        <p:nvSpPr>
-          <p:cNvPr id="3" name="Content Placeholder 2"/>
-          <p:cNvSpPr>
-            <a:spLocks noGrp="1"/>
-          </p:cNvSpPr>
-          <p:nvPr>
-            <p:ph idx="1"/>
-          </p:nvPr>
-        </p:nvSpPr>
-        <p:spPr>
-          <a:extLst/>
-        </p:spPr>
-        <p:txBody>
-          <a:bodyPr>
-            <a:normAutofit fontScale="92500" lnSpcReduction="20000"/>
-          </a:bodyPr>
-          <a:lstStyle/>
-          <a:p>
-            <a:pPr marL="0" indent="0">
-              <a:buFont typeface="Wingdings" pitchFamily="2" charset="2"/>
-              <a:buNone/>
-              <a:defRPr/>
-            </a:pPr>
-            <a:r>
-              <a:rPr lang="en-US" sz="2200" dirty="0" smtClean="0">
-                <a:highlight>
-                  <a:srgbClr val="FFFFFF"/>
-                </a:highlight>
-                <a:ea typeface="+mn-ea"/>
-                <a:cs typeface="Courier New" pitchFamily="49" charset="0"/>
-              </a:rPr>
-              <a:t>Original </a:t>
-            </a:r>
-            <a:r>
-              <a:rPr lang="en-US" sz="2200" dirty="0" err="1" smtClean="0">
-                <a:highlight>
-                  <a:srgbClr val="FFFFFF"/>
-                </a:highlight>
-                <a:ea typeface="+mn-ea"/>
-                <a:cs typeface="Courier New" pitchFamily="49" charset="0"/>
-              </a:rPr>
-              <a:t>findNode</a:t>
-            </a:r>
-            <a:r>
-              <a:rPr lang="en-US" sz="2200" dirty="0" smtClean="0">
-                <a:highlight>
-                  <a:srgbClr val="FFFFFF"/>
-                </a:highlight>
-                <a:ea typeface="+mn-ea"/>
-                <a:cs typeface="Courier New" pitchFamily="49" charset="0"/>
-              </a:rPr>
-              <a:t>() function below; how can we change search to make it slightly more efficient?</a:t>
-            </a:r>
-          </a:p>
-          <a:p>
-            <a:pPr marL="0" indent="0">
-              <a:buFont typeface="Wingdings" pitchFamily="2" charset="2"/>
-              <a:buNone/>
-              <a:defRPr/>
-            </a:pPr>
-            <a:endParaRPr lang="en-US" sz="2200" b="1" dirty="0">
-              <a:solidFill>
-                <a:srgbClr val="2B91AF"/>
-              </a:solidFill>
-              <a:highlight>
-                <a:srgbClr val="FFFFFF"/>
-              </a:highlight>
-              <a:latin typeface="Courier New" pitchFamily="49" charset="0"/>
-              <a:ea typeface="+mn-ea"/>
-              <a:cs typeface="Courier New" pitchFamily="49" charset="0"/>
-            </a:endParaRPr>
-          </a:p>
-          <a:p>
-            <a:pPr marL="0" indent="0">
-              <a:buFont typeface="Wingdings" pitchFamily="2" charset="2"/>
-              <a:buNone/>
-              <a:defRPr/>
-            </a:pPr>
-            <a:r>
-              <a:rPr lang="en-US" sz="2200" b="1" dirty="0" err="1" smtClean="0">
-                <a:solidFill>
-                  <a:srgbClr val="2B91AF"/>
-                </a:solidFill>
-                <a:highlight>
-                  <a:srgbClr val="FFFFFF"/>
-                </a:highlight>
-                <a:latin typeface="Courier New" pitchFamily="49" charset="0"/>
-                <a:ea typeface="+mn-ea"/>
-                <a:cs typeface="Courier New" pitchFamily="49" charset="0"/>
-              </a:rPr>
-              <a:t>LLnode</a:t>
-            </a:r>
-            <a:r>
-              <a:rPr lang="en-US" sz="2200" b="1" dirty="0" smtClean="0">
-                <a:solidFill>
-                  <a:srgbClr val="000000"/>
-                </a:solidFill>
-                <a:highlight>
-                  <a:srgbClr val="FFFFFF"/>
-                </a:highlight>
-                <a:latin typeface="Courier New" pitchFamily="49" charset="0"/>
-                <a:ea typeface="+mn-ea"/>
-                <a:cs typeface="Courier New" pitchFamily="49" charset="0"/>
-              </a:rPr>
-              <a:t> </a:t>
-            </a:r>
-            <a:r>
-              <a:rPr lang="en-US" sz="2200" b="1" dirty="0">
-                <a:solidFill>
-                  <a:srgbClr val="000000"/>
-                </a:solidFill>
-                <a:highlight>
-                  <a:srgbClr val="FFFFFF"/>
-                </a:highlight>
-                <a:latin typeface="Courier New" pitchFamily="49" charset="0"/>
-                <a:ea typeface="+mn-ea"/>
-                <a:cs typeface="Courier New" pitchFamily="49" charset="0"/>
-              </a:rPr>
-              <a:t>*</a:t>
-            </a:r>
-            <a:r>
-              <a:rPr lang="en-US" sz="2200" b="1" dirty="0" err="1" smtClean="0">
-                <a:solidFill>
-                  <a:srgbClr val="000000"/>
-                </a:solidFill>
-                <a:highlight>
-                  <a:srgbClr val="FFFFFF"/>
-                </a:highlight>
-                <a:latin typeface="Courier New" pitchFamily="49" charset="0"/>
-                <a:ea typeface="+mn-ea"/>
-                <a:cs typeface="Courier New" pitchFamily="49" charset="0"/>
-              </a:rPr>
-              <a:t>findNode</a:t>
-            </a:r>
-            <a:r>
-              <a:rPr lang="en-US" sz="2200" b="1" dirty="0" smtClean="0">
-                <a:solidFill>
-                  <a:srgbClr val="000000"/>
-                </a:solidFill>
-                <a:highlight>
-                  <a:srgbClr val="FFFFFF"/>
-                </a:highlight>
-                <a:latin typeface="Courier New" pitchFamily="49" charset="0"/>
-                <a:ea typeface="+mn-ea"/>
-                <a:cs typeface="Courier New" pitchFamily="49" charset="0"/>
-              </a:rPr>
-              <a:t>(</a:t>
-            </a:r>
-            <a:r>
-              <a:rPr lang="en-US" sz="2200" b="1" dirty="0" err="1" smtClean="0">
-                <a:solidFill>
-                  <a:srgbClr val="2B91AF"/>
-                </a:solidFill>
-                <a:highlight>
-                  <a:srgbClr val="FFFFFF"/>
-                </a:highlight>
-                <a:latin typeface="Courier New" pitchFamily="49" charset="0"/>
-                <a:ea typeface="+mn-ea"/>
-                <a:cs typeface="Courier New" pitchFamily="49" charset="0"/>
-              </a:rPr>
-              <a:t>LLnode</a:t>
-            </a:r>
-            <a:r>
-              <a:rPr lang="en-US" sz="2200" b="1" dirty="0" smtClean="0">
-                <a:solidFill>
-                  <a:srgbClr val="000000"/>
-                </a:solidFill>
-                <a:highlight>
-                  <a:srgbClr val="FFFFFF"/>
-                </a:highlight>
-                <a:latin typeface="Courier New" pitchFamily="49" charset="0"/>
-                <a:ea typeface="+mn-ea"/>
-                <a:cs typeface="Courier New" pitchFamily="49" charset="0"/>
-              </a:rPr>
-              <a:t> </a:t>
-            </a:r>
-            <a:r>
-              <a:rPr lang="en-US" sz="2200" b="1" dirty="0">
-                <a:solidFill>
-                  <a:srgbClr val="000000"/>
-                </a:solidFill>
-                <a:highlight>
-                  <a:srgbClr val="FFFFFF"/>
-                </a:highlight>
-                <a:latin typeface="Courier New" pitchFamily="49" charset="0"/>
-                <a:ea typeface="+mn-ea"/>
-                <a:cs typeface="Courier New" pitchFamily="49" charset="0"/>
-              </a:rPr>
-              <a:t>*</a:t>
-            </a:r>
-            <a:r>
-              <a:rPr lang="en-US" sz="2200" b="1" dirty="0" smtClean="0">
-                <a:solidFill>
-                  <a:srgbClr val="808080"/>
-                </a:solidFill>
-                <a:highlight>
-                  <a:srgbClr val="FFFFFF"/>
-                </a:highlight>
-                <a:latin typeface="Courier New" pitchFamily="49" charset="0"/>
-                <a:ea typeface="+mn-ea"/>
-                <a:cs typeface="Courier New" pitchFamily="49" charset="0"/>
-              </a:rPr>
-              <a:t>list</a:t>
-            </a:r>
-            <a:r>
-              <a:rPr lang="en-US" sz="2200" b="1" dirty="0">
-                <a:solidFill>
-                  <a:srgbClr val="000000"/>
-                </a:solidFill>
-                <a:highlight>
-                  <a:srgbClr val="FFFFFF"/>
-                </a:highlight>
-                <a:latin typeface="Courier New" pitchFamily="49" charset="0"/>
-                <a:ea typeface="+mn-ea"/>
-                <a:cs typeface="Courier New" pitchFamily="49" charset="0"/>
-              </a:rPr>
-              <a:t>, </a:t>
-            </a:r>
-            <a:r>
-              <a:rPr lang="en-US" sz="2200" b="1" dirty="0" err="1" smtClean="0">
-                <a:solidFill>
-                  <a:srgbClr val="0000FF"/>
-                </a:solidFill>
-                <a:highlight>
-                  <a:srgbClr val="FFFFFF"/>
-                </a:highlight>
-                <a:latin typeface="Courier New" pitchFamily="49" charset="0"/>
-                <a:ea typeface="+mn-ea"/>
-                <a:cs typeface="Courier New" pitchFamily="49" charset="0"/>
-              </a:rPr>
-              <a:t>int</a:t>
-            </a:r>
-            <a:r>
-              <a:rPr lang="en-US" sz="2200" b="1" dirty="0">
-                <a:solidFill>
-                  <a:srgbClr val="000000"/>
-                </a:solidFill>
-                <a:highlight>
-                  <a:srgbClr val="FFFFFF"/>
-                </a:highlight>
-                <a:latin typeface="Courier New" pitchFamily="49" charset="0"/>
-                <a:ea typeface="+mn-ea"/>
-                <a:cs typeface="Courier New" pitchFamily="49" charset="0"/>
-              </a:rPr>
-              <a:t> </a:t>
-            </a:r>
-            <a:r>
-              <a:rPr lang="en-US" sz="2200" b="1" dirty="0" smtClean="0">
-                <a:solidFill>
-                  <a:srgbClr val="808080"/>
-                </a:solidFill>
-                <a:highlight>
-                  <a:srgbClr val="FFFFFF"/>
-                </a:highlight>
-                <a:latin typeface="Courier New" pitchFamily="49" charset="0"/>
-                <a:ea typeface="+mn-ea"/>
-                <a:cs typeface="Courier New" pitchFamily="49" charset="0"/>
-              </a:rPr>
-              <a:t>v</a:t>
-            </a:r>
-            <a:r>
-              <a:rPr lang="en-US" sz="2200" b="1" dirty="0">
-                <a:solidFill>
-                  <a:srgbClr val="000000"/>
-                </a:solidFill>
-                <a:highlight>
-                  <a:srgbClr val="FFFFFF"/>
-                </a:highlight>
-                <a:latin typeface="Courier New" pitchFamily="49" charset="0"/>
-                <a:ea typeface="+mn-ea"/>
-                <a:cs typeface="Courier New" pitchFamily="49" charset="0"/>
-              </a:rPr>
-              <a:t>) {</a:t>
-            </a:r>
-          </a:p>
-          <a:p>
-            <a:pPr marL="327025" lvl="1" indent="0">
-              <a:buFont typeface="Wingdings" pitchFamily="2" charset="2"/>
-              <a:buNone/>
-              <a:defRPr/>
-            </a:pPr>
-            <a:r>
-              <a:rPr lang="en-US" sz="2200" b="1" dirty="0" err="1" smtClean="0">
-                <a:solidFill>
-                  <a:srgbClr val="2B91AF"/>
-                </a:solidFill>
-                <a:highlight>
-                  <a:srgbClr val="FFFFFF"/>
-                </a:highlight>
-                <a:latin typeface="Courier New" pitchFamily="49" charset="0"/>
-                <a:cs typeface="Courier New" pitchFamily="49" charset="0"/>
-              </a:rPr>
-              <a:t>LLnode</a:t>
-            </a:r>
-            <a:r>
-              <a:rPr lang="en-US" sz="2200" b="1" dirty="0">
-                <a:solidFill>
-                  <a:srgbClr val="000000"/>
-                </a:solidFill>
-                <a:highlight>
-                  <a:srgbClr val="FFFFFF"/>
-                </a:highlight>
-                <a:latin typeface="Courier New" pitchFamily="49" charset="0"/>
-                <a:cs typeface="Courier New" pitchFamily="49" charset="0"/>
-              </a:rPr>
-              <a:t> *n;</a:t>
-            </a:r>
-          </a:p>
-          <a:p>
-            <a:pPr marL="327025" lvl="1" indent="0">
-              <a:buFont typeface="Wingdings" pitchFamily="2" charset="2"/>
-              <a:buNone/>
-              <a:defRPr/>
-            </a:pPr>
-            <a:endParaRPr lang="en-US" sz="2200" b="1" dirty="0">
-              <a:solidFill>
-                <a:srgbClr val="000000"/>
-              </a:solidFill>
-              <a:highlight>
-                <a:srgbClr val="FFFFFF"/>
-              </a:highlight>
-              <a:latin typeface="Courier New" pitchFamily="49" charset="0"/>
-              <a:cs typeface="Courier New" pitchFamily="49" charset="0"/>
-            </a:endParaRPr>
-          </a:p>
-          <a:p>
-            <a:pPr marL="327025" lvl="1" indent="0">
-              <a:buFont typeface="Wingdings" pitchFamily="2" charset="2"/>
-              <a:buNone/>
-              <a:defRPr/>
-            </a:pPr>
-            <a:r>
-              <a:rPr lang="en-US" sz="2200" b="1" dirty="0">
-                <a:solidFill>
-                  <a:srgbClr val="000000"/>
-                </a:solidFill>
-                <a:highlight>
-                  <a:srgbClr val="FFFFFF"/>
-                </a:highlight>
-                <a:latin typeface="Courier New" pitchFamily="49" charset="0"/>
-                <a:cs typeface="Courier New" pitchFamily="49" charset="0"/>
-              </a:rPr>
-              <a:t>n = </a:t>
-            </a:r>
-            <a:r>
-              <a:rPr lang="en-US" sz="2200" b="1" dirty="0" smtClean="0">
-                <a:solidFill>
-                  <a:srgbClr val="808080"/>
-                </a:solidFill>
-                <a:highlight>
-                  <a:srgbClr val="FFFFFF"/>
-                </a:highlight>
-                <a:latin typeface="Courier New" pitchFamily="49" charset="0"/>
-                <a:cs typeface="Courier New" pitchFamily="49" charset="0"/>
-              </a:rPr>
-              <a:t>list</a:t>
-            </a:r>
-            <a:r>
-              <a:rPr lang="en-US" sz="2200" b="1" dirty="0" smtClean="0">
-                <a:solidFill>
-                  <a:srgbClr val="000000"/>
-                </a:solidFill>
-                <a:highlight>
-                  <a:srgbClr val="FFFFFF"/>
-                </a:highlight>
-                <a:latin typeface="Courier New" pitchFamily="49" charset="0"/>
-                <a:cs typeface="Courier New" pitchFamily="49" charset="0"/>
-              </a:rPr>
-              <a:t>;  </a:t>
-            </a:r>
-            <a:r>
-              <a:rPr lang="en-US" sz="2200" b="1" dirty="0" smtClean="0">
-                <a:solidFill>
-                  <a:srgbClr val="008000"/>
-                </a:solidFill>
-                <a:highlight>
-                  <a:srgbClr val="FFFFFF"/>
-                </a:highlight>
-                <a:latin typeface="Courier New" pitchFamily="49" charset="0"/>
-                <a:cs typeface="Courier New" pitchFamily="49" charset="0"/>
-              </a:rPr>
-              <a:t>// Start with first node</a:t>
-            </a:r>
-            <a:endParaRPr lang="en-US" sz="2200" b="1" dirty="0">
-              <a:solidFill>
-                <a:srgbClr val="000000"/>
-              </a:solidFill>
-              <a:highlight>
-                <a:srgbClr val="FFFFFF"/>
-              </a:highlight>
-              <a:latin typeface="Courier New" pitchFamily="49" charset="0"/>
-              <a:cs typeface="Courier New" pitchFamily="49" charset="0"/>
-            </a:endParaRPr>
-          </a:p>
-          <a:p>
-            <a:pPr marL="327025" lvl="1" indent="0">
-              <a:buFont typeface="Wingdings" pitchFamily="2" charset="2"/>
-              <a:buNone/>
-              <a:defRPr/>
-            </a:pPr>
-            <a:endParaRPr lang="en-US" sz="2200" b="1" dirty="0">
-              <a:solidFill>
-                <a:srgbClr val="000000"/>
-              </a:solidFill>
-              <a:highlight>
-                <a:srgbClr val="FFFFFF"/>
-              </a:highlight>
-              <a:latin typeface="Courier New" pitchFamily="49" charset="0"/>
-              <a:cs typeface="Courier New" pitchFamily="49" charset="0"/>
-            </a:endParaRPr>
-          </a:p>
-          <a:p>
-            <a:pPr marL="327025" lvl="1" indent="0">
-              <a:buFont typeface="Wingdings" pitchFamily="2" charset="2"/>
-              <a:buNone/>
-              <a:defRPr/>
-            </a:pPr>
-            <a:r>
-              <a:rPr lang="en-US" sz="2200" b="1" u="sng" dirty="0" smtClean="0">
-                <a:solidFill>
-                  <a:srgbClr val="FF0000"/>
-                </a:solidFill>
-                <a:highlight>
-                  <a:srgbClr val="FFFFFF"/>
-                </a:highlight>
-                <a:latin typeface="Courier New" pitchFamily="49" charset="0"/>
-                <a:cs typeface="Courier New" pitchFamily="49" charset="0"/>
-              </a:rPr>
-              <a:t>while</a:t>
-            </a:r>
-            <a:r>
-              <a:rPr lang="en-US" sz="2200" b="1" u="sng" dirty="0">
-                <a:solidFill>
-                  <a:srgbClr val="FF0000"/>
-                </a:solidFill>
-                <a:highlight>
-                  <a:srgbClr val="FFFFFF"/>
-                </a:highlight>
-                <a:latin typeface="Courier New" pitchFamily="49" charset="0"/>
-                <a:cs typeface="Courier New" pitchFamily="49" charset="0"/>
-              </a:rPr>
-              <a:t> (n != </a:t>
-            </a:r>
-            <a:r>
-              <a:rPr lang="en-US" sz="2200" b="1" u="sng" dirty="0" smtClean="0">
-                <a:solidFill>
-                  <a:srgbClr val="FF0000"/>
-                </a:solidFill>
-                <a:highlight>
-                  <a:srgbClr val="FFFFFF"/>
-                </a:highlight>
-                <a:latin typeface="Courier New" pitchFamily="49" charset="0"/>
-                <a:cs typeface="Courier New" pitchFamily="49" charset="0"/>
-              </a:rPr>
-              <a:t>NULL</a:t>
-            </a:r>
-            <a:r>
-              <a:rPr lang="en-US" sz="2200" b="1" u="sng" dirty="0">
-                <a:solidFill>
-                  <a:srgbClr val="FF0000"/>
-                </a:solidFill>
-                <a:highlight>
-                  <a:srgbClr val="FFFFFF"/>
-                </a:highlight>
-                <a:latin typeface="Courier New" pitchFamily="49" charset="0"/>
-                <a:cs typeface="Courier New" pitchFamily="49" charset="0"/>
-              </a:rPr>
-              <a:t>)</a:t>
-            </a:r>
-            <a:r>
-              <a:rPr lang="en-US" sz="2200" b="1" dirty="0">
-                <a:solidFill>
-                  <a:srgbClr val="000000"/>
-                </a:solidFill>
-                <a:highlight>
-                  <a:srgbClr val="FFFFFF"/>
-                </a:highlight>
-                <a:latin typeface="Courier New" pitchFamily="49" charset="0"/>
-                <a:cs typeface="Courier New" pitchFamily="49" charset="0"/>
-              </a:rPr>
-              <a:t> </a:t>
-            </a:r>
-            <a:r>
-              <a:rPr lang="en-US" sz="2200" b="1" dirty="0" smtClean="0">
-                <a:solidFill>
-                  <a:srgbClr val="000000"/>
-                </a:solidFill>
-                <a:highlight>
-                  <a:srgbClr val="FFFFFF"/>
-                </a:highlight>
-                <a:latin typeface="Courier New" pitchFamily="49" charset="0"/>
-                <a:cs typeface="Courier New" pitchFamily="49" charset="0"/>
-              </a:rPr>
-              <a:t>{   </a:t>
-            </a:r>
-            <a:r>
-              <a:rPr lang="en-US" sz="2200" b="1" dirty="0" smtClean="0">
-                <a:solidFill>
-                  <a:srgbClr val="008000"/>
-                </a:solidFill>
-                <a:highlight>
-                  <a:srgbClr val="FFFFFF"/>
-                </a:highlight>
-                <a:latin typeface="Courier New" pitchFamily="49" charset="0"/>
-                <a:cs typeface="Courier New" pitchFamily="49" charset="0"/>
-              </a:rPr>
-              <a:t>// Search until after </a:t>
-            </a:r>
-          </a:p>
-          <a:p>
-            <a:pPr marL="327025" lvl="1" indent="0">
-              <a:buFont typeface="Wingdings" pitchFamily="2" charset="2"/>
-              <a:buNone/>
-              <a:defRPr/>
-            </a:pPr>
-            <a:r>
-              <a:rPr lang="en-US" sz="2200" b="1" dirty="0">
-                <a:solidFill>
-                  <a:srgbClr val="008000"/>
-                </a:solidFill>
-                <a:highlight>
-                  <a:srgbClr val="FFFFFF"/>
-                </a:highlight>
-                <a:latin typeface="Courier New" pitchFamily="49" charset="0"/>
-                <a:cs typeface="Courier New" pitchFamily="49" charset="0"/>
-              </a:rPr>
-              <a:t>	</a:t>
-            </a:r>
-            <a:r>
-              <a:rPr lang="en-US" sz="2200" b="1" dirty="0" smtClean="0">
-                <a:solidFill>
-                  <a:srgbClr val="008000"/>
-                </a:solidFill>
-                <a:highlight>
-                  <a:srgbClr val="FFFFFF"/>
-                </a:highlight>
-                <a:latin typeface="Courier New" pitchFamily="49" charset="0"/>
-                <a:cs typeface="Courier New" pitchFamily="49" charset="0"/>
-              </a:rPr>
-              <a:t>		</a:t>
-            </a:r>
-            <a:r>
-              <a:rPr lang="en-US" sz="2200" b="1" dirty="0">
-                <a:solidFill>
-                  <a:srgbClr val="008000"/>
-                </a:solidFill>
-                <a:highlight>
-                  <a:srgbClr val="FFFFFF"/>
-                </a:highlight>
-                <a:latin typeface="Courier New" pitchFamily="49" charset="0"/>
-                <a:cs typeface="Courier New" pitchFamily="49" charset="0"/>
-              </a:rPr>
-              <a:t>	</a:t>
-            </a:r>
-            <a:r>
-              <a:rPr lang="en-US" sz="2200" b="1" dirty="0" smtClean="0">
-                <a:solidFill>
-                  <a:srgbClr val="008000"/>
-                </a:solidFill>
-                <a:highlight>
-                  <a:srgbClr val="FFFFFF"/>
-                </a:highlight>
-                <a:latin typeface="Courier New" pitchFamily="49" charset="0"/>
-                <a:cs typeface="Courier New" pitchFamily="49" charset="0"/>
-              </a:rPr>
-              <a:t>//   last node</a:t>
-            </a:r>
-            <a:endParaRPr lang="en-US" sz="2200" b="1" dirty="0">
-              <a:solidFill>
-                <a:srgbClr val="000000"/>
-              </a:solidFill>
-              <a:highlight>
-                <a:srgbClr val="FFFFFF"/>
-              </a:highlight>
-              <a:latin typeface="Courier New" pitchFamily="49" charset="0"/>
-              <a:cs typeface="Courier New" pitchFamily="49" charset="0"/>
-            </a:endParaRPr>
-          </a:p>
-          <a:p>
-            <a:pPr marL="679450" lvl="2" indent="0">
-              <a:buFont typeface="Wingdings" pitchFamily="2" charset="2"/>
-              <a:buNone/>
-              <a:defRPr/>
-            </a:pPr>
-            <a:r>
-              <a:rPr lang="en-US" b="1" dirty="0" smtClean="0">
-                <a:solidFill>
-                  <a:srgbClr val="0000FF"/>
-                </a:solidFill>
-                <a:highlight>
-                  <a:srgbClr val="FFFFFF"/>
-                </a:highlight>
-                <a:latin typeface="Courier New" pitchFamily="49" charset="0"/>
-                <a:cs typeface="Courier New" pitchFamily="49" charset="0"/>
-              </a:rPr>
-              <a:t>if</a:t>
-            </a:r>
-            <a:r>
-              <a:rPr lang="en-US" b="1" dirty="0">
-                <a:solidFill>
-                  <a:srgbClr val="000000"/>
-                </a:solidFill>
-                <a:highlight>
-                  <a:srgbClr val="FFFFFF"/>
-                </a:highlight>
-                <a:latin typeface="Courier New" pitchFamily="49" charset="0"/>
-                <a:cs typeface="Courier New" pitchFamily="49" charset="0"/>
-              </a:rPr>
-              <a:t> (n-&gt;value == </a:t>
-            </a:r>
-            <a:r>
-              <a:rPr lang="en-US" b="1" dirty="0" smtClean="0">
-                <a:solidFill>
-                  <a:srgbClr val="808080"/>
-                </a:solidFill>
-                <a:highlight>
-                  <a:srgbClr val="FFFFFF"/>
-                </a:highlight>
-                <a:latin typeface="Courier New" pitchFamily="49" charset="0"/>
-                <a:cs typeface="Courier New" pitchFamily="49" charset="0"/>
-              </a:rPr>
-              <a:t>v</a:t>
-            </a:r>
-            <a:r>
-              <a:rPr lang="en-US" b="1" dirty="0" smtClean="0">
-                <a:solidFill>
-                  <a:srgbClr val="000000"/>
-                </a:solidFill>
-                <a:highlight>
-                  <a:srgbClr val="FFFFFF"/>
-                </a:highlight>
-                <a:latin typeface="Courier New" pitchFamily="49" charset="0"/>
-                <a:cs typeface="Courier New" pitchFamily="49" charset="0"/>
-              </a:rPr>
-              <a:t>)    </a:t>
-            </a:r>
-            <a:r>
-              <a:rPr lang="en-US" b="1" dirty="0" smtClean="0">
-                <a:solidFill>
-                  <a:srgbClr val="008000"/>
-                </a:solidFill>
-                <a:highlight>
-                  <a:srgbClr val="FFFFFF"/>
-                </a:highlight>
-                <a:latin typeface="Courier New" pitchFamily="49" charset="0"/>
-                <a:cs typeface="Courier New" pitchFamily="49" charset="0"/>
-              </a:rPr>
-              <a:t>// Data found--return n</a:t>
-            </a:r>
-            <a:endParaRPr lang="en-US" b="1" dirty="0">
-              <a:solidFill>
-                <a:srgbClr val="000000"/>
-              </a:solidFill>
-              <a:highlight>
-                <a:srgbClr val="FFFFFF"/>
-              </a:highlight>
-              <a:latin typeface="Courier New" pitchFamily="49" charset="0"/>
-              <a:cs typeface="Courier New" pitchFamily="49" charset="0"/>
-            </a:endParaRPr>
-          </a:p>
-          <a:p>
-            <a:pPr marL="679450" lvl="2" indent="0">
-              <a:buFont typeface="Wingdings" pitchFamily="2" charset="2"/>
-              <a:buNone/>
-              <a:defRPr/>
-            </a:pPr>
-            <a:r>
-              <a:rPr lang="en-US" b="1" dirty="0" smtClean="0">
-                <a:solidFill>
-                  <a:srgbClr val="0000FF"/>
-                </a:solidFill>
-                <a:highlight>
-                  <a:srgbClr val="FFFFFF"/>
-                </a:highlight>
-                <a:latin typeface="Courier New" pitchFamily="49" charset="0"/>
-                <a:cs typeface="Courier New" pitchFamily="49" charset="0"/>
-              </a:rPr>
-              <a:t>	return</a:t>
-            </a:r>
-            <a:r>
-              <a:rPr lang="en-US" b="1" dirty="0" smtClean="0">
-                <a:solidFill>
-                  <a:srgbClr val="000000"/>
-                </a:solidFill>
-                <a:highlight>
-                  <a:srgbClr val="FFFFFF"/>
-                </a:highlight>
-                <a:latin typeface="Courier New" pitchFamily="49" charset="0"/>
-                <a:cs typeface="Courier New" pitchFamily="49" charset="0"/>
-              </a:rPr>
-              <a:t> </a:t>
-            </a:r>
-            <a:r>
-              <a:rPr lang="en-US" b="1" dirty="0">
-                <a:solidFill>
-                  <a:srgbClr val="000000"/>
-                </a:solidFill>
-                <a:highlight>
-                  <a:srgbClr val="FFFFFF"/>
-                </a:highlight>
-                <a:latin typeface="Courier New" pitchFamily="49" charset="0"/>
-                <a:cs typeface="Courier New" pitchFamily="49" charset="0"/>
-              </a:rPr>
-              <a:t>n;</a:t>
-            </a:r>
-          </a:p>
-          <a:p>
-            <a:pPr marL="679450" lvl="2" indent="0">
-              <a:buFont typeface="Wingdings" pitchFamily="2" charset="2"/>
-              <a:buNone/>
-              <a:defRPr/>
-            </a:pPr>
-            <a:r>
-              <a:rPr lang="en-US" b="1" dirty="0">
-                <a:solidFill>
-                  <a:srgbClr val="000000"/>
-                </a:solidFill>
-                <a:highlight>
-                  <a:srgbClr val="FFFFFF"/>
-                </a:highlight>
-                <a:latin typeface="Courier New" pitchFamily="49" charset="0"/>
-                <a:cs typeface="Courier New" pitchFamily="49" charset="0"/>
-              </a:rPr>
-              <a:t>n = n-&gt;next;</a:t>
-            </a:r>
-          </a:p>
-          <a:p>
-            <a:pPr marL="327025" lvl="1" indent="0">
-              <a:buFont typeface="Wingdings" pitchFamily="2" charset="2"/>
-              <a:buNone/>
-              <a:defRPr/>
-            </a:pPr>
-            <a:r>
-              <a:rPr lang="en-US" sz="2200" b="1" dirty="0">
-                <a:solidFill>
-                  <a:srgbClr val="000000"/>
-                </a:solidFill>
-                <a:highlight>
-                  <a:srgbClr val="FFFFFF"/>
-                </a:highlight>
-                <a:latin typeface="Courier New" pitchFamily="49" charset="0"/>
-                <a:cs typeface="Courier New" pitchFamily="49" charset="0"/>
-              </a:rPr>
-              <a:t>}</a:t>
-            </a:r>
-          </a:p>
-          <a:p>
-            <a:pPr marL="327025" lvl="1" indent="0">
-              <a:buFont typeface="Wingdings" pitchFamily="2" charset="2"/>
-              <a:buNone/>
-              <a:defRPr/>
-            </a:pPr>
-            <a:r>
-              <a:rPr lang="en-US" sz="2200" b="1" dirty="0" smtClean="0">
-                <a:solidFill>
-                  <a:srgbClr val="0000FF"/>
-                </a:solidFill>
-                <a:highlight>
-                  <a:srgbClr val="FFFFFF"/>
-                </a:highlight>
-                <a:latin typeface="Courier New" pitchFamily="49" charset="0"/>
-                <a:cs typeface="Courier New" pitchFamily="49" charset="0"/>
-              </a:rPr>
-              <a:t>return</a:t>
-            </a:r>
-            <a:r>
-              <a:rPr lang="en-US" sz="2200" b="1" dirty="0">
-                <a:solidFill>
-                  <a:srgbClr val="000000"/>
-                </a:solidFill>
-                <a:highlight>
-                  <a:srgbClr val="FFFFFF"/>
-                </a:highlight>
-                <a:latin typeface="Courier New" pitchFamily="49" charset="0"/>
-                <a:cs typeface="Courier New" pitchFamily="49" charset="0"/>
-              </a:rPr>
-              <a:t> </a:t>
-            </a:r>
-            <a:r>
-              <a:rPr lang="en-US" sz="2200" b="1" dirty="0" smtClean="0">
-                <a:solidFill>
-                  <a:srgbClr val="6F008A"/>
-                </a:solidFill>
-                <a:highlight>
-                  <a:srgbClr val="FFFFFF"/>
-                </a:highlight>
-                <a:latin typeface="Courier New" pitchFamily="49" charset="0"/>
-                <a:cs typeface="Courier New" pitchFamily="49" charset="0"/>
-              </a:rPr>
-              <a:t>NULL</a:t>
-            </a:r>
-            <a:r>
-              <a:rPr lang="en-US" sz="2200" b="1" dirty="0" smtClean="0">
-                <a:solidFill>
-                  <a:srgbClr val="000000"/>
-                </a:solidFill>
-                <a:highlight>
-                  <a:srgbClr val="FFFFFF"/>
-                </a:highlight>
-                <a:latin typeface="Courier New" pitchFamily="49" charset="0"/>
-                <a:cs typeface="Courier New" pitchFamily="49" charset="0"/>
-              </a:rPr>
-              <a:t>; </a:t>
-            </a:r>
-            <a:r>
-              <a:rPr lang="en-US" sz="2200" b="1" dirty="0" smtClean="0">
-                <a:solidFill>
-                  <a:srgbClr val="008000"/>
-                </a:solidFill>
-                <a:highlight>
-                  <a:srgbClr val="FFFFFF"/>
-                </a:highlight>
-                <a:latin typeface="Courier New" pitchFamily="49" charset="0"/>
-                <a:cs typeface="Courier New" pitchFamily="49" charset="0"/>
-              </a:rPr>
-              <a:t>// If you get here, data wasn't found</a:t>
-            </a:r>
-            <a:endParaRPr lang="en-US" sz="2200" b="1" dirty="0">
-              <a:solidFill>
-                <a:srgbClr val="000000"/>
-              </a:solidFill>
-              <a:highlight>
-                <a:srgbClr val="FFFFFF"/>
-              </a:highlight>
-              <a:latin typeface="Courier New" pitchFamily="49" charset="0"/>
-              <a:cs typeface="Courier New" pitchFamily="49" charset="0"/>
-            </a:endParaRPr>
-          </a:p>
-          <a:p>
-            <a:pPr marL="0" indent="0">
-              <a:buFont typeface="Wingdings" pitchFamily="2" charset="2"/>
-              <a:buNone/>
-              <a:defRPr/>
-            </a:pPr>
-            <a:r>
-              <a:rPr lang="en-US" sz="2200" b="1" dirty="0">
-                <a:solidFill>
-                  <a:srgbClr val="000000"/>
-                </a:solidFill>
-                <a:highlight>
-                  <a:srgbClr val="FFFFFF"/>
-                </a:highlight>
-                <a:latin typeface="Courier New" pitchFamily="49" charset="0"/>
-                <a:ea typeface="+mn-ea"/>
-                <a:cs typeface="Courier New" pitchFamily="49" charset="0"/>
-              </a:rPr>
-              <a:t>}</a:t>
-            </a:r>
-            <a:endParaRPr lang="en-US" sz="2200" b="1" dirty="0">
-              <a:latin typeface="Courier New" pitchFamily="49" charset="0"/>
-              <a:ea typeface="+mn-ea"/>
-              <a:cs typeface="Courier New" pitchFamily="49" charset="0"/>
-            </a:endParaRPr>
-          </a:p>
-        </p:txBody>
-      </p:sp>
-      <p:sp>
-        <p:nvSpPr>
-          <p:cNvPr id="4" name="Date Placeholder 3"/>
-          <p:cNvSpPr>
-            <a:spLocks noGrp="1"/>
-          </p:cNvSpPr>
-          <p:nvPr>
-            <p:ph type="dt" sz="quarter" idx="10"/>
-          </p:nvPr>
-        </p:nvSpPr>
-        <p:spPr/>
-        <p:txBody>
-          <a:bodyPr/>
-          <a:lstStyle>
-            <a:lvl1pPr eaLnBrk="0" hangingPunct="0">
-              <a:defRPr>
-                <a:solidFill>
-                  <a:schemeClr val="tx1"/>
-                </a:solidFill>
-                <a:latin typeface="Arial" charset="0"/>
-                <a:ea typeface="ＭＳ Ｐゴシック" charset="0"/>
-                <a:cs typeface="Arial" charset="0"/>
-              </a:defRPr>
-            </a:lvl1pPr>
-            <a:lvl2pPr marL="742950" indent="-285750" eaLnBrk="0" hangingPunct="0">
-              <a:defRPr>
-                <a:solidFill>
-                  <a:schemeClr val="tx1"/>
-                </a:solidFill>
-                <a:latin typeface="Arial" charset="0"/>
-                <a:ea typeface="Arial" charset="0"/>
-                <a:cs typeface="Arial" charset="0"/>
-              </a:defRPr>
-            </a:lvl2pPr>
-            <a:lvl3pPr marL="1143000" indent="-228600" eaLnBrk="0" hangingPunct="0">
-              <a:defRPr>
-                <a:solidFill>
-                  <a:schemeClr val="tx1"/>
-                </a:solidFill>
-                <a:latin typeface="Arial" charset="0"/>
-                <a:ea typeface="Arial" charset="0"/>
-                <a:cs typeface="Arial" charset="0"/>
-              </a:defRPr>
-            </a:lvl3pPr>
-            <a:lvl4pPr marL="1600200" indent="-228600" eaLnBrk="0" hangingPunct="0">
-              <a:defRPr>
-                <a:solidFill>
-                  <a:schemeClr val="tx1"/>
-                </a:solidFill>
-                <a:latin typeface="Arial" charset="0"/>
-                <a:ea typeface="Arial" charset="0"/>
-                <a:cs typeface="Arial" charset="0"/>
-              </a:defRPr>
-            </a:lvl4pPr>
-            <a:lvl5pPr marL="2057400" indent="-228600" eaLnBrk="0" hangingPunct="0">
-              <a:defRPr>
-                <a:solidFill>
-                  <a:schemeClr val="tx1"/>
-                </a:solidFill>
-                <a:latin typeface="Arial" charset="0"/>
-                <a:ea typeface="Arial" charset="0"/>
-                <a:cs typeface="Arial" charset="0"/>
-              </a:defRPr>
-            </a:lvl5pPr>
-            <a:lvl6pPr marL="2514600" indent="-228600" eaLnBrk="0" fontAlgn="base" hangingPunct="0">
-              <a:spcBef>
-                <a:spcPct val="0"/>
-              </a:spcBef>
-              <a:spcAft>
-                <a:spcPct val="0"/>
-              </a:spcAft>
-              <a:defRPr>
-                <a:solidFill>
-                  <a:schemeClr val="tx1"/>
-                </a:solidFill>
-                <a:latin typeface="Arial" charset="0"/>
-                <a:ea typeface="Arial" charset="0"/>
-                <a:cs typeface="Arial" charset="0"/>
-              </a:defRPr>
-            </a:lvl6pPr>
-            <a:lvl7pPr marL="2971800" indent="-228600" eaLnBrk="0" fontAlgn="base" hangingPunct="0">
-              <a:spcBef>
-                <a:spcPct val="0"/>
-              </a:spcBef>
-              <a:spcAft>
-                <a:spcPct val="0"/>
-              </a:spcAft>
-              <a:defRPr>
-                <a:solidFill>
-                  <a:schemeClr val="tx1"/>
-                </a:solidFill>
-                <a:latin typeface="Arial" charset="0"/>
-                <a:ea typeface="Arial" charset="0"/>
-                <a:cs typeface="Arial" charset="0"/>
-              </a:defRPr>
-            </a:lvl7pPr>
-            <a:lvl8pPr marL="3429000" indent="-228600" eaLnBrk="0" fontAlgn="base" hangingPunct="0">
-              <a:spcBef>
-                <a:spcPct val="0"/>
-              </a:spcBef>
-              <a:spcAft>
-                <a:spcPct val="0"/>
-              </a:spcAft>
-              <a:defRPr>
-                <a:solidFill>
-                  <a:schemeClr val="tx1"/>
-                </a:solidFill>
-                <a:latin typeface="Arial" charset="0"/>
-                <a:ea typeface="Arial" charset="0"/>
-                <a:cs typeface="Arial" charset="0"/>
-              </a:defRPr>
-            </a:lvl8pPr>
-            <a:lvl9pPr marL="3886200" indent="-228600" eaLnBrk="0" fontAlgn="base" hangingPunct="0">
-              <a:spcBef>
-                <a:spcPct val="0"/>
-              </a:spcBef>
-              <a:spcAft>
-                <a:spcPct val="0"/>
-              </a:spcAft>
-              <a:defRPr>
-                <a:solidFill>
-                  <a:schemeClr val="tx1"/>
-                </a:solidFill>
-                <a:latin typeface="Arial" charset="0"/>
-                <a:ea typeface="Arial" charset="0"/>
-                <a:cs typeface="Arial" charset="0"/>
-              </a:defRPr>
-            </a:lvl9pPr>
-          </a:lstStyle>
-          <a:p>
-            <a:pPr eaLnBrk="1" hangingPunct="1"/>
-            <a:fld id="{71EE0208-46BA-D844-BFCB-88C92BC0BEB4}" type="datetime1">
-              <a:rPr lang="en-US" smtClean="0">
-                <a:latin typeface="Garamond" charset="0"/>
-              </a:rPr>
-              <a:t>11/30/16</a:t>
-            </a:fld>
-            <a:endParaRPr lang="en-US">
-              <a:latin typeface="Garamond" charset="0"/>
-            </a:endParaRPr>
-          </a:p>
-        </p:txBody>
-      </p:sp>
-      <p:sp>
-        <p:nvSpPr>
-          <p:cNvPr id="5" name="Footer Placeholder 4"/>
-          <p:cNvSpPr>
-            <a:spLocks noGrp="1"/>
-          </p:cNvSpPr>
-          <p:nvPr>
-            <p:ph type="ftr" sz="quarter" idx="11"/>
-          </p:nvPr>
-        </p:nvSpPr>
-        <p:spPr/>
-        <p:txBody>
-          <a:bodyPr/>
-          <a:lstStyle/>
-          <a:p>
-            <a:pPr>
-              <a:defRPr/>
-            </a:pPr>
-            <a:r>
-              <a:rPr lang="en-US" altLang="en-US" smtClean="0"/>
-              <a:t>ECE Application Programming: Lecture 35</a:t>
-            </a:r>
-            <a:endParaRPr lang="en-US" altLang="en-US"/>
-          </a:p>
-        </p:txBody>
-      </p:sp>
-      <p:sp>
-        <p:nvSpPr>
-          <p:cNvPr id="6" name="Slide Number Placeholder 5"/>
-          <p:cNvSpPr>
-            <a:spLocks noGrp="1"/>
-          </p:cNvSpPr>
-          <p:nvPr>
-            <p:ph type="sldNum" sz="quarter" idx="12"/>
-          </p:nvPr>
-        </p:nvSpPr>
-        <p:spPr/>
-        <p:txBody>
-          <a:bodyPr/>
-          <a:lstStyle>
-            <a:lvl1pPr eaLnBrk="0" hangingPunct="0">
-              <a:defRPr>
-                <a:solidFill>
-                  <a:schemeClr val="tx1"/>
-                </a:solidFill>
-                <a:latin typeface="Arial" charset="0"/>
-                <a:ea typeface="ＭＳ Ｐゴシック" charset="0"/>
-                <a:cs typeface="Arial" charset="0"/>
-              </a:defRPr>
-            </a:lvl1pPr>
-            <a:lvl2pPr marL="742950" indent="-285750" eaLnBrk="0" hangingPunct="0">
-              <a:defRPr>
-                <a:solidFill>
-                  <a:schemeClr val="tx1"/>
-                </a:solidFill>
-                <a:latin typeface="Arial" charset="0"/>
-                <a:ea typeface="Arial" charset="0"/>
-                <a:cs typeface="Arial" charset="0"/>
-              </a:defRPr>
-            </a:lvl2pPr>
-            <a:lvl3pPr marL="1143000" indent="-228600" eaLnBrk="0" hangingPunct="0">
-              <a:defRPr>
-                <a:solidFill>
-                  <a:schemeClr val="tx1"/>
-                </a:solidFill>
-                <a:latin typeface="Arial" charset="0"/>
-                <a:ea typeface="Arial" charset="0"/>
-                <a:cs typeface="Arial" charset="0"/>
-              </a:defRPr>
-            </a:lvl3pPr>
-            <a:lvl4pPr marL="1600200" indent="-228600" eaLnBrk="0" hangingPunct="0">
-              <a:defRPr>
-                <a:solidFill>
-                  <a:schemeClr val="tx1"/>
-                </a:solidFill>
-                <a:latin typeface="Arial" charset="0"/>
-                <a:ea typeface="Arial" charset="0"/>
-                <a:cs typeface="Arial" charset="0"/>
-              </a:defRPr>
-            </a:lvl4pPr>
-            <a:lvl5pPr marL="2057400" indent="-228600" eaLnBrk="0" hangingPunct="0">
-              <a:defRPr>
-                <a:solidFill>
-                  <a:schemeClr val="tx1"/>
-                </a:solidFill>
-                <a:latin typeface="Arial" charset="0"/>
-                <a:ea typeface="Arial" charset="0"/>
-                <a:cs typeface="Arial" charset="0"/>
-              </a:defRPr>
-            </a:lvl5pPr>
-            <a:lvl6pPr marL="2514600" indent="-228600" eaLnBrk="0" fontAlgn="base" hangingPunct="0">
-              <a:spcBef>
-                <a:spcPct val="0"/>
-              </a:spcBef>
-              <a:spcAft>
-                <a:spcPct val="0"/>
-              </a:spcAft>
-              <a:defRPr>
-                <a:solidFill>
-                  <a:schemeClr val="tx1"/>
-                </a:solidFill>
-                <a:latin typeface="Arial" charset="0"/>
-                <a:ea typeface="Arial" charset="0"/>
-                <a:cs typeface="Arial" charset="0"/>
-              </a:defRPr>
-            </a:lvl6pPr>
-            <a:lvl7pPr marL="2971800" indent="-228600" eaLnBrk="0" fontAlgn="base" hangingPunct="0">
-              <a:spcBef>
-                <a:spcPct val="0"/>
-              </a:spcBef>
-              <a:spcAft>
-                <a:spcPct val="0"/>
-              </a:spcAft>
-              <a:defRPr>
-                <a:solidFill>
-                  <a:schemeClr val="tx1"/>
-                </a:solidFill>
-                <a:latin typeface="Arial" charset="0"/>
-                <a:ea typeface="Arial" charset="0"/>
-                <a:cs typeface="Arial" charset="0"/>
-              </a:defRPr>
-            </a:lvl7pPr>
-            <a:lvl8pPr marL="3429000" indent="-228600" eaLnBrk="0" fontAlgn="base" hangingPunct="0">
-              <a:spcBef>
-                <a:spcPct val="0"/>
-              </a:spcBef>
-              <a:spcAft>
-                <a:spcPct val="0"/>
-              </a:spcAft>
-              <a:defRPr>
-                <a:solidFill>
-                  <a:schemeClr val="tx1"/>
-                </a:solidFill>
-                <a:latin typeface="Arial" charset="0"/>
-                <a:ea typeface="Arial" charset="0"/>
-                <a:cs typeface="Arial" charset="0"/>
-              </a:defRPr>
-            </a:lvl8pPr>
-            <a:lvl9pPr marL="3886200" indent="-228600" eaLnBrk="0" fontAlgn="base" hangingPunct="0">
-              <a:spcBef>
-                <a:spcPct val="0"/>
-              </a:spcBef>
-              <a:spcAft>
-                <a:spcPct val="0"/>
-              </a:spcAft>
-              <a:defRPr>
-                <a:solidFill>
-                  <a:schemeClr val="tx1"/>
-                </a:solidFill>
-                <a:latin typeface="Arial" charset="0"/>
-                <a:ea typeface="Arial" charset="0"/>
-                <a:cs typeface="Arial" charset="0"/>
-              </a:defRPr>
-            </a:lvl9pPr>
-          </a:lstStyle>
-          <a:p>
-            <a:pPr eaLnBrk="1" hangingPunct="1"/>
-            <a:fld id="{4CFD3584-24C2-6043-BF78-AACF20C51735}" type="slidenum">
-              <a:rPr lang="en-US">
-                <a:latin typeface="Garamond" charset="0"/>
-              </a:rPr>
-              <a:pPr eaLnBrk="1" hangingPunct="1"/>
-              <a:t>13</a:t>
-            </a:fld>
-            <a:endParaRPr lang="en-US">
-              <a:latin typeface="Garamond" charset="0"/>
-            </a:endParaRPr>
-          </a:p>
-        </p:txBody>
-      </p:sp>
-    </p:spTree>
-    <p:extLst>
-      <p:ext uri="{BB962C8B-B14F-4D97-AF65-F5344CB8AC3E}">
-        <p14:creationId xmlns:p14="http://schemas.microsoft.com/office/powerpoint/2010/main" val="1302776484"/>
-      </p:ext>
-    </p:extLst>
-  </p:cSld>
-  <p:clrMapOvr>
-    <a:masterClrMapping/>
-  </p:clrMapOvr>
-  <p:timing>
-    <p:tnLst>
-      <p:par>
-        <p:cTn xmlns:p14="http://schemas.microsoft.com/office/powerpoint/2010/main" id="1" dur="indefinite" restart="never" nodeType="tmRoot"/>
-      </p:par>
-    </p:tnLst>
-  </p:timing>
-</p:sld>
-</file>
-
-<file path=ppt/slides/slide14.xml><?xml version="1.0" encoding="utf-8"?>
-<p:sld xmlns:a="http://schemas.openxmlformats.org/drawingml/2006/main" xmlns:r="http://schemas.openxmlformats.org/officeDocument/2006/relationships" xmlns:p="http://schemas.openxmlformats.org/presentationml/2006/main">
-  <p:cSld>
-    <p:spTree>
-      <p:nvGrpSpPr>
-        <p:cNvPr id="1" name=""/>
-        <p:cNvGrpSpPr/>
-        <p:nvPr/>
-      </p:nvGrpSpPr>
-      <p:grpSpPr>
-        <a:xfrm>
-          <a:off x="0" y="0"/>
-          <a:ext cx="0" cy="0"/>
-          <a:chOff x="0" y="0"/>
-          <a:chExt cx="0" cy="0"/>
-        </a:xfrm>
-      </p:grpSpPr>
-      <p:sp>
-        <p:nvSpPr>
-          <p:cNvPr id="9218" name="Title 1"/>
-          <p:cNvSpPr>
-            <a:spLocks noGrp="1"/>
-          </p:cNvSpPr>
-          <p:nvPr>
-            <p:ph type="title"/>
-          </p:nvPr>
-        </p:nvSpPr>
-        <p:spPr/>
-        <p:txBody>
-          <a:bodyPr>
-            <a:normAutofit fontScale="90000"/>
-          </a:bodyPr>
-          <a:lstStyle/>
-          <a:p>
-            <a:pPr>
-              <a:defRPr/>
-            </a:pPr>
-            <a:r>
-              <a:rPr lang="en-US" altLang="en-US" dirty="0" smtClean="0">
-                <a:ea typeface="+mj-ea"/>
-              </a:rPr>
-              <a:t>Going from </a:t>
-            </a:r>
-            <a:r>
-              <a:rPr lang="en-US" altLang="en-US" dirty="0" err="1" smtClean="0">
-                <a:ea typeface="+mj-ea"/>
-              </a:rPr>
-              <a:t>findNode</a:t>
-            </a:r>
-            <a:r>
-              <a:rPr lang="en-US" altLang="en-US" dirty="0" smtClean="0">
-                <a:ea typeface="+mj-ea"/>
-              </a:rPr>
-              <a:t> </a:t>
-            </a:r>
-            <a:r>
-              <a:rPr lang="en-US" altLang="en-US" dirty="0" smtClean="0">
-                <a:ea typeface="+mj-ea"/>
-                <a:sym typeface="Wingdings" panose="05000000000000000000" pitchFamily="2" charset="2"/>
-              </a:rPr>
-              <a:t> </a:t>
-            </a:r>
-            <a:r>
-              <a:rPr lang="en-US" altLang="en-US" dirty="0" err="1" smtClean="0">
-                <a:ea typeface="+mj-ea"/>
-                <a:sym typeface="Wingdings" panose="05000000000000000000" pitchFamily="2" charset="2"/>
-              </a:rPr>
-              <a:t>findSortedNode</a:t>
-            </a:r>
-            <a:endParaRPr lang="en-US" altLang="en-US" dirty="0" smtClean="0">
-              <a:ea typeface="+mj-ea"/>
-            </a:endParaRPr>
-          </a:p>
-        </p:txBody>
-      </p:sp>
-      <p:sp>
-        <p:nvSpPr>
-          <p:cNvPr id="3" name="Content Placeholder 2"/>
-          <p:cNvSpPr>
-            <a:spLocks noGrp="1"/>
-          </p:cNvSpPr>
-          <p:nvPr>
-            <p:ph idx="1"/>
-          </p:nvPr>
-        </p:nvSpPr>
-        <p:spPr>
-          <a:extLst/>
-        </p:spPr>
-        <p:txBody>
-          <a:bodyPr>
-            <a:normAutofit fontScale="92500"/>
-          </a:bodyPr>
-          <a:lstStyle/>
-          <a:p>
-            <a:pPr marL="0" indent="0">
-              <a:buFont typeface="Wingdings" pitchFamily="2" charset="2"/>
-              <a:buNone/>
-              <a:defRPr/>
-            </a:pPr>
-            <a:r>
-              <a:rPr lang="en-US" sz="2200" b="1" dirty="0" err="1" smtClean="0">
-                <a:solidFill>
-                  <a:srgbClr val="2B91AF"/>
-                </a:solidFill>
-                <a:highlight>
-                  <a:srgbClr val="FFFFFF"/>
-                </a:highlight>
-                <a:latin typeface="Courier New" pitchFamily="49" charset="0"/>
-                <a:ea typeface="+mn-ea"/>
-                <a:cs typeface="Courier New" pitchFamily="49" charset="0"/>
-              </a:rPr>
-              <a:t>LLnode</a:t>
-            </a:r>
-            <a:r>
-              <a:rPr lang="en-US" sz="2200" b="1" dirty="0" smtClean="0">
-                <a:solidFill>
-                  <a:srgbClr val="000000"/>
-                </a:solidFill>
-                <a:highlight>
-                  <a:srgbClr val="FFFFFF"/>
-                </a:highlight>
-                <a:latin typeface="Courier New" pitchFamily="49" charset="0"/>
-                <a:ea typeface="+mn-ea"/>
-                <a:cs typeface="Courier New" pitchFamily="49" charset="0"/>
-              </a:rPr>
-              <a:t> </a:t>
-            </a:r>
-            <a:r>
-              <a:rPr lang="en-US" sz="2200" b="1" dirty="0">
-                <a:solidFill>
-                  <a:srgbClr val="000000"/>
-                </a:solidFill>
-                <a:highlight>
-                  <a:srgbClr val="FFFFFF"/>
-                </a:highlight>
-                <a:latin typeface="Courier New" pitchFamily="49" charset="0"/>
-                <a:ea typeface="+mn-ea"/>
-                <a:cs typeface="Courier New" pitchFamily="49" charset="0"/>
-              </a:rPr>
-              <a:t>*</a:t>
-            </a:r>
-            <a:r>
-              <a:rPr lang="en-US" sz="2200" b="1" dirty="0" err="1" smtClean="0">
-                <a:solidFill>
-                  <a:srgbClr val="000000"/>
-                </a:solidFill>
-                <a:highlight>
-                  <a:srgbClr val="FFFFFF"/>
-                </a:highlight>
-                <a:latin typeface="Courier New" pitchFamily="49" charset="0"/>
-                <a:ea typeface="+mn-ea"/>
-                <a:cs typeface="Courier New" pitchFamily="49" charset="0"/>
-              </a:rPr>
-              <a:t>findSortedNode</a:t>
-            </a:r>
-            <a:r>
-              <a:rPr lang="en-US" sz="2200" b="1" dirty="0" smtClean="0">
-                <a:solidFill>
-                  <a:srgbClr val="000000"/>
-                </a:solidFill>
-                <a:highlight>
-                  <a:srgbClr val="FFFFFF"/>
-                </a:highlight>
-                <a:latin typeface="Courier New" pitchFamily="49" charset="0"/>
-                <a:ea typeface="+mn-ea"/>
-                <a:cs typeface="Courier New" pitchFamily="49" charset="0"/>
-              </a:rPr>
-              <a:t>(</a:t>
-            </a:r>
-            <a:r>
-              <a:rPr lang="en-US" sz="2200" b="1" dirty="0" err="1" smtClean="0">
-                <a:solidFill>
-                  <a:srgbClr val="2B91AF"/>
-                </a:solidFill>
-                <a:highlight>
-                  <a:srgbClr val="FFFFFF"/>
-                </a:highlight>
-                <a:latin typeface="Courier New" pitchFamily="49" charset="0"/>
-                <a:ea typeface="+mn-ea"/>
-                <a:cs typeface="Courier New" pitchFamily="49" charset="0"/>
-              </a:rPr>
-              <a:t>LLnode</a:t>
-            </a:r>
-            <a:r>
-              <a:rPr lang="en-US" sz="2200" b="1" dirty="0" smtClean="0">
-                <a:solidFill>
-                  <a:srgbClr val="000000"/>
-                </a:solidFill>
-                <a:highlight>
-                  <a:srgbClr val="FFFFFF"/>
-                </a:highlight>
-                <a:latin typeface="Courier New" pitchFamily="49" charset="0"/>
-                <a:ea typeface="+mn-ea"/>
-                <a:cs typeface="Courier New" pitchFamily="49" charset="0"/>
-              </a:rPr>
-              <a:t> </a:t>
-            </a:r>
-            <a:r>
-              <a:rPr lang="en-US" sz="2200" b="1" dirty="0">
-                <a:solidFill>
-                  <a:srgbClr val="000000"/>
-                </a:solidFill>
-                <a:highlight>
-                  <a:srgbClr val="FFFFFF"/>
-                </a:highlight>
-                <a:latin typeface="Courier New" pitchFamily="49" charset="0"/>
-                <a:ea typeface="+mn-ea"/>
-                <a:cs typeface="Courier New" pitchFamily="49" charset="0"/>
-              </a:rPr>
-              <a:t>*</a:t>
-            </a:r>
-            <a:r>
-              <a:rPr lang="en-US" sz="2200" b="1" dirty="0" smtClean="0">
-                <a:solidFill>
-                  <a:srgbClr val="808080"/>
-                </a:solidFill>
-                <a:highlight>
-                  <a:srgbClr val="FFFFFF"/>
-                </a:highlight>
-                <a:latin typeface="Courier New" pitchFamily="49" charset="0"/>
-                <a:ea typeface="+mn-ea"/>
-                <a:cs typeface="Courier New" pitchFamily="49" charset="0"/>
-              </a:rPr>
-              <a:t>list</a:t>
-            </a:r>
-            <a:r>
-              <a:rPr lang="en-US" sz="2200" b="1" dirty="0">
-                <a:solidFill>
-                  <a:srgbClr val="000000"/>
-                </a:solidFill>
-                <a:highlight>
-                  <a:srgbClr val="FFFFFF"/>
-                </a:highlight>
-                <a:latin typeface="Courier New" pitchFamily="49" charset="0"/>
-                <a:ea typeface="+mn-ea"/>
-                <a:cs typeface="Courier New" pitchFamily="49" charset="0"/>
-              </a:rPr>
-              <a:t>, </a:t>
-            </a:r>
-            <a:r>
-              <a:rPr lang="en-US" sz="2200" b="1" dirty="0" err="1" smtClean="0">
-                <a:solidFill>
-                  <a:srgbClr val="0000FF"/>
-                </a:solidFill>
-                <a:highlight>
-                  <a:srgbClr val="FFFFFF"/>
-                </a:highlight>
-                <a:latin typeface="Courier New" pitchFamily="49" charset="0"/>
-                <a:ea typeface="+mn-ea"/>
-                <a:cs typeface="Courier New" pitchFamily="49" charset="0"/>
-              </a:rPr>
-              <a:t>int</a:t>
-            </a:r>
-            <a:r>
-              <a:rPr lang="en-US" sz="2200" b="1" dirty="0">
-                <a:solidFill>
-                  <a:srgbClr val="000000"/>
-                </a:solidFill>
-                <a:highlight>
-                  <a:srgbClr val="FFFFFF"/>
-                </a:highlight>
-                <a:latin typeface="Courier New" pitchFamily="49" charset="0"/>
-                <a:ea typeface="+mn-ea"/>
-                <a:cs typeface="Courier New" pitchFamily="49" charset="0"/>
-              </a:rPr>
-              <a:t> </a:t>
-            </a:r>
-            <a:r>
-              <a:rPr lang="en-US" sz="2200" b="1" dirty="0" smtClean="0">
-                <a:solidFill>
-                  <a:srgbClr val="808080"/>
-                </a:solidFill>
-                <a:highlight>
-                  <a:srgbClr val="FFFFFF"/>
-                </a:highlight>
-                <a:latin typeface="Courier New" pitchFamily="49" charset="0"/>
-                <a:ea typeface="+mn-ea"/>
-                <a:cs typeface="Courier New" pitchFamily="49" charset="0"/>
-              </a:rPr>
-              <a:t>v</a:t>
-            </a:r>
-            <a:r>
-              <a:rPr lang="en-US" sz="2200" b="1" dirty="0">
-                <a:solidFill>
-                  <a:srgbClr val="000000"/>
-                </a:solidFill>
-                <a:highlight>
-                  <a:srgbClr val="FFFFFF"/>
-                </a:highlight>
-                <a:latin typeface="Courier New" pitchFamily="49" charset="0"/>
-                <a:ea typeface="+mn-ea"/>
-                <a:cs typeface="Courier New" pitchFamily="49" charset="0"/>
-              </a:rPr>
-              <a:t>) {</a:t>
-            </a:r>
-          </a:p>
-          <a:p>
-            <a:pPr marL="327025" lvl="1" indent="0">
-              <a:buFont typeface="Wingdings" pitchFamily="2" charset="2"/>
-              <a:buNone/>
-              <a:defRPr/>
-            </a:pPr>
-            <a:r>
-              <a:rPr lang="en-US" sz="2200" b="1" dirty="0" err="1" smtClean="0">
-                <a:solidFill>
-                  <a:srgbClr val="2B91AF"/>
-                </a:solidFill>
-                <a:highlight>
-                  <a:srgbClr val="FFFFFF"/>
-                </a:highlight>
-                <a:latin typeface="Courier New" pitchFamily="49" charset="0"/>
-                <a:cs typeface="Courier New" pitchFamily="49" charset="0"/>
-              </a:rPr>
-              <a:t>LLnode</a:t>
-            </a:r>
-            <a:r>
-              <a:rPr lang="en-US" sz="2200" b="1" dirty="0">
-                <a:solidFill>
-                  <a:srgbClr val="000000"/>
-                </a:solidFill>
-                <a:highlight>
-                  <a:srgbClr val="FFFFFF"/>
-                </a:highlight>
-                <a:latin typeface="Courier New" pitchFamily="49" charset="0"/>
-                <a:cs typeface="Courier New" pitchFamily="49" charset="0"/>
-              </a:rPr>
-              <a:t> *n;</a:t>
-            </a:r>
-          </a:p>
-          <a:p>
-            <a:pPr marL="327025" lvl="1" indent="0">
-              <a:buFont typeface="Wingdings" pitchFamily="2" charset="2"/>
-              <a:buNone/>
-              <a:defRPr/>
-            </a:pPr>
-            <a:endParaRPr lang="en-US" sz="2200" b="1" dirty="0">
-              <a:solidFill>
-                <a:srgbClr val="000000"/>
-              </a:solidFill>
-              <a:highlight>
-                <a:srgbClr val="FFFFFF"/>
-              </a:highlight>
-              <a:latin typeface="Courier New" pitchFamily="49" charset="0"/>
-              <a:cs typeface="Courier New" pitchFamily="49" charset="0"/>
-            </a:endParaRPr>
-          </a:p>
-          <a:p>
-            <a:pPr marL="327025" lvl="1" indent="0">
-              <a:buFont typeface="Wingdings" pitchFamily="2" charset="2"/>
-              <a:buNone/>
-              <a:defRPr/>
-            </a:pPr>
-            <a:r>
-              <a:rPr lang="en-US" sz="2200" b="1" dirty="0">
-                <a:solidFill>
-                  <a:srgbClr val="000000"/>
-                </a:solidFill>
-                <a:highlight>
-                  <a:srgbClr val="FFFFFF"/>
-                </a:highlight>
-                <a:latin typeface="Courier New" pitchFamily="49" charset="0"/>
-                <a:cs typeface="Courier New" pitchFamily="49" charset="0"/>
-              </a:rPr>
-              <a:t>n = </a:t>
-            </a:r>
-            <a:r>
-              <a:rPr lang="en-US" sz="2200" b="1" dirty="0" smtClean="0">
-                <a:solidFill>
-                  <a:srgbClr val="808080"/>
-                </a:solidFill>
-                <a:highlight>
-                  <a:srgbClr val="FFFFFF"/>
-                </a:highlight>
-                <a:latin typeface="Courier New" pitchFamily="49" charset="0"/>
-                <a:cs typeface="Courier New" pitchFamily="49" charset="0"/>
-              </a:rPr>
-              <a:t>list</a:t>
-            </a:r>
-            <a:r>
-              <a:rPr lang="en-US" sz="2200" b="1" dirty="0" smtClean="0">
-                <a:solidFill>
-                  <a:srgbClr val="000000"/>
-                </a:solidFill>
-                <a:highlight>
-                  <a:srgbClr val="FFFFFF"/>
-                </a:highlight>
-                <a:latin typeface="Courier New" pitchFamily="49" charset="0"/>
-                <a:cs typeface="Courier New" pitchFamily="49" charset="0"/>
-              </a:rPr>
-              <a:t>;  </a:t>
-            </a:r>
-            <a:r>
-              <a:rPr lang="en-US" sz="2200" b="1" dirty="0" smtClean="0">
-                <a:solidFill>
-                  <a:srgbClr val="008000"/>
-                </a:solidFill>
-                <a:highlight>
-                  <a:srgbClr val="FFFFFF"/>
-                </a:highlight>
-                <a:latin typeface="Courier New" pitchFamily="49" charset="0"/>
-                <a:cs typeface="Courier New" pitchFamily="49" charset="0"/>
-              </a:rPr>
-              <a:t>// Start with first node</a:t>
-            </a:r>
-            <a:endParaRPr lang="en-US" sz="2200" b="1" dirty="0">
-              <a:solidFill>
-                <a:srgbClr val="000000"/>
-              </a:solidFill>
-              <a:highlight>
-                <a:srgbClr val="FFFFFF"/>
-              </a:highlight>
-              <a:latin typeface="Courier New" pitchFamily="49" charset="0"/>
-              <a:cs typeface="Courier New" pitchFamily="49" charset="0"/>
-            </a:endParaRPr>
-          </a:p>
-          <a:p>
-            <a:pPr marL="327025" lvl="1" indent="0">
-              <a:buFont typeface="Wingdings" pitchFamily="2" charset="2"/>
-              <a:buNone/>
-              <a:defRPr/>
-            </a:pPr>
-            <a:endParaRPr lang="en-US" sz="2200" b="1" dirty="0">
-              <a:solidFill>
-                <a:srgbClr val="000000"/>
-              </a:solidFill>
-              <a:highlight>
-                <a:srgbClr val="FFFFFF"/>
-              </a:highlight>
-              <a:latin typeface="Courier New" pitchFamily="49" charset="0"/>
-              <a:cs typeface="Courier New" pitchFamily="49" charset="0"/>
-            </a:endParaRPr>
-          </a:p>
-          <a:p>
-            <a:pPr marL="327025" lvl="1" indent="0">
-              <a:buFont typeface="Wingdings" pitchFamily="2" charset="2"/>
-              <a:buNone/>
-              <a:defRPr/>
-            </a:pPr>
-            <a:r>
-              <a:rPr lang="en-US" sz="2200" b="1" dirty="0" smtClean="0">
-                <a:solidFill>
-                  <a:srgbClr val="FF0000"/>
-                </a:solidFill>
-                <a:highlight>
-                  <a:srgbClr val="FFFFFF"/>
-                </a:highlight>
-                <a:latin typeface="Courier New" pitchFamily="49" charset="0"/>
-                <a:cs typeface="Courier New" pitchFamily="49" charset="0"/>
-              </a:rPr>
-              <a:t>while</a:t>
-            </a:r>
-            <a:r>
-              <a:rPr lang="en-US" sz="2200" b="1" dirty="0">
-                <a:solidFill>
-                  <a:srgbClr val="FF0000"/>
-                </a:solidFill>
-                <a:highlight>
-                  <a:srgbClr val="FFFFFF"/>
-                </a:highlight>
-                <a:latin typeface="Courier New" pitchFamily="49" charset="0"/>
-                <a:cs typeface="Courier New" pitchFamily="49" charset="0"/>
-              </a:rPr>
-              <a:t> </a:t>
-            </a:r>
-            <a:r>
-              <a:rPr lang="en-US" sz="2200" b="1" dirty="0" smtClean="0">
-                <a:solidFill>
-                  <a:srgbClr val="FF0000"/>
-                </a:solidFill>
-                <a:highlight>
-                  <a:srgbClr val="FFFFFF"/>
-                </a:highlight>
-                <a:latin typeface="Courier New" pitchFamily="49" charset="0"/>
-                <a:cs typeface="Courier New" pitchFamily="49" charset="0"/>
-              </a:rPr>
-              <a:t>((</a:t>
-            </a:r>
-            <a:r>
-              <a:rPr lang="en-US" sz="2200" b="1" dirty="0">
-                <a:solidFill>
-                  <a:srgbClr val="FF0000"/>
-                </a:solidFill>
-                <a:highlight>
-                  <a:srgbClr val="FFFFFF"/>
-                </a:highlight>
-                <a:latin typeface="Courier New" pitchFamily="49" charset="0"/>
-                <a:cs typeface="Courier New" pitchFamily="49" charset="0"/>
-              </a:rPr>
-              <a:t>n != </a:t>
-            </a:r>
-            <a:r>
-              <a:rPr lang="en-US" sz="2200" b="1" dirty="0" smtClean="0">
-                <a:solidFill>
-                  <a:srgbClr val="FF0000"/>
-                </a:solidFill>
-                <a:highlight>
-                  <a:srgbClr val="FFFFFF"/>
-                </a:highlight>
-                <a:latin typeface="Courier New" pitchFamily="49" charset="0"/>
-                <a:cs typeface="Courier New" pitchFamily="49" charset="0"/>
-              </a:rPr>
-              <a:t>NULL) </a:t>
-            </a:r>
-            <a:r>
-              <a:rPr lang="en-US" sz="2200" b="1" u="sng" dirty="0" smtClean="0">
-                <a:solidFill>
-                  <a:srgbClr val="FF0000"/>
-                </a:solidFill>
-                <a:highlight>
-                  <a:srgbClr val="FFFFFF"/>
-                </a:highlight>
-                <a:latin typeface="Courier New" pitchFamily="49" charset="0"/>
-                <a:cs typeface="Courier New" pitchFamily="49" charset="0"/>
-              </a:rPr>
-              <a:t>&amp;&amp; (n-&gt;value &lt;= v)</a:t>
-            </a:r>
-            <a:r>
-              <a:rPr lang="en-US" sz="2200" b="1" dirty="0" smtClean="0">
-                <a:solidFill>
-                  <a:srgbClr val="FF0000"/>
-                </a:solidFill>
-                <a:highlight>
-                  <a:srgbClr val="FFFFFF"/>
-                </a:highlight>
-                <a:latin typeface="Courier New" pitchFamily="49" charset="0"/>
-                <a:cs typeface="Courier New" pitchFamily="49" charset="0"/>
-              </a:rPr>
-              <a:t>) </a:t>
-            </a:r>
-            <a:r>
-              <a:rPr lang="en-US" sz="2200" b="1" dirty="0" smtClean="0">
-                <a:solidFill>
-                  <a:srgbClr val="000000"/>
-                </a:solidFill>
-                <a:highlight>
-                  <a:srgbClr val="FFFFFF"/>
-                </a:highlight>
-                <a:latin typeface="Courier New" pitchFamily="49" charset="0"/>
-                <a:cs typeface="Courier New" pitchFamily="49" charset="0"/>
-              </a:rPr>
-              <a:t>{   </a:t>
-            </a:r>
-            <a:endParaRPr lang="en-US" sz="2200" b="1" dirty="0">
-              <a:solidFill>
-                <a:srgbClr val="000000"/>
-              </a:solidFill>
-              <a:highlight>
-                <a:srgbClr val="FFFFFF"/>
-              </a:highlight>
-              <a:latin typeface="Courier New" pitchFamily="49" charset="0"/>
-              <a:cs typeface="Courier New" pitchFamily="49" charset="0"/>
-            </a:endParaRPr>
-          </a:p>
-          <a:p>
-            <a:pPr marL="679450" lvl="2" indent="0">
-              <a:buFont typeface="Wingdings" pitchFamily="2" charset="2"/>
-              <a:buNone/>
-              <a:defRPr/>
-            </a:pPr>
-            <a:r>
-              <a:rPr lang="en-US" b="1" dirty="0" smtClean="0">
-                <a:solidFill>
-                  <a:srgbClr val="0000FF"/>
-                </a:solidFill>
-                <a:highlight>
-                  <a:srgbClr val="FFFFFF"/>
-                </a:highlight>
-                <a:latin typeface="Courier New" pitchFamily="49" charset="0"/>
-                <a:cs typeface="Courier New" pitchFamily="49" charset="0"/>
-              </a:rPr>
-              <a:t>if</a:t>
-            </a:r>
-            <a:r>
-              <a:rPr lang="en-US" b="1" dirty="0">
-                <a:solidFill>
-                  <a:srgbClr val="000000"/>
-                </a:solidFill>
-                <a:highlight>
-                  <a:srgbClr val="FFFFFF"/>
-                </a:highlight>
-                <a:latin typeface="Courier New" pitchFamily="49" charset="0"/>
-                <a:cs typeface="Courier New" pitchFamily="49" charset="0"/>
-              </a:rPr>
-              <a:t> (n-&gt;value == </a:t>
-            </a:r>
-            <a:r>
-              <a:rPr lang="en-US" b="1" dirty="0" smtClean="0">
-                <a:solidFill>
-                  <a:srgbClr val="808080"/>
-                </a:solidFill>
-                <a:highlight>
-                  <a:srgbClr val="FFFFFF"/>
-                </a:highlight>
-                <a:latin typeface="Courier New" pitchFamily="49" charset="0"/>
-                <a:cs typeface="Courier New" pitchFamily="49" charset="0"/>
-              </a:rPr>
-              <a:t>v</a:t>
-            </a:r>
-            <a:r>
-              <a:rPr lang="en-US" b="1" dirty="0" smtClean="0">
-                <a:solidFill>
-                  <a:srgbClr val="000000"/>
-                </a:solidFill>
-                <a:highlight>
-                  <a:srgbClr val="FFFFFF"/>
-                </a:highlight>
-                <a:latin typeface="Courier New" pitchFamily="49" charset="0"/>
-                <a:cs typeface="Courier New" pitchFamily="49" charset="0"/>
-              </a:rPr>
-              <a:t>)    </a:t>
-            </a:r>
-            <a:r>
-              <a:rPr lang="en-US" b="1" dirty="0" smtClean="0">
-                <a:solidFill>
-                  <a:srgbClr val="008000"/>
-                </a:solidFill>
-                <a:highlight>
-                  <a:srgbClr val="FFFFFF"/>
-                </a:highlight>
-                <a:latin typeface="Courier New" pitchFamily="49" charset="0"/>
-                <a:cs typeface="Courier New" pitchFamily="49" charset="0"/>
-              </a:rPr>
-              <a:t>// Data found--return n</a:t>
-            </a:r>
-            <a:endParaRPr lang="en-US" b="1" dirty="0">
-              <a:solidFill>
-                <a:srgbClr val="000000"/>
-              </a:solidFill>
-              <a:highlight>
-                <a:srgbClr val="FFFFFF"/>
-              </a:highlight>
-              <a:latin typeface="Courier New" pitchFamily="49" charset="0"/>
-              <a:cs typeface="Courier New" pitchFamily="49" charset="0"/>
-            </a:endParaRPr>
-          </a:p>
-          <a:p>
-            <a:pPr marL="679450" lvl="2" indent="0">
-              <a:buFont typeface="Wingdings" pitchFamily="2" charset="2"/>
-              <a:buNone/>
-              <a:defRPr/>
-            </a:pPr>
-            <a:r>
-              <a:rPr lang="en-US" b="1" dirty="0" smtClean="0">
-                <a:solidFill>
-                  <a:srgbClr val="0000FF"/>
-                </a:solidFill>
-                <a:highlight>
-                  <a:srgbClr val="FFFFFF"/>
-                </a:highlight>
-                <a:latin typeface="Courier New" pitchFamily="49" charset="0"/>
-                <a:cs typeface="Courier New" pitchFamily="49" charset="0"/>
-              </a:rPr>
-              <a:t>	return</a:t>
-            </a:r>
-            <a:r>
-              <a:rPr lang="en-US" b="1" dirty="0" smtClean="0">
-                <a:solidFill>
-                  <a:srgbClr val="000000"/>
-                </a:solidFill>
-                <a:highlight>
-                  <a:srgbClr val="FFFFFF"/>
-                </a:highlight>
-                <a:latin typeface="Courier New" pitchFamily="49" charset="0"/>
-                <a:cs typeface="Courier New" pitchFamily="49" charset="0"/>
-              </a:rPr>
-              <a:t> </a:t>
-            </a:r>
-            <a:r>
-              <a:rPr lang="en-US" b="1" dirty="0">
-                <a:solidFill>
-                  <a:srgbClr val="000000"/>
-                </a:solidFill>
-                <a:highlight>
-                  <a:srgbClr val="FFFFFF"/>
-                </a:highlight>
-                <a:latin typeface="Courier New" pitchFamily="49" charset="0"/>
-                <a:cs typeface="Courier New" pitchFamily="49" charset="0"/>
-              </a:rPr>
-              <a:t>n;</a:t>
-            </a:r>
-          </a:p>
-          <a:p>
-            <a:pPr marL="679450" lvl="2" indent="0">
-              <a:buFont typeface="Wingdings" pitchFamily="2" charset="2"/>
-              <a:buNone/>
-              <a:defRPr/>
-            </a:pPr>
-            <a:r>
-              <a:rPr lang="en-US" b="1" dirty="0">
-                <a:solidFill>
-                  <a:srgbClr val="000000"/>
-                </a:solidFill>
-                <a:highlight>
-                  <a:srgbClr val="FFFFFF"/>
-                </a:highlight>
-                <a:latin typeface="Courier New" pitchFamily="49" charset="0"/>
-                <a:cs typeface="Courier New" pitchFamily="49" charset="0"/>
-              </a:rPr>
-              <a:t>n = n-&gt;next;</a:t>
-            </a:r>
-          </a:p>
-          <a:p>
-            <a:pPr marL="327025" lvl="1" indent="0">
-              <a:buFont typeface="Wingdings" pitchFamily="2" charset="2"/>
-              <a:buNone/>
-              <a:defRPr/>
-            </a:pPr>
-            <a:r>
-              <a:rPr lang="en-US" sz="2200" b="1" dirty="0">
-                <a:solidFill>
-                  <a:srgbClr val="000000"/>
-                </a:solidFill>
-                <a:highlight>
-                  <a:srgbClr val="FFFFFF"/>
-                </a:highlight>
-                <a:latin typeface="Courier New" pitchFamily="49" charset="0"/>
-                <a:cs typeface="Courier New" pitchFamily="49" charset="0"/>
-              </a:rPr>
-              <a:t>}</a:t>
-            </a:r>
-          </a:p>
-          <a:p>
-            <a:pPr marL="327025" lvl="1" indent="0">
-              <a:buFont typeface="Wingdings" pitchFamily="2" charset="2"/>
-              <a:buNone/>
-              <a:defRPr/>
-            </a:pPr>
-            <a:r>
-              <a:rPr lang="en-US" sz="2200" b="1" dirty="0" smtClean="0">
-                <a:solidFill>
-                  <a:srgbClr val="0000FF"/>
-                </a:solidFill>
-                <a:highlight>
-                  <a:srgbClr val="FFFFFF"/>
-                </a:highlight>
-                <a:latin typeface="Courier New" pitchFamily="49" charset="0"/>
-                <a:cs typeface="Courier New" pitchFamily="49" charset="0"/>
-              </a:rPr>
-              <a:t>return</a:t>
-            </a:r>
-            <a:r>
-              <a:rPr lang="en-US" sz="2200" b="1" dirty="0">
-                <a:solidFill>
-                  <a:srgbClr val="000000"/>
-                </a:solidFill>
-                <a:highlight>
-                  <a:srgbClr val="FFFFFF"/>
-                </a:highlight>
-                <a:latin typeface="Courier New" pitchFamily="49" charset="0"/>
-                <a:cs typeface="Courier New" pitchFamily="49" charset="0"/>
-              </a:rPr>
-              <a:t> </a:t>
-            </a:r>
-            <a:r>
-              <a:rPr lang="en-US" sz="2200" b="1" dirty="0" smtClean="0">
-                <a:solidFill>
-                  <a:srgbClr val="6F008A"/>
-                </a:solidFill>
-                <a:highlight>
-                  <a:srgbClr val="FFFFFF"/>
-                </a:highlight>
-                <a:latin typeface="Courier New" pitchFamily="49" charset="0"/>
-                <a:cs typeface="Courier New" pitchFamily="49" charset="0"/>
-              </a:rPr>
-              <a:t>NULL</a:t>
-            </a:r>
-            <a:r>
-              <a:rPr lang="en-US" sz="2200" b="1" dirty="0" smtClean="0">
-                <a:solidFill>
-                  <a:srgbClr val="000000"/>
-                </a:solidFill>
-                <a:highlight>
-                  <a:srgbClr val="FFFFFF"/>
-                </a:highlight>
-                <a:latin typeface="Courier New" pitchFamily="49" charset="0"/>
-                <a:cs typeface="Courier New" pitchFamily="49" charset="0"/>
-              </a:rPr>
-              <a:t>; </a:t>
-            </a:r>
-            <a:r>
-              <a:rPr lang="en-US" sz="2200" b="1" dirty="0" smtClean="0">
-                <a:solidFill>
-                  <a:srgbClr val="008000"/>
-                </a:solidFill>
-                <a:highlight>
-                  <a:srgbClr val="FFFFFF"/>
-                </a:highlight>
-                <a:latin typeface="Courier New" pitchFamily="49" charset="0"/>
-                <a:cs typeface="Courier New" pitchFamily="49" charset="0"/>
-              </a:rPr>
-              <a:t>// If you get here, data wasn't found</a:t>
-            </a:r>
-            <a:endParaRPr lang="en-US" sz="2200" b="1" dirty="0">
-              <a:solidFill>
-                <a:srgbClr val="000000"/>
-              </a:solidFill>
-              <a:highlight>
-                <a:srgbClr val="FFFFFF"/>
-              </a:highlight>
-              <a:latin typeface="Courier New" pitchFamily="49" charset="0"/>
-              <a:cs typeface="Courier New" pitchFamily="49" charset="0"/>
-            </a:endParaRPr>
-          </a:p>
-          <a:p>
-            <a:pPr marL="0" indent="0">
-              <a:buFont typeface="Wingdings" pitchFamily="2" charset="2"/>
-              <a:buNone/>
-              <a:defRPr/>
-            </a:pPr>
-            <a:r>
-              <a:rPr lang="en-US" sz="2200" b="1" dirty="0">
-                <a:solidFill>
-                  <a:srgbClr val="000000"/>
-                </a:solidFill>
-                <a:highlight>
-                  <a:srgbClr val="FFFFFF"/>
-                </a:highlight>
-                <a:latin typeface="Courier New" pitchFamily="49" charset="0"/>
-                <a:ea typeface="+mn-ea"/>
-                <a:cs typeface="Courier New" pitchFamily="49" charset="0"/>
-              </a:rPr>
-              <a:t>}</a:t>
-            </a:r>
-            <a:endParaRPr lang="en-US" sz="2200" b="1" dirty="0">
-              <a:latin typeface="Courier New" pitchFamily="49" charset="0"/>
-              <a:ea typeface="+mn-ea"/>
-              <a:cs typeface="Courier New" pitchFamily="49" charset="0"/>
-            </a:endParaRPr>
-          </a:p>
-        </p:txBody>
-      </p:sp>
-      <p:sp>
-        <p:nvSpPr>
-          <p:cNvPr id="4" name="Date Placeholder 3"/>
-          <p:cNvSpPr>
-            <a:spLocks noGrp="1"/>
-          </p:cNvSpPr>
-          <p:nvPr>
-            <p:ph type="dt" sz="quarter" idx="10"/>
-          </p:nvPr>
-        </p:nvSpPr>
-        <p:spPr/>
-        <p:txBody>
-          <a:bodyPr/>
-          <a:lstStyle>
-            <a:lvl1pPr eaLnBrk="0" hangingPunct="0">
-              <a:defRPr>
-                <a:solidFill>
-                  <a:schemeClr val="tx1"/>
-                </a:solidFill>
-                <a:latin typeface="Arial" charset="0"/>
-                <a:ea typeface="ＭＳ Ｐゴシック" charset="0"/>
-                <a:cs typeface="Arial" charset="0"/>
-              </a:defRPr>
-            </a:lvl1pPr>
-            <a:lvl2pPr marL="742950" indent="-285750" eaLnBrk="0" hangingPunct="0">
-              <a:defRPr>
-                <a:solidFill>
-                  <a:schemeClr val="tx1"/>
-                </a:solidFill>
-                <a:latin typeface="Arial" charset="0"/>
-                <a:ea typeface="Arial" charset="0"/>
-                <a:cs typeface="Arial" charset="0"/>
-              </a:defRPr>
-            </a:lvl2pPr>
-            <a:lvl3pPr marL="1143000" indent="-228600" eaLnBrk="0" hangingPunct="0">
-              <a:defRPr>
-                <a:solidFill>
-                  <a:schemeClr val="tx1"/>
-                </a:solidFill>
-                <a:latin typeface="Arial" charset="0"/>
-                <a:ea typeface="Arial" charset="0"/>
-                <a:cs typeface="Arial" charset="0"/>
-              </a:defRPr>
-            </a:lvl3pPr>
-            <a:lvl4pPr marL="1600200" indent="-228600" eaLnBrk="0" hangingPunct="0">
-              <a:defRPr>
-                <a:solidFill>
-                  <a:schemeClr val="tx1"/>
-                </a:solidFill>
-                <a:latin typeface="Arial" charset="0"/>
-                <a:ea typeface="Arial" charset="0"/>
-                <a:cs typeface="Arial" charset="0"/>
-              </a:defRPr>
-            </a:lvl4pPr>
-            <a:lvl5pPr marL="2057400" indent="-228600" eaLnBrk="0" hangingPunct="0">
-              <a:defRPr>
-                <a:solidFill>
-                  <a:schemeClr val="tx1"/>
-                </a:solidFill>
-                <a:latin typeface="Arial" charset="0"/>
-                <a:ea typeface="Arial" charset="0"/>
-                <a:cs typeface="Arial" charset="0"/>
-              </a:defRPr>
-            </a:lvl5pPr>
-            <a:lvl6pPr marL="2514600" indent="-228600" eaLnBrk="0" fontAlgn="base" hangingPunct="0">
-              <a:spcBef>
-                <a:spcPct val="0"/>
-              </a:spcBef>
-              <a:spcAft>
-                <a:spcPct val="0"/>
-              </a:spcAft>
-              <a:defRPr>
-                <a:solidFill>
-                  <a:schemeClr val="tx1"/>
-                </a:solidFill>
-                <a:latin typeface="Arial" charset="0"/>
-                <a:ea typeface="Arial" charset="0"/>
-                <a:cs typeface="Arial" charset="0"/>
-              </a:defRPr>
-            </a:lvl6pPr>
-            <a:lvl7pPr marL="2971800" indent="-228600" eaLnBrk="0" fontAlgn="base" hangingPunct="0">
-              <a:spcBef>
-                <a:spcPct val="0"/>
-              </a:spcBef>
-              <a:spcAft>
-                <a:spcPct val="0"/>
-              </a:spcAft>
-              <a:defRPr>
-                <a:solidFill>
-                  <a:schemeClr val="tx1"/>
-                </a:solidFill>
-                <a:latin typeface="Arial" charset="0"/>
-                <a:ea typeface="Arial" charset="0"/>
-                <a:cs typeface="Arial" charset="0"/>
-              </a:defRPr>
-            </a:lvl7pPr>
-            <a:lvl8pPr marL="3429000" indent="-228600" eaLnBrk="0" fontAlgn="base" hangingPunct="0">
-              <a:spcBef>
-                <a:spcPct val="0"/>
-              </a:spcBef>
-              <a:spcAft>
-                <a:spcPct val="0"/>
-              </a:spcAft>
-              <a:defRPr>
-                <a:solidFill>
-                  <a:schemeClr val="tx1"/>
-                </a:solidFill>
-                <a:latin typeface="Arial" charset="0"/>
-                <a:ea typeface="Arial" charset="0"/>
-                <a:cs typeface="Arial" charset="0"/>
-              </a:defRPr>
-            </a:lvl8pPr>
-            <a:lvl9pPr marL="3886200" indent="-228600" eaLnBrk="0" fontAlgn="base" hangingPunct="0">
-              <a:spcBef>
-                <a:spcPct val="0"/>
-              </a:spcBef>
-              <a:spcAft>
-                <a:spcPct val="0"/>
-              </a:spcAft>
-              <a:defRPr>
-                <a:solidFill>
-                  <a:schemeClr val="tx1"/>
-                </a:solidFill>
-                <a:latin typeface="Arial" charset="0"/>
-                <a:ea typeface="Arial" charset="0"/>
-                <a:cs typeface="Arial" charset="0"/>
-              </a:defRPr>
-            </a:lvl9pPr>
-          </a:lstStyle>
-          <a:p>
-            <a:pPr eaLnBrk="1" hangingPunct="1"/>
-            <a:fld id="{2776AEB5-A2C6-B34F-92B2-C8E0BE42F535}" type="datetime1">
-              <a:rPr lang="en-US" smtClean="0">
-                <a:latin typeface="Garamond" charset="0"/>
-              </a:rPr>
-              <a:t>11/30/16</a:t>
-            </a:fld>
-            <a:endParaRPr lang="en-US">
-              <a:latin typeface="Garamond" charset="0"/>
-            </a:endParaRPr>
-          </a:p>
-        </p:txBody>
-      </p:sp>
-      <p:sp>
-        <p:nvSpPr>
-          <p:cNvPr id="5" name="Footer Placeholder 4"/>
-          <p:cNvSpPr>
-            <a:spLocks noGrp="1"/>
-          </p:cNvSpPr>
-          <p:nvPr>
-            <p:ph type="ftr" sz="quarter" idx="11"/>
-          </p:nvPr>
-        </p:nvSpPr>
-        <p:spPr/>
-        <p:txBody>
-          <a:bodyPr/>
-          <a:lstStyle/>
-          <a:p>
-            <a:pPr>
-              <a:defRPr/>
-            </a:pPr>
-            <a:r>
-              <a:rPr lang="en-US" altLang="en-US" smtClean="0"/>
-              <a:t>ECE Application Programming: Lecture 35</a:t>
-            </a:r>
-            <a:endParaRPr lang="en-US" altLang="en-US"/>
-          </a:p>
-        </p:txBody>
-      </p:sp>
-      <p:sp>
-        <p:nvSpPr>
-          <p:cNvPr id="6" name="Slide Number Placeholder 5"/>
-          <p:cNvSpPr>
-            <a:spLocks noGrp="1"/>
-          </p:cNvSpPr>
-          <p:nvPr>
-            <p:ph type="sldNum" sz="quarter" idx="12"/>
-          </p:nvPr>
-        </p:nvSpPr>
-        <p:spPr/>
-        <p:txBody>
-          <a:bodyPr/>
-          <a:lstStyle>
-            <a:lvl1pPr eaLnBrk="0" hangingPunct="0">
-              <a:defRPr>
-                <a:solidFill>
-                  <a:schemeClr val="tx1"/>
-                </a:solidFill>
-                <a:latin typeface="Arial" charset="0"/>
-                <a:ea typeface="ＭＳ Ｐゴシック" charset="0"/>
-                <a:cs typeface="Arial" charset="0"/>
-              </a:defRPr>
-            </a:lvl1pPr>
-            <a:lvl2pPr marL="742950" indent="-285750" eaLnBrk="0" hangingPunct="0">
-              <a:defRPr>
-                <a:solidFill>
-                  <a:schemeClr val="tx1"/>
-                </a:solidFill>
-                <a:latin typeface="Arial" charset="0"/>
-                <a:ea typeface="Arial" charset="0"/>
-                <a:cs typeface="Arial" charset="0"/>
-              </a:defRPr>
-            </a:lvl2pPr>
-            <a:lvl3pPr marL="1143000" indent="-228600" eaLnBrk="0" hangingPunct="0">
-              <a:defRPr>
-                <a:solidFill>
-                  <a:schemeClr val="tx1"/>
-                </a:solidFill>
-                <a:latin typeface="Arial" charset="0"/>
-                <a:ea typeface="Arial" charset="0"/>
-                <a:cs typeface="Arial" charset="0"/>
-              </a:defRPr>
-            </a:lvl3pPr>
-            <a:lvl4pPr marL="1600200" indent="-228600" eaLnBrk="0" hangingPunct="0">
-              <a:defRPr>
-                <a:solidFill>
-                  <a:schemeClr val="tx1"/>
-                </a:solidFill>
-                <a:latin typeface="Arial" charset="0"/>
-                <a:ea typeface="Arial" charset="0"/>
-                <a:cs typeface="Arial" charset="0"/>
-              </a:defRPr>
-            </a:lvl4pPr>
-            <a:lvl5pPr marL="2057400" indent="-228600" eaLnBrk="0" hangingPunct="0">
-              <a:defRPr>
-                <a:solidFill>
-                  <a:schemeClr val="tx1"/>
-                </a:solidFill>
-                <a:latin typeface="Arial" charset="0"/>
-                <a:ea typeface="Arial" charset="0"/>
-                <a:cs typeface="Arial" charset="0"/>
-              </a:defRPr>
-            </a:lvl5pPr>
-            <a:lvl6pPr marL="2514600" indent="-228600" eaLnBrk="0" fontAlgn="base" hangingPunct="0">
-              <a:spcBef>
-                <a:spcPct val="0"/>
-              </a:spcBef>
-              <a:spcAft>
-                <a:spcPct val="0"/>
-              </a:spcAft>
-              <a:defRPr>
-                <a:solidFill>
-                  <a:schemeClr val="tx1"/>
-                </a:solidFill>
-                <a:latin typeface="Arial" charset="0"/>
-                <a:ea typeface="Arial" charset="0"/>
-                <a:cs typeface="Arial" charset="0"/>
-              </a:defRPr>
-            </a:lvl6pPr>
-            <a:lvl7pPr marL="2971800" indent="-228600" eaLnBrk="0" fontAlgn="base" hangingPunct="0">
-              <a:spcBef>
-                <a:spcPct val="0"/>
-              </a:spcBef>
-              <a:spcAft>
-                <a:spcPct val="0"/>
-              </a:spcAft>
-              <a:defRPr>
-                <a:solidFill>
-                  <a:schemeClr val="tx1"/>
-                </a:solidFill>
-                <a:latin typeface="Arial" charset="0"/>
-                <a:ea typeface="Arial" charset="0"/>
-                <a:cs typeface="Arial" charset="0"/>
-              </a:defRPr>
-            </a:lvl7pPr>
-            <a:lvl8pPr marL="3429000" indent="-228600" eaLnBrk="0" fontAlgn="base" hangingPunct="0">
-              <a:spcBef>
-                <a:spcPct val="0"/>
-              </a:spcBef>
-              <a:spcAft>
-                <a:spcPct val="0"/>
-              </a:spcAft>
-              <a:defRPr>
-                <a:solidFill>
-                  <a:schemeClr val="tx1"/>
-                </a:solidFill>
-                <a:latin typeface="Arial" charset="0"/>
-                <a:ea typeface="Arial" charset="0"/>
-                <a:cs typeface="Arial" charset="0"/>
-              </a:defRPr>
-            </a:lvl8pPr>
-            <a:lvl9pPr marL="3886200" indent="-228600" eaLnBrk="0" fontAlgn="base" hangingPunct="0">
-              <a:spcBef>
-                <a:spcPct val="0"/>
-              </a:spcBef>
-              <a:spcAft>
-                <a:spcPct val="0"/>
-              </a:spcAft>
-              <a:defRPr>
-                <a:solidFill>
-                  <a:schemeClr val="tx1"/>
-                </a:solidFill>
-                <a:latin typeface="Arial" charset="0"/>
-                <a:ea typeface="Arial" charset="0"/>
-                <a:cs typeface="Arial" charset="0"/>
-              </a:defRPr>
-            </a:lvl9pPr>
-          </a:lstStyle>
-          <a:p>
-            <a:pPr eaLnBrk="1" hangingPunct="1"/>
-            <a:fld id="{A33E93CA-0093-3647-A136-EAE9569B6BBC}" type="slidenum">
-              <a:rPr lang="en-US">
-                <a:latin typeface="Garamond" charset="0"/>
-              </a:rPr>
-              <a:pPr eaLnBrk="1" hangingPunct="1"/>
-              <a:t>14</a:t>
-            </a:fld>
-            <a:endParaRPr lang="en-US">
-              <a:latin typeface="Garamond" charset="0"/>
-            </a:endParaRPr>
-          </a:p>
-        </p:txBody>
-      </p:sp>
-    </p:spTree>
-    <p:extLst>
-      <p:ext uri="{BB962C8B-B14F-4D97-AF65-F5344CB8AC3E}">
-        <p14:creationId xmlns:p14="http://schemas.microsoft.com/office/powerpoint/2010/main" val="2090815418"/>
-      </p:ext>
-    </p:extLst>
-  </p:cSld>
-  <p:clrMapOvr>
-    <a:masterClrMapping/>
-  </p:clrMapOvr>
-  <p:timing>
-    <p:tnLst>
-      <p:par>
-        <p:cTn xmlns:p14="http://schemas.microsoft.com/office/powerpoint/2010/main" id="1" dur="indefinite" restart="never" nodeType="tmRoot"/>
-      </p:par>
-    </p:tnLst>
-  </p:timing>
-</p:sld>
-</file>
-
-<file path=ppt/slides/slide15.xml><?xml version="1.0" encoding="utf-8"?>
-<p:sld xmlns:a="http://schemas.openxmlformats.org/drawingml/2006/main" xmlns:r="http://schemas.openxmlformats.org/officeDocument/2006/relationships" xmlns:p="http://schemas.openxmlformats.org/presentationml/2006/main">
-  <p:cSld>
-    <p:spTree>
-      <p:nvGrpSpPr>
-        <p:cNvPr id="1" name=""/>
-        <p:cNvGrpSpPr/>
-        <p:nvPr/>
-      </p:nvGrpSpPr>
-      <p:grpSpPr>
-        <a:xfrm>
-          <a:off x="0" y="0"/>
-          <a:ext cx="0" cy="0"/>
-          <a:chOff x="0" y="0"/>
-          <a:chExt cx="0" cy="0"/>
-        </a:xfrm>
-      </p:grpSpPr>
-      <p:sp>
-        <p:nvSpPr>
-          <p:cNvPr id="13314" name="Title 1"/>
-          <p:cNvSpPr>
-            <a:spLocks noGrp="1"/>
-          </p:cNvSpPr>
-          <p:nvPr>
-            <p:ph type="title"/>
-          </p:nvPr>
-        </p:nvSpPr>
-        <p:spPr/>
-        <p:txBody>
-          <a:bodyPr/>
-          <a:lstStyle/>
-          <a:p>
-            <a:r>
-              <a:rPr lang="en-US">
-                <a:latin typeface="Garamond" charset="0"/>
-              </a:rPr>
-              <a:t>Adding item to sorted list</a:t>
-            </a:r>
-          </a:p>
-        </p:txBody>
-      </p:sp>
-      <p:sp>
-        <p:nvSpPr>
-          <p:cNvPr id="3" name="Content Placeholder 2"/>
-          <p:cNvSpPr>
-            <a:spLocks noGrp="1"/>
-          </p:cNvSpPr>
-          <p:nvPr>
-            <p:ph idx="1"/>
-          </p:nvPr>
-        </p:nvSpPr>
-        <p:spPr>
-          <a:xfrm>
-            <a:off x="457200" y="914400"/>
-            <a:ext cx="8229600" cy="5216525"/>
-          </a:xfrm>
-          <a:extLst/>
-        </p:spPr>
-        <p:txBody>
-          <a:bodyPr>
-            <a:normAutofit fontScale="70000" lnSpcReduction="20000"/>
-          </a:bodyPr>
-          <a:lstStyle/>
-          <a:p>
-            <a:pPr marL="0" indent="0">
-              <a:buFont typeface="Wingdings" pitchFamily="2" charset="2"/>
-              <a:buNone/>
-              <a:defRPr/>
-            </a:pPr>
-            <a:r>
-              <a:rPr lang="en-US" sz="2800" b="1" dirty="0" err="1" smtClean="0">
-                <a:solidFill>
-                  <a:srgbClr val="2B91AF"/>
-                </a:solidFill>
-                <a:highlight>
-                  <a:srgbClr val="FFFFFF"/>
-                </a:highlight>
-                <a:latin typeface="Courier New" pitchFamily="49" charset="0"/>
-                <a:ea typeface="+mn-ea"/>
-                <a:cs typeface="Courier New" pitchFamily="49" charset="0"/>
-              </a:rPr>
-              <a:t>LLnode</a:t>
-            </a:r>
-            <a:r>
-              <a:rPr lang="en-US" sz="2800" b="1" dirty="0">
-                <a:solidFill>
-                  <a:srgbClr val="000000"/>
-                </a:solidFill>
-                <a:highlight>
-                  <a:srgbClr val="FFFFFF"/>
-                </a:highlight>
-                <a:latin typeface="Courier New" pitchFamily="49" charset="0"/>
-                <a:ea typeface="+mn-ea"/>
-                <a:cs typeface="Courier New" pitchFamily="49" charset="0"/>
-              </a:rPr>
-              <a:t> </a:t>
-            </a:r>
-            <a:r>
-              <a:rPr lang="en-US" sz="2800" b="1" dirty="0" smtClean="0">
-                <a:solidFill>
-                  <a:srgbClr val="000000"/>
-                </a:solidFill>
-                <a:highlight>
-                  <a:srgbClr val="FFFFFF"/>
-                </a:highlight>
-                <a:latin typeface="Courier New" pitchFamily="49" charset="0"/>
-                <a:ea typeface="+mn-ea"/>
-                <a:cs typeface="Courier New" pitchFamily="49" charset="0"/>
-              </a:rPr>
-              <a:t>*</a:t>
-            </a:r>
-            <a:r>
-              <a:rPr lang="en-US" sz="2800" b="1" dirty="0" err="1" smtClean="0">
-                <a:solidFill>
-                  <a:srgbClr val="000000"/>
-                </a:solidFill>
-                <a:highlight>
-                  <a:srgbClr val="FFFFFF"/>
-                </a:highlight>
-                <a:latin typeface="Courier New" pitchFamily="49" charset="0"/>
-                <a:ea typeface="+mn-ea"/>
-                <a:cs typeface="Courier New" pitchFamily="49" charset="0"/>
-              </a:rPr>
-              <a:t>addSortedNode</a:t>
-            </a:r>
-            <a:r>
-              <a:rPr lang="en-US" sz="2800" b="1" dirty="0" smtClean="0">
-                <a:solidFill>
-                  <a:srgbClr val="000000"/>
-                </a:solidFill>
-                <a:highlight>
-                  <a:srgbClr val="FFFFFF"/>
-                </a:highlight>
-                <a:latin typeface="Courier New" pitchFamily="49" charset="0"/>
-                <a:ea typeface="+mn-ea"/>
-                <a:cs typeface="Courier New" pitchFamily="49" charset="0"/>
-              </a:rPr>
-              <a:t>(</a:t>
-            </a:r>
-            <a:r>
-              <a:rPr lang="en-US" sz="2800" b="1" dirty="0" err="1" smtClean="0">
-                <a:solidFill>
-                  <a:srgbClr val="2B91AF"/>
-                </a:solidFill>
-                <a:highlight>
-                  <a:srgbClr val="FFFFFF"/>
-                </a:highlight>
-                <a:latin typeface="Courier New" pitchFamily="49" charset="0"/>
-                <a:ea typeface="+mn-ea"/>
-                <a:cs typeface="Courier New" pitchFamily="49" charset="0"/>
-              </a:rPr>
-              <a:t>LLnode</a:t>
-            </a:r>
-            <a:r>
-              <a:rPr lang="en-US" sz="2800" b="1" dirty="0" smtClean="0">
-                <a:solidFill>
-                  <a:srgbClr val="000000"/>
-                </a:solidFill>
-                <a:highlight>
-                  <a:srgbClr val="FFFFFF"/>
-                </a:highlight>
-                <a:latin typeface="Courier New" pitchFamily="49" charset="0"/>
-                <a:ea typeface="+mn-ea"/>
-                <a:cs typeface="Courier New" pitchFamily="49" charset="0"/>
-              </a:rPr>
-              <a:t> </a:t>
-            </a:r>
-            <a:r>
-              <a:rPr lang="en-US" sz="2800" b="1" dirty="0">
-                <a:solidFill>
-                  <a:srgbClr val="000000"/>
-                </a:solidFill>
-                <a:highlight>
-                  <a:srgbClr val="FFFFFF"/>
-                </a:highlight>
-                <a:latin typeface="Courier New" pitchFamily="49" charset="0"/>
-                <a:ea typeface="+mn-ea"/>
-                <a:cs typeface="Courier New" pitchFamily="49" charset="0"/>
-              </a:rPr>
-              <a:t>*</a:t>
-            </a:r>
-            <a:r>
-              <a:rPr lang="en-US" sz="2800" b="1" dirty="0" smtClean="0">
-                <a:solidFill>
-                  <a:srgbClr val="808080"/>
-                </a:solidFill>
-                <a:highlight>
-                  <a:srgbClr val="FFFFFF"/>
-                </a:highlight>
-                <a:latin typeface="Courier New" pitchFamily="49" charset="0"/>
-                <a:ea typeface="+mn-ea"/>
-                <a:cs typeface="Courier New" pitchFamily="49" charset="0"/>
-              </a:rPr>
-              <a:t>list</a:t>
-            </a:r>
-            <a:r>
-              <a:rPr lang="en-US" sz="2800" b="1" dirty="0">
-                <a:solidFill>
-                  <a:srgbClr val="000000"/>
-                </a:solidFill>
-                <a:highlight>
-                  <a:srgbClr val="FFFFFF"/>
-                </a:highlight>
-                <a:latin typeface="Courier New" pitchFamily="49" charset="0"/>
-                <a:ea typeface="+mn-ea"/>
-                <a:cs typeface="Courier New" pitchFamily="49" charset="0"/>
-              </a:rPr>
-              <a:t>, </a:t>
-            </a:r>
-            <a:r>
-              <a:rPr lang="en-US" sz="2800" b="1" dirty="0" err="1" smtClean="0">
-                <a:solidFill>
-                  <a:srgbClr val="0000FF"/>
-                </a:solidFill>
-                <a:highlight>
-                  <a:srgbClr val="FFFFFF"/>
-                </a:highlight>
-                <a:latin typeface="Courier New" pitchFamily="49" charset="0"/>
-                <a:ea typeface="+mn-ea"/>
-                <a:cs typeface="Courier New" pitchFamily="49" charset="0"/>
-              </a:rPr>
-              <a:t>int</a:t>
-            </a:r>
-            <a:r>
-              <a:rPr lang="en-US" sz="2800" b="1" dirty="0">
-                <a:solidFill>
-                  <a:srgbClr val="000000"/>
-                </a:solidFill>
-                <a:highlight>
-                  <a:srgbClr val="FFFFFF"/>
-                </a:highlight>
-                <a:latin typeface="Courier New" pitchFamily="49" charset="0"/>
-                <a:ea typeface="+mn-ea"/>
-                <a:cs typeface="Courier New" pitchFamily="49" charset="0"/>
-              </a:rPr>
-              <a:t> </a:t>
-            </a:r>
-            <a:r>
-              <a:rPr lang="en-US" sz="2800" b="1" dirty="0" smtClean="0">
-                <a:solidFill>
-                  <a:srgbClr val="808080"/>
-                </a:solidFill>
-                <a:highlight>
-                  <a:srgbClr val="FFFFFF"/>
-                </a:highlight>
-                <a:latin typeface="Courier New" pitchFamily="49" charset="0"/>
-                <a:ea typeface="+mn-ea"/>
-                <a:cs typeface="Courier New" pitchFamily="49" charset="0"/>
-              </a:rPr>
-              <a:t>v</a:t>
-            </a:r>
-            <a:r>
-              <a:rPr lang="en-US" sz="2800" b="1" dirty="0" smtClean="0">
-                <a:solidFill>
-                  <a:srgbClr val="000000"/>
-                </a:solidFill>
-                <a:highlight>
-                  <a:srgbClr val="FFFFFF"/>
-                </a:highlight>
-                <a:latin typeface="Courier New" pitchFamily="49" charset="0"/>
-                <a:ea typeface="+mn-ea"/>
-                <a:cs typeface="Courier New" pitchFamily="49" charset="0"/>
-              </a:rPr>
-              <a:t>)</a:t>
-            </a:r>
-          </a:p>
-          <a:p>
-            <a:pPr marL="0" indent="0">
-              <a:buFont typeface="Wingdings" pitchFamily="2" charset="2"/>
-              <a:buNone/>
-              <a:defRPr/>
-            </a:pPr>
-            <a:r>
-              <a:rPr lang="en-US" sz="2800" dirty="0" smtClean="0">
-                <a:solidFill>
-                  <a:srgbClr val="000000"/>
-                </a:solidFill>
-                <a:highlight>
-                  <a:srgbClr val="FFFFFF"/>
-                </a:highlight>
-                <a:ea typeface="+mn-ea"/>
-                <a:cs typeface="Courier New" pitchFamily="49" charset="0"/>
-              </a:rPr>
-              <a:t>(See web for full function)</a:t>
-            </a:r>
-          </a:p>
-          <a:p>
-            <a:pPr marL="0" indent="0">
-              <a:buFont typeface="Wingdings" pitchFamily="2" charset="2"/>
-              <a:buNone/>
-              <a:defRPr/>
-            </a:pPr>
-            <a:endParaRPr lang="en-US" sz="2800" dirty="0" smtClean="0">
-              <a:ea typeface="+mn-ea"/>
-            </a:endParaRPr>
-          </a:p>
-          <a:p>
-            <a:pPr marL="514350" indent="-514350">
-              <a:buFont typeface="+mj-lt"/>
-              <a:buAutoNum type="arabicPeriod"/>
-              <a:defRPr/>
-            </a:pPr>
-            <a:r>
-              <a:rPr lang="en-US" dirty="0" smtClean="0">
-                <a:ea typeface="+mn-ea"/>
-              </a:rPr>
-              <a:t>Dynamically allocate space for </a:t>
-            </a:r>
-            <a:r>
-              <a:rPr lang="en-US" b="1" dirty="0" err="1" smtClean="0">
-                <a:latin typeface="Courier New" panose="02070309020205020404" pitchFamily="49" charset="0"/>
-                <a:ea typeface="+mn-ea"/>
-                <a:cs typeface="Courier New" panose="02070309020205020404" pitchFamily="49" charset="0"/>
-              </a:rPr>
-              <a:t>newNode</a:t>
-            </a:r>
-            <a:r>
-              <a:rPr lang="en-US" dirty="0" smtClean="0">
-                <a:ea typeface="+mn-ea"/>
-              </a:rPr>
-              <a:t> (same as basic add function)</a:t>
-            </a:r>
-          </a:p>
-          <a:p>
-            <a:pPr marL="0" indent="0">
-              <a:buFont typeface="Wingdings" pitchFamily="2" charset="2"/>
-              <a:buNone/>
-              <a:defRPr/>
-            </a:pPr>
-            <a:endParaRPr lang="en-US" dirty="0" smtClean="0">
-              <a:ea typeface="+mn-ea"/>
-            </a:endParaRPr>
-          </a:p>
-          <a:p>
-            <a:pPr marL="514350" indent="-514350">
-              <a:buFont typeface="+mj-lt"/>
-              <a:buAutoNum type="arabicPeriod" startAt="2"/>
-              <a:defRPr/>
-            </a:pPr>
-            <a:r>
-              <a:rPr lang="en-US" dirty="0" smtClean="0">
-                <a:ea typeface="+mn-ea"/>
-              </a:rPr>
-              <a:t>Need two pointers--one for current item, one for previous</a:t>
-            </a:r>
-          </a:p>
-          <a:p>
-            <a:pPr marL="344487" lvl="1" indent="0">
-              <a:buFont typeface="Wingdings" pitchFamily="2" charset="2"/>
-              <a:buNone/>
-              <a:defRPr/>
-            </a:pPr>
-            <a:r>
-              <a:rPr lang="en-US" sz="2800" b="1" dirty="0" err="1" smtClean="0">
-                <a:solidFill>
-                  <a:srgbClr val="2B91AF"/>
-                </a:solidFill>
-                <a:highlight>
-                  <a:srgbClr val="FFFFFF"/>
-                </a:highlight>
-                <a:latin typeface="Courier New" panose="02070309020205020404" pitchFamily="49" charset="0"/>
-                <a:cs typeface="Courier New" panose="02070309020205020404" pitchFamily="49" charset="0"/>
-              </a:rPr>
-              <a:t>LLnode</a:t>
-            </a:r>
-            <a:r>
-              <a:rPr lang="en-US" sz="2800" b="1" dirty="0" smtClean="0">
-                <a:solidFill>
-                  <a:srgbClr val="000000"/>
-                </a:solidFill>
-                <a:highlight>
-                  <a:srgbClr val="FFFFFF"/>
-                </a:highlight>
-                <a:latin typeface="Courier New" panose="02070309020205020404" pitchFamily="49" charset="0"/>
-                <a:cs typeface="Courier New" panose="02070309020205020404" pitchFamily="49" charset="0"/>
-              </a:rPr>
-              <a:t> </a:t>
-            </a:r>
-            <a:r>
-              <a:rPr lang="en-US" sz="2800" b="1" dirty="0">
-                <a:solidFill>
-                  <a:srgbClr val="000000"/>
-                </a:solidFill>
-                <a:highlight>
-                  <a:srgbClr val="FFFFFF"/>
-                </a:highlight>
-                <a:latin typeface="Courier New" panose="02070309020205020404" pitchFamily="49" charset="0"/>
-                <a:cs typeface="Courier New" panose="02070309020205020404" pitchFamily="49" charset="0"/>
-              </a:rPr>
-              <a:t>*cur = </a:t>
-            </a:r>
-            <a:r>
-              <a:rPr lang="en-US" sz="2800" b="1" dirty="0" smtClean="0">
-                <a:solidFill>
-                  <a:srgbClr val="808080"/>
-                </a:solidFill>
-                <a:highlight>
-                  <a:srgbClr val="FFFFFF"/>
-                </a:highlight>
-                <a:latin typeface="Courier New" panose="02070309020205020404" pitchFamily="49" charset="0"/>
-                <a:cs typeface="Courier New" panose="02070309020205020404" pitchFamily="49" charset="0"/>
-              </a:rPr>
-              <a:t>list</a:t>
-            </a:r>
-            <a:r>
-              <a:rPr lang="en-US" sz="2800" b="1" dirty="0" smtClean="0">
-                <a:solidFill>
-                  <a:srgbClr val="000000"/>
-                </a:solidFill>
-                <a:highlight>
-                  <a:srgbClr val="FFFFFF"/>
-                </a:highlight>
-                <a:latin typeface="Courier New" panose="02070309020205020404" pitchFamily="49" charset="0"/>
-                <a:cs typeface="Courier New" panose="02070309020205020404" pitchFamily="49" charset="0"/>
-              </a:rPr>
-              <a:t>;</a:t>
-            </a:r>
-            <a:endParaRPr lang="en-US" sz="2800" b="1" dirty="0">
-              <a:solidFill>
-                <a:srgbClr val="000000"/>
-              </a:solidFill>
-              <a:highlight>
-                <a:srgbClr val="FFFFFF"/>
-              </a:highlight>
-              <a:latin typeface="Courier New" panose="02070309020205020404" pitchFamily="49" charset="0"/>
-              <a:cs typeface="Courier New" panose="02070309020205020404" pitchFamily="49" charset="0"/>
-            </a:endParaRPr>
-          </a:p>
-          <a:p>
-            <a:pPr marL="344487" lvl="1" indent="0">
-              <a:buFont typeface="Wingdings" pitchFamily="2" charset="2"/>
-              <a:buNone/>
-              <a:defRPr/>
-            </a:pPr>
-            <a:r>
-              <a:rPr lang="en-US" sz="2800" b="1" dirty="0" err="1" smtClean="0">
-                <a:solidFill>
-                  <a:srgbClr val="2B91AF"/>
-                </a:solidFill>
-                <a:highlight>
-                  <a:srgbClr val="FFFFFF"/>
-                </a:highlight>
-                <a:latin typeface="Courier New" panose="02070309020205020404" pitchFamily="49" charset="0"/>
-                <a:cs typeface="Courier New" panose="02070309020205020404" pitchFamily="49" charset="0"/>
-              </a:rPr>
-              <a:t>LLnode</a:t>
-            </a:r>
-            <a:r>
-              <a:rPr lang="en-US" sz="2800" b="1" dirty="0">
-                <a:solidFill>
-                  <a:srgbClr val="000000"/>
-                </a:solidFill>
-                <a:highlight>
-                  <a:srgbClr val="FFFFFF"/>
-                </a:highlight>
-                <a:latin typeface="Courier New" panose="02070309020205020404" pitchFamily="49" charset="0"/>
-                <a:cs typeface="Courier New" panose="02070309020205020404" pitchFamily="49" charset="0"/>
-              </a:rPr>
-              <a:t> *</a:t>
-            </a:r>
-            <a:r>
-              <a:rPr lang="en-US" sz="2800" b="1" dirty="0" err="1">
-                <a:solidFill>
-                  <a:srgbClr val="000000"/>
-                </a:solidFill>
-                <a:highlight>
-                  <a:srgbClr val="FFFFFF"/>
-                </a:highlight>
-                <a:latin typeface="Courier New" panose="02070309020205020404" pitchFamily="49" charset="0"/>
-                <a:cs typeface="Courier New" panose="02070309020205020404" pitchFamily="49" charset="0"/>
-              </a:rPr>
-              <a:t>prev</a:t>
-            </a:r>
-            <a:r>
-              <a:rPr lang="en-US" sz="2800" b="1" dirty="0">
-                <a:solidFill>
-                  <a:srgbClr val="000000"/>
-                </a:solidFill>
-                <a:highlight>
-                  <a:srgbClr val="FFFFFF"/>
-                </a:highlight>
-                <a:latin typeface="Courier New" panose="02070309020205020404" pitchFamily="49" charset="0"/>
-                <a:cs typeface="Courier New" panose="02070309020205020404" pitchFamily="49" charset="0"/>
-              </a:rPr>
-              <a:t> = </a:t>
-            </a:r>
-            <a:r>
-              <a:rPr lang="en-US" sz="2800" b="1" dirty="0" smtClean="0">
-                <a:solidFill>
-                  <a:srgbClr val="6F008A"/>
-                </a:solidFill>
-                <a:highlight>
-                  <a:srgbClr val="FFFFFF"/>
-                </a:highlight>
-                <a:latin typeface="Courier New" panose="02070309020205020404" pitchFamily="49" charset="0"/>
-                <a:cs typeface="Courier New" panose="02070309020205020404" pitchFamily="49" charset="0"/>
-              </a:rPr>
-              <a:t>NULL</a:t>
-            </a:r>
-            <a:r>
-              <a:rPr lang="en-US" sz="2800" b="1" dirty="0" smtClean="0">
-                <a:solidFill>
-                  <a:srgbClr val="000000"/>
-                </a:solidFill>
-                <a:highlight>
-                  <a:srgbClr val="FFFFFF"/>
-                </a:highlight>
-                <a:latin typeface="Courier New" panose="02070309020205020404" pitchFamily="49" charset="0"/>
-                <a:cs typeface="Courier New" panose="02070309020205020404" pitchFamily="49" charset="0"/>
-              </a:rPr>
-              <a:t>;</a:t>
-            </a:r>
-          </a:p>
-          <a:p>
-            <a:pPr marL="344487" lvl="1" indent="0">
-              <a:buFont typeface="Wingdings" pitchFamily="2" charset="2"/>
-              <a:buNone/>
-              <a:defRPr/>
-            </a:pPr>
-            <a:endParaRPr lang="en-US" sz="4400" b="1" dirty="0" smtClean="0">
-              <a:latin typeface="Courier New" panose="02070309020205020404" pitchFamily="49" charset="0"/>
-              <a:cs typeface="Courier New" panose="02070309020205020404" pitchFamily="49" charset="0"/>
-            </a:endParaRPr>
-          </a:p>
-          <a:p>
-            <a:pPr marL="514350" indent="-514350">
-              <a:buFont typeface="+mj-lt"/>
-              <a:buAutoNum type="arabicPeriod" startAt="2"/>
-              <a:defRPr/>
-            </a:pPr>
-            <a:r>
-              <a:rPr lang="en-US" dirty="0" smtClean="0">
-                <a:ea typeface="+mn-ea"/>
-              </a:rPr>
-              <a:t>Search list until you either </a:t>
-            </a:r>
-            <a:r>
-              <a:rPr lang="en-US" dirty="0" smtClean="0">
-                <a:solidFill>
-                  <a:srgbClr val="FF0000"/>
-                </a:solidFill>
-                <a:ea typeface="+mn-ea"/>
-              </a:rPr>
-              <a:t>find appropriate spot </a:t>
-            </a:r>
-            <a:r>
-              <a:rPr lang="en-US" dirty="0" smtClean="0">
-                <a:ea typeface="+mn-ea"/>
-              </a:rPr>
-              <a:t>or hit end, moving both pointers each time</a:t>
-            </a:r>
-          </a:p>
-          <a:p>
-            <a:pPr marL="344487" lvl="1" indent="0">
-              <a:buFont typeface="Wingdings" pitchFamily="2" charset="2"/>
-              <a:buNone/>
-              <a:defRPr/>
-            </a:pPr>
-            <a:r>
-              <a:rPr lang="en-US" sz="2800" b="1" dirty="0" smtClean="0">
-                <a:solidFill>
-                  <a:srgbClr val="0000FF"/>
-                </a:solidFill>
-                <a:highlight>
-                  <a:srgbClr val="FFFFFF"/>
-                </a:highlight>
-                <a:latin typeface="Courier New" panose="02070309020205020404" pitchFamily="49" charset="0"/>
-                <a:cs typeface="Courier New" panose="02070309020205020404" pitchFamily="49" charset="0"/>
-              </a:rPr>
-              <a:t>while</a:t>
-            </a:r>
-            <a:r>
-              <a:rPr lang="en-US" sz="2800" b="1" dirty="0">
-                <a:solidFill>
-                  <a:srgbClr val="000000"/>
-                </a:solidFill>
-                <a:highlight>
-                  <a:srgbClr val="FFFFFF"/>
-                </a:highlight>
-                <a:latin typeface="Courier New" panose="02070309020205020404" pitchFamily="49" charset="0"/>
-                <a:cs typeface="Courier New" panose="02070309020205020404" pitchFamily="49" charset="0"/>
-              </a:rPr>
-              <a:t> ((cur != </a:t>
-            </a:r>
-            <a:r>
-              <a:rPr lang="en-US" sz="2800" b="1" dirty="0" smtClean="0">
-                <a:solidFill>
-                  <a:srgbClr val="6F008A"/>
-                </a:solidFill>
-                <a:highlight>
-                  <a:srgbClr val="FFFFFF"/>
-                </a:highlight>
-                <a:latin typeface="Courier New" panose="02070309020205020404" pitchFamily="49" charset="0"/>
-                <a:cs typeface="Courier New" panose="02070309020205020404" pitchFamily="49" charset="0"/>
-              </a:rPr>
-              <a:t>NULL</a:t>
-            </a:r>
-            <a:r>
-              <a:rPr lang="en-US" sz="2800" b="1" dirty="0">
-                <a:solidFill>
-                  <a:srgbClr val="000000"/>
-                </a:solidFill>
-                <a:highlight>
-                  <a:srgbClr val="FFFFFF"/>
-                </a:highlight>
-                <a:latin typeface="Courier New" panose="02070309020205020404" pitchFamily="49" charset="0"/>
-                <a:cs typeface="Courier New" panose="02070309020205020404" pitchFamily="49" charset="0"/>
-              </a:rPr>
-              <a:t>) &amp;&amp; </a:t>
-            </a:r>
-            <a:r>
-              <a:rPr lang="en-US" sz="2800" b="1" dirty="0">
-                <a:solidFill>
-                  <a:srgbClr val="FF0000"/>
-                </a:solidFill>
-                <a:highlight>
-                  <a:srgbClr val="FFFFFF"/>
-                </a:highlight>
-                <a:latin typeface="Courier New" panose="02070309020205020404" pitchFamily="49" charset="0"/>
-                <a:cs typeface="Courier New" panose="02070309020205020404" pitchFamily="49" charset="0"/>
-              </a:rPr>
-              <a:t>(cur-&gt;value </a:t>
-            </a:r>
-            <a:r>
-              <a:rPr lang="en-US" sz="2800" b="1" dirty="0" smtClean="0">
-                <a:solidFill>
-                  <a:srgbClr val="FF0000"/>
-                </a:solidFill>
-                <a:highlight>
-                  <a:srgbClr val="FFFFFF"/>
-                </a:highlight>
-                <a:latin typeface="Courier New" panose="02070309020205020404" pitchFamily="49" charset="0"/>
-                <a:cs typeface="Courier New" panose="02070309020205020404" pitchFamily="49" charset="0"/>
-              </a:rPr>
-              <a:t>&lt; v</a:t>
-            </a:r>
-            <a:r>
-              <a:rPr lang="en-US" sz="2800" b="1" dirty="0">
-                <a:solidFill>
-                  <a:srgbClr val="FF0000"/>
-                </a:solidFill>
-                <a:highlight>
-                  <a:srgbClr val="FFFFFF"/>
-                </a:highlight>
-                <a:latin typeface="Courier New" panose="02070309020205020404" pitchFamily="49" charset="0"/>
-                <a:cs typeface="Courier New" panose="02070309020205020404" pitchFamily="49" charset="0"/>
-              </a:rPr>
-              <a:t>)</a:t>
-            </a:r>
-            <a:r>
-              <a:rPr lang="en-US" sz="2800" b="1" dirty="0">
-                <a:solidFill>
-                  <a:srgbClr val="000000"/>
-                </a:solidFill>
-                <a:highlight>
-                  <a:srgbClr val="FFFFFF"/>
-                </a:highlight>
-                <a:latin typeface="Courier New" panose="02070309020205020404" pitchFamily="49" charset="0"/>
-                <a:cs typeface="Courier New" panose="02070309020205020404" pitchFamily="49" charset="0"/>
-              </a:rPr>
-              <a:t>) {</a:t>
-            </a:r>
-          </a:p>
-          <a:p>
-            <a:pPr marL="344487" lvl="1" indent="0">
-              <a:buFont typeface="Wingdings" pitchFamily="2" charset="2"/>
-              <a:buNone/>
-              <a:defRPr/>
-            </a:pPr>
-            <a:r>
-              <a:rPr lang="en-US" sz="2800" b="1" dirty="0" smtClean="0">
-                <a:solidFill>
-                  <a:srgbClr val="000000"/>
-                </a:solidFill>
-                <a:highlight>
-                  <a:srgbClr val="FFFFFF"/>
-                </a:highlight>
-                <a:latin typeface="Courier New" panose="02070309020205020404" pitchFamily="49" charset="0"/>
-                <a:cs typeface="Courier New" panose="02070309020205020404" pitchFamily="49" charset="0"/>
-              </a:rPr>
-              <a:t>	</a:t>
-            </a:r>
-            <a:r>
-              <a:rPr lang="en-US" sz="2800" b="1" dirty="0" err="1" smtClean="0">
-                <a:solidFill>
-                  <a:srgbClr val="000000"/>
-                </a:solidFill>
-                <a:highlight>
-                  <a:srgbClr val="FFFFFF"/>
-                </a:highlight>
-                <a:latin typeface="Courier New" panose="02070309020205020404" pitchFamily="49" charset="0"/>
-                <a:cs typeface="Courier New" panose="02070309020205020404" pitchFamily="49" charset="0"/>
-              </a:rPr>
-              <a:t>prev</a:t>
-            </a:r>
-            <a:r>
-              <a:rPr lang="en-US" sz="2800" b="1" dirty="0" smtClean="0">
-                <a:solidFill>
-                  <a:srgbClr val="000000"/>
-                </a:solidFill>
-                <a:highlight>
-                  <a:srgbClr val="FFFFFF"/>
-                </a:highlight>
-                <a:latin typeface="Courier New" panose="02070309020205020404" pitchFamily="49" charset="0"/>
-                <a:cs typeface="Courier New" panose="02070309020205020404" pitchFamily="49" charset="0"/>
-              </a:rPr>
-              <a:t> </a:t>
-            </a:r>
-            <a:r>
-              <a:rPr lang="en-US" sz="2800" b="1" dirty="0">
-                <a:solidFill>
-                  <a:srgbClr val="000000"/>
-                </a:solidFill>
-                <a:highlight>
-                  <a:srgbClr val="FFFFFF"/>
-                </a:highlight>
-                <a:latin typeface="Courier New" panose="02070309020205020404" pitchFamily="49" charset="0"/>
-                <a:cs typeface="Courier New" panose="02070309020205020404" pitchFamily="49" charset="0"/>
-              </a:rPr>
-              <a:t>= cur;</a:t>
-            </a:r>
-          </a:p>
-          <a:p>
-            <a:pPr marL="344487" lvl="1" indent="0">
-              <a:buFont typeface="Wingdings" pitchFamily="2" charset="2"/>
-              <a:buNone/>
-              <a:defRPr/>
-            </a:pPr>
-            <a:r>
-              <a:rPr lang="en-US" sz="2800" b="1" dirty="0" smtClean="0">
-                <a:solidFill>
-                  <a:srgbClr val="000000"/>
-                </a:solidFill>
-                <a:highlight>
-                  <a:srgbClr val="FFFFFF"/>
-                </a:highlight>
-                <a:latin typeface="Courier New" panose="02070309020205020404" pitchFamily="49" charset="0"/>
-                <a:cs typeface="Courier New" panose="02070309020205020404" pitchFamily="49" charset="0"/>
-              </a:rPr>
-              <a:t>	cur </a:t>
-            </a:r>
-            <a:r>
-              <a:rPr lang="en-US" sz="2800" b="1" dirty="0">
-                <a:solidFill>
-                  <a:srgbClr val="000000"/>
-                </a:solidFill>
-                <a:highlight>
-                  <a:srgbClr val="FFFFFF"/>
-                </a:highlight>
-                <a:latin typeface="Courier New" panose="02070309020205020404" pitchFamily="49" charset="0"/>
-                <a:cs typeface="Courier New" panose="02070309020205020404" pitchFamily="49" charset="0"/>
-              </a:rPr>
-              <a:t>= cur-&gt;next;</a:t>
-            </a:r>
-          </a:p>
-          <a:p>
-            <a:pPr marL="344487" lvl="1" indent="0">
-              <a:buFont typeface="Wingdings" pitchFamily="2" charset="2"/>
-              <a:buNone/>
-              <a:defRPr/>
-            </a:pPr>
-            <a:r>
-              <a:rPr lang="en-US" sz="2800" b="1" dirty="0">
-                <a:solidFill>
-                  <a:srgbClr val="000000"/>
-                </a:solidFill>
-                <a:highlight>
-                  <a:srgbClr val="FFFFFF"/>
-                </a:highlight>
-                <a:latin typeface="Courier New" panose="02070309020205020404" pitchFamily="49" charset="0"/>
-                <a:cs typeface="Courier New" panose="02070309020205020404" pitchFamily="49" charset="0"/>
-              </a:rPr>
-              <a:t>}</a:t>
-            </a:r>
-            <a:endParaRPr lang="en-US" b="1" dirty="0" smtClean="0">
-              <a:latin typeface="Courier New" panose="02070309020205020404" pitchFamily="49" charset="0"/>
-              <a:cs typeface="Courier New" panose="02070309020205020404" pitchFamily="49" charset="0"/>
-            </a:endParaRPr>
-          </a:p>
-          <a:p>
-            <a:pPr marL="514350" indent="-514350">
-              <a:buFont typeface="+mj-lt"/>
-              <a:buAutoNum type="arabicPeriod" startAt="2"/>
-              <a:defRPr/>
-            </a:pPr>
-            <a:endParaRPr lang="en-US" dirty="0" smtClean="0">
-              <a:ea typeface="+mn-ea"/>
-            </a:endParaRPr>
-          </a:p>
-        </p:txBody>
-      </p:sp>
-      <p:sp>
-        <p:nvSpPr>
-          <p:cNvPr id="4" name="Date Placeholder 3"/>
-          <p:cNvSpPr>
-            <a:spLocks noGrp="1"/>
-          </p:cNvSpPr>
-          <p:nvPr>
-            <p:ph type="dt" sz="quarter" idx="10"/>
-          </p:nvPr>
-        </p:nvSpPr>
-        <p:spPr/>
-        <p:txBody>
-          <a:bodyPr/>
-          <a:lstStyle>
-            <a:lvl1pPr eaLnBrk="0" hangingPunct="0">
-              <a:defRPr>
-                <a:solidFill>
-                  <a:schemeClr val="tx1"/>
-                </a:solidFill>
-                <a:latin typeface="Arial" charset="0"/>
-                <a:ea typeface="ＭＳ Ｐゴシック" charset="0"/>
-                <a:cs typeface="Arial" charset="0"/>
-              </a:defRPr>
-            </a:lvl1pPr>
-            <a:lvl2pPr marL="742950" indent="-285750" eaLnBrk="0" hangingPunct="0">
-              <a:defRPr>
-                <a:solidFill>
-                  <a:schemeClr val="tx1"/>
-                </a:solidFill>
-                <a:latin typeface="Arial" charset="0"/>
-                <a:ea typeface="Arial" charset="0"/>
-                <a:cs typeface="Arial" charset="0"/>
-              </a:defRPr>
-            </a:lvl2pPr>
-            <a:lvl3pPr marL="1143000" indent="-228600" eaLnBrk="0" hangingPunct="0">
-              <a:defRPr>
-                <a:solidFill>
-                  <a:schemeClr val="tx1"/>
-                </a:solidFill>
-                <a:latin typeface="Arial" charset="0"/>
-                <a:ea typeface="Arial" charset="0"/>
-                <a:cs typeface="Arial" charset="0"/>
-              </a:defRPr>
-            </a:lvl3pPr>
-            <a:lvl4pPr marL="1600200" indent="-228600" eaLnBrk="0" hangingPunct="0">
-              <a:defRPr>
-                <a:solidFill>
-                  <a:schemeClr val="tx1"/>
-                </a:solidFill>
-                <a:latin typeface="Arial" charset="0"/>
-                <a:ea typeface="Arial" charset="0"/>
-                <a:cs typeface="Arial" charset="0"/>
-              </a:defRPr>
-            </a:lvl4pPr>
-            <a:lvl5pPr marL="2057400" indent="-228600" eaLnBrk="0" hangingPunct="0">
-              <a:defRPr>
-                <a:solidFill>
-                  <a:schemeClr val="tx1"/>
-                </a:solidFill>
-                <a:latin typeface="Arial" charset="0"/>
-                <a:ea typeface="Arial" charset="0"/>
-                <a:cs typeface="Arial" charset="0"/>
-              </a:defRPr>
-            </a:lvl5pPr>
-            <a:lvl6pPr marL="2514600" indent="-228600" eaLnBrk="0" fontAlgn="base" hangingPunct="0">
-              <a:spcBef>
-                <a:spcPct val="0"/>
-              </a:spcBef>
-              <a:spcAft>
-                <a:spcPct val="0"/>
-              </a:spcAft>
-              <a:defRPr>
-                <a:solidFill>
-                  <a:schemeClr val="tx1"/>
-                </a:solidFill>
-                <a:latin typeface="Arial" charset="0"/>
-                <a:ea typeface="Arial" charset="0"/>
-                <a:cs typeface="Arial" charset="0"/>
-              </a:defRPr>
-            </a:lvl6pPr>
-            <a:lvl7pPr marL="2971800" indent="-228600" eaLnBrk="0" fontAlgn="base" hangingPunct="0">
-              <a:spcBef>
-                <a:spcPct val="0"/>
-              </a:spcBef>
-              <a:spcAft>
-                <a:spcPct val="0"/>
-              </a:spcAft>
-              <a:defRPr>
-                <a:solidFill>
-                  <a:schemeClr val="tx1"/>
-                </a:solidFill>
-                <a:latin typeface="Arial" charset="0"/>
-                <a:ea typeface="Arial" charset="0"/>
-                <a:cs typeface="Arial" charset="0"/>
-              </a:defRPr>
-            </a:lvl7pPr>
-            <a:lvl8pPr marL="3429000" indent="-228600" eaLnBrk="0" fontAlgn="base" hangingPunct="0">
-              <a:spcBef>
-                <a:spcPct val="0"/>
-              </a:spcBef>
-              <a:spcAft>
-                <a:spcPct val="0"/>
-              </a:spcAft>
-              <a:defRPr>
-                <a:solidFill>
-                  <a:schemeClr val="tx1"/>
-                </a:solidFill>
-                <a:latin typeface="Arial" charset="0"/>
-                <a:ea typeface="Arial" charset="0"/>
-                <a:cs typeface="Arial" charset="0"/>
-              </a:defRPr>
-            </a:lvl8pPr>
-            <a:lvl9pPr marL="3886200" indent="-228600" eaLnBrk="0" fontAlgn="base" hangingPunct="0">
-              <a:spcBef>
-                <a:spcPct val="0"/>
-              </a:spcBef>
-              <a:spcAft>
-                <a:spcPct val="0"/>
-              </a:spcAft>
-              <a:defRPr>
-                <a:solidFill>
-                  <a:schemeClr val="tx1"/>
-                </a:solidFill>
-                <a:latin typeface="Arial" charset="0"/>
-                <a:ea typeface="Arial" charset="0"/>
-                <a:cs typeface="Arial" charset="0"/>
-              </a:defRPr>
-            </a:lvl9pPr>
-          </a:lstStyle>
-          <a:p>
-            <a:pPr eaLnBrk="1" hangingPunct="1"/>
-            <a:fld id="{7B6077B4-09E5-F241-A508-A8CA1741EE08}" type="datetime1">
-              <a:rPr lang="en-US" smtClean="0">
-                <a:latin typeface="Garamond" charset="0"/>
-              </a:rPr>
-              <a:t>11/30/16</a:t>
-            </a:fld>
-            <a:endParaRPr lang="en-US">
-              <a:latin typeface="Garamond" charset="0"/>
-            </a:endParaRPr>
-          </a:p>
-        </p:txBody>
-      </p:sp>
-      <p:sp>
-        <p:nvSpPr>
-          <p:cNvPr id="5" name="Footer Placeholder 4"/>
-          <p:cNvSpPr>
-            <a:spLocks noGrp="1"/>
-          </p:cNvSpPr>
-          <p:nvPr>
-            <p:ph type="ftr" sz="quarter" idx="11"/>
-          </p:nvPr>
-        </p:nvSpPr>
-        <p:spPr/>
-        <p:txBody>
-          <a:bodyPr/>
-          <a:lstStyle/>
-          <a:p>
-            <a:pPr>
-              <a:defRPr/>
-            </a:pPr>
-            <a:r>
-              <a:rPr lang="en-US" altLang="en-US" smtClean="0"/>
-              <a:t>ECE Application Programming: Lecture 35</a:t>
-            </a:r>
-            <a:endParaRPr lang="en-US" altLang="en-US"/>
-          </a:p>
-        </p:txBody>
-      </p:sp>
-      <p:sp>
-        <p:nvSpPr>
-          <p:cNvPr id="6" name="Slide Number Placeholder 5"/>
-          <p:cNvSpPr>
-            <a:spLocks noGrp="1"/>
-          </p:cNvSpPr>
-          <p:nvPr>
-            <p:ph type="sldNum" sz="quarter" idx="12"/>
-          </p:nvPr>
-        </p:nvSpPr>
-        <p:spPr/>
-        <p:txBody>
-          <a:bodyPr/>
-          <a:lstStyle>
-            <a:lvl1pPr eaLnBrk="0" hangingPunct="0">
-              <a:defRPr>
-                <a:solidFill>
-                  <a:schemeClr val="tx1"/>
-                </a:solidFill>
-                <a:latin typeface="Arial" charset="0"/>
-                <a:ea typeface="ＭＳ Ｐゴシック" charset="0"/>
-                <a:cs typeface="Arial" charset="0"/>
-              </a:defRPr>
-            </a:lvl1pPr>
-            <a:lvl2pPr marL="742950" indent="-285750" eaLnBrk="0" hangingPunct="0">
-              <a:defRPr>
-                <a:solidFill>
-                  <a:schemeClr val="tx1"/>
-                </a:solidFill>
-                <a:latin typeface="Arial" charset="0"/>
-                <a:ea typeface="Arial" charset="0"/>
-                <a:cs typeface="Arial" charset="0"/>
-              </a:defRPr>
-            </a:lvl2pPr>
-            <a:lvl3pPr marL="1143000" indent="-228600" eaLnBrk="0" hangingPunct="0">
-              <a:defRPr>
-                <a:solidFill>
-                  <a:schemeClr val="tx1"/>
-                </a:solidFill>
-                <a:latin typeface="Arial" charset="0"/>
-                <a:ea typeface="Arial" charset="0"/>
-                <a:cs typeface="Arial" charset="0"/>
-              </a:defRPr>
-            </a:lvl3pPr>
-            <a:lvl4pPr marL="1600200" indent="-228600" eaLnBrk="0" hangingPunct="0">
-              <a:defRPr>
-                <a:solidFill>
-                  <a:schemeClr val="tx1"/>
-                </a:solidFill>
-                <a:latin typeface="Arial" charset="0"/>
-                <a:ea typeface="Arial" charset="0"/>
-                <a:cs typeface="Arial" charset="0"/>
-              </a:defRPr>
-            </a:lvl4pPr>
-            <a:lvl5pPr marL="2057400" indent="-228600" eaLnBrk="0" hangingPunct="0">
-              <a:defRPr>
-                <a:solidFill>
-                  <a:schemeClr val="tx1"/>
-                </a:solidFill>
-                <a:latin typeface="Arial" charset="0"/>
-                <a:ea typeface="Arial" charset="0"/>
-                <a:cs typeface="Arial" charset="0"/>
-              </a:defRPr>
-            </a:lvl5pPr>
-            <a:lvl6pPr marL="2514600" indent="-228600" eaLnBrk="0" fontAlgn="base" hangingPunct="0">
-              <a:spcBef>
-                <a:spcPct val="0"/>
-              </a:spcBef>
-              <a:spcAft>
-                <a:spcPct val="0"/>
-              </a:spcAft>
-              <a:defRPr>
-                <a:solidFill>
-                  <a:schemeClr val="tx1"/>
-                </a:solidFill>
-                <a:latin typeface="Arial" charset="0"/>
-                <a:ea typeface="Arial" charset="0"/>
-                <a:cs typeface="Arial" charset="0"/>
-              </a:defRPr>
-            </a:lvl6pPr>
-            <a:lvl7pPr marL="2971800" indent="-228600" eaLnBrk="0" fontAlgn="base" hangingPunct="0">
-              <a:spcBef>
-                <a:spcPct val="0"/>
-              </a:spcBef>
-              <a:spcAft>
-                <a:spcPct val="0"/>
-              </a:spcAft>
-              <a:defRPr>
-                <a:solidFill>
-                  <a:schemeClr val="tx1"/>
-                </a:solidFill>
-                <a:latin typeface="Arial" charset="0"/>
-                <a:ea typeface="Arial" charset="0"/>
-                <a:cs typeface="Arial" charset="0"/>
-              </a:defRPr>
-            </a:lvl7pPr>
-            <a:lvl8pPr marL="3429000" indent="-228600" eaLnBrk="0" fontAlgn="base" hangingPunct="0">
-              <a:spcBef>
-                <a:spcPct val="0"/>
-              </a:spcBef>
-              <a:spcAft>
-                <a:spcPct val="0"/>
-              </a:spcAft>
-              <a:defRPr>
-                <a:solidFill>
-                  <a:schemeClr val="tx1"/>
-                </a:solidFill>
-                <a:latin typeface="Arial" charset="0"/>
-                <a:ea typeface="Arial" charset="0"/>
-                <a:cs typeface="Arial" charset="0"/>
-              </a:defRPr>
-            </a:lvl8pPr>
-            <a:lvl9pPr marL="3886200" indent="-228600" eaLnBrk="0" fontAlgn="base" hangingPunct="0">
-              <a:spcBef>
-                <a:spcPct val="0"/>
-              </a:spcBef>
-              <a:spcAft>
-                <a:spcPct val="0"/>
-              </a:spcAft>
-              <a:defRPr>
-                <a:solidFill>
-                  <a:schemeClr val="tx1"/>
-                </a:solidFill>
-                <a:latin typeface="Arial" charset="0"/>
-                <a:ea typeface="Arial" charset="0"/>
-                <a:cs typeface="Arial" charset="0"/>
-              </a:defRPr>
-            </a:lvl9pPr>
-          </a:lstStyle>
-          <a:p>
-            <a:pPr eaLnBrk="1" hangingPunct="1"/>
-            <a:fld id="{762D47AF-112B-CB4E-A1DB-16575AFE31FF}" type="slidenum">
-              <a:rPr lang="en-US">
-                <a:latin typeface="Garamond" charset="0"/>
-              </a:rPr>
-              <a:pPr eaLnBrk="1" hangingPunct="1"/>
-              <a:t>15</a:t>
-            </a:fld>
-            <a:endParaRPr lang="en-US">
-              <a:latin typeface="Garamond" charset="0"/>
-            </a:endParaRPr>
-          </a:p>
-        </p:txBody>
-      </p:sp>
-    </p:spTree>
-    <p:extLst>
-      <p:ext uri="{BB962C8B-B14F-4D97-AF65-F5344CB8AC3E}">
-        <p14:creationId xmlns:p14="http://schemas.microsoft.com/office/powerpoint/2010/main" val="508449829"/>
-      </p:ext>
-    </p:extLst>
-  </p:cSld>
-  <p:clrMapOvr>
-    <a:masterClrMapping/>
-  </p:clrMapOvr>
-  <p:timing>
-    <p:tnLst>
-      <p:par>
-        <p:cTn xmlns:p14="http://schemas.microsoft.com/office/powerpoint/2010/main" id="1" dur="indefinite" restart="never" nodeType="tmRoot"/>
-      </p:par>
-    </p:tnLst>
-  </p:timing>
-</p:sld>
-</file>
-
-<file path=ppt/slides/slide16.xml><?xml version="1.0" encoding="utf-8"?>
-<p:sld xmlns:a="http://schemas.openxmlformats.org/drawingml/2006/main" xmlns:r="http://schemas.openxmlformats.org/officeDocument/2006/relationships" xmlns:p="http://schemas.openxmlformats.org/presentationml/2006/main">
-  <p:cSld>
-    <p:spTree>
-      <p:nvGrpSpPr>
-        <p:cNvPr id="1" name=""/>
-        <p:cNvGrpSpPr/>
-        <p:nvPr/>
-      </p:nvGrpSpPr>
-      <p:grpSpPr>
-        <a:xfrm>
-          <a:off x="0" y="0"/>
-          <a:ext cx="0" cy="0"/>
-          <a:chOff x="0" y="0"/>
-          <a:chExt cx="0" cy="0"/>
-        </a:xfrm>
-      </p:grpSpPr>
-      <p:sp>
-        <p:nvSpPr>
-          <p:cNvPr id="14338" name="Title 1"/>
-          <p:cNvSpPr>
-            <a:spLocks noGrp="1"/>
-          </p:cNvSpPr>
-          <p:nvPr>
-            <p:ph type="title"/>
-          </p:nvPr>
-        </p:nvSpPr>
-        <p:spPr/>
-        <p:txBody>
-          <a:bodyPr/>
-          <a:lstStyle/>
-          <a:p>
-            <a:r>
-              <a:rPr lang="en-US">
-                <a:latin typeface="Garamond" charset="0"/>
-              </a:rPr>
-              <a:t>Adding item to sorted list (continued)</a:t>
-            </a:r>
-          </a:p>
-        </p:txBody>
-      </p:sp>
-      <p:sp>
-        <p:nvSpPr>
-          <p:cNvPr id="3" name="Content Placeholder 2"/>
-          <p:cNvSpPr>
-            <a:spLocks noGrp="1"/>
-          </p:cNvSpPr>
-          <p:nvPr>
-            <p:ph idx="1"/>
-          </p:nvPr>
-        </p:nvSpPr>
-        <p:spPr>
-          <a:extLst/>
-        </p:spPr>
-        <p:txBody>
-          <a:bodyPr>
-            <a:normAutofit fontScale="77500" lnSpcReduction="20000"/>
-          </a:bodyPr>
-          <a:lstStyle/>
-          <a:p>
-            <a:pPr marL="0" indent="0">
-              <a:buFont typeface="Wingdings" pitchFamily="2" charset="2"/>
-              <a:buNone/>
-              <a:defRPr/>
-            </a:pPr>
-            <a:r>
-              <a:rPr lang="en-US" dirty="0" smtClean="0">
-                <a:ea typeface="+mn-ea"/>
-              </a:rPr>
-              <a:t>Once you’ve found appropriate spot, must ensure that:</a:t>
-            </a:r>
-          </a:p>
-          <a:p>
-            <a:pPr>
-              <a:buFont typeface="Wingdings" pitchFamily="2" charset="2"/>
-              <a:buChar char="n"/>
-              <a:defRPr/>
-            </a:pPr>
-            <a:r>
-              <a:rPr lang="en-US" dirty="0" smtClean="0">
-                <a:ea typeface="+mn-ea"/>
-              </a:rPr>
-              <a:t>Previous node points to new node</a:t>
-            </a:r>
-          </a:p>
-          <a:p>
-            <a:pPr>
-              <a:buFont typeface="Wingdings" pitchFamily="2" charset="2"/>
-              <a:buChar char="n"/>
-              <a:defRPr/>
-            </a:pPr>
-            <a:r>
-              <a:rPr lang="en-US" dirty="0" smtClean="0">
-                <a:ea typeface="+mn-ea"/>
-              </a:rPr>
-              <a:t>New node points to next node</a:t>
-            </a:r>
-          </a:p>
-          <a:p>
-            <a:pPr marL="0" indent="0">
-              <a:buFont typeface="Wingdings" pitchFamily="2" charset="2"/>
-              <a:buNone/>
-              <a:defRPr/>
-            </a:pPr>
-            <a:endParaRPr lang="en-US" dirty="0" smtClean="0">
-              <a:ea typeface="+mn-ea"/>
-            </a:endParaRPr>
-          </a:p>
-          <a:p>
-            <a:pPr marL="514350" indent="-514350">
-              <a:buFont typeface="+mj-lt"/>
-              <a:buAutoNum type="arabicPeriod" startAt="4"/>
-              <a:defRPr/>
-            </a:pPr>
-            <a:r>
-              <a:rPr lang="en-US" dirty="0" smtClean="0">
-                <a:ea typeface="+mn-ea"/>
-              </a:rPr>
-              <a:t>Case 1: New node goes at start of list</a:t>
-            </a:r>
-          </a:p>
-          <a:p>
-            <a:pPr marL="327025" lvl="1" indent="0">
-              <a:buFont typeface="Wingdings" pitchFamily="2" charset="2"/>
-              <a:buNone/>
-              <a:defRPr/>
-            </a:pPr>
-            <a:r>
-              <a:rPr lang="en-US" sz="2800" b="1" dirty="0" smtClean="0">
-                <a:solidFill>
-                  <a:srgbClr val="0000FF"/>
-                </a:solidFill>
-                <a:highlight>
-                  <a:srgbClr val="FFFFFF"/>
-                </a:highlight>
-                <a:latin typeface="Courier New" panose="02070309020205020404" pitchFamily="49" charset="0"/>
-                <a:cs typeface="Courier New" panose="02070309020205020404" pitchFamily="49" charset="0"/>
-              </a:rPr>
-              <a:t>if</a:t>
-            </a:r>
-            <a:r>
-              <a:rPr lang="en-US" sz="2800" b="1" dirty="0">
-                <a:solidFill>
-                  <a:srgbClr val="000000"/>
-                </a:solidFill>
-                <a:highlight>
-                  <a:srgbClr val="FFFFFF"/>
-                </a:highlight>
-                <a:latin typeface="Courier New" panose="02070309020205020404" pitchFamily="49" charset="0"/>
-                <a:cs typeface="Courier New" panose="02070309020205020404" pitchFamily="49" charset="0"/>
-              </a:rPr>
-              <a:t> (</a:t>
-            </a:r>
-            <a:r>
-              <a:rPr lang="en-US" sz="2800" b="1" dirty="0" err="1">
-                <a:solidFill>
-                  <a:srgbClr val="000000"/>
-                </a:solidFill>
-                <a:highlight>
-                  <a:srgbClr val="FFFFFF"/>
-                </a:highlight>
-                <a:latin typeface="Courier New" panose="02070309020205020404" pitchFamily="49" charset="0"/>
-                <a:cs typeface="Courier New" panose="02070309020205020404" pitchFamily="49" charset="0"/>
-              </a:rPr>
-              <a:t>prev</a:t>
-            </a:r>
-            <a:r>
-              <a:rPr lang="en-US" sz="2800" b="1" dirty="0">
-                <a:solidFill>
-                  <a:srgbClr val="000000"/>
-                </a:solidFill>
-                <a:highlight>
-                  <a:srgbClr val="FFFFFF"/>
-                </a:highlight>
-                <a:latin typeface="Courier New" panose="02070309020205020404" pitchFamily="49" charset="0"/>
-                <a:cs typeface="Courier New" panose="02070309020205020404" pitchFamily="49" charset="0"/>
-              </a:rPr>
-              <a:t> == </a:t>
-            </a:r>
-            <a:r>
-              <a:rPr lang="en-US" sz="2800" b="1" dirty="0" smtClean="0">
-                <a:solidFill>
-                  <a:srgbClr val="6F008A"/>
-                </a:solidFill>
-                <a:highlight>
-                  <a:srgbClr val="FFFFFF"/>
-                </a:highlight>
-                <a:latin typeface="Courier New" panose="02070309020205020404" pitchFamily="49" charset="0"/>
-                <a:cs typeface="Courier New" panose="02070309020205020404" pitchFamily="49" charset="0"/>
-              </a:rPr>
-              <a:t>NULL</a:t>
-            </a:r>
-            <a:r>
-              <a:rPr lang="en-US" sz="2800" b="1" dirty="0">
-                <a:solidFill>
-                  <a:srgbClr val="000000"/>
-                </a:solidFill>
-                <a:highlight>
-                  <a:srgbClr val="FFFFFF"/>
-                </a:highlight>
-                <a:latin typeface="Courier New" panose="02070309020205020404" pitchFamily="49" charset="0"/>
-                <a:cs typeface="Courier New" panose="02070309020205020404" pitchFamily="49" charset="0"/>
-              </a:rPr>
-              <a:t>) {</a:t>
-            </a:r>
-          </a:p>
-          <a:p>
-            <a:pPr marL="327025" lvl="1" indent="0">
-              <a:buFont typeface="Wingdings" pitchFamily="2" charset="2"/>
-              <a:buNone/>
-              <a:defRPr/>
-            </a:pPr>
-            <a:r>
-              <a:rPr lang="en-US" sz="2800" b="1" dirty="0" smtClean="0">
-                <a:solidFill>
-                  <a:srgbClr val="000000"/>
-                </a:solidFill>
-                <a:highlight>
-                  <a:srgbClr val="FFFFFF"/>
-                </a:highlight>
-                <a:latin typeface="Courier New" panose="02070309020205020404" pitchFamily="49" charset="0"/>
-                <a:cs typeface="Courier New" panose="02070309020205020404" pitchFamily="49" charset="0"/>
-              </a:rPr>
-              <a:t>	</a:t>
-            </a:r>
-            <a:r>
-              <a:rPr lang="en-US" sz="2800" b="1" dirty="0" err="1" smtClean="0">
-                <a:solidFill>
-                  <a:srgbClr val="000000"/>
-                </a:solidFill>
-                <a:highlight>
-                  <a:srgbClr val="FFFFFF"/>
-                </a:highlight>
-                <a:latin typeface="Courier New" panose="02070309020205020404" pitchFamily="49" charset="0"/>
-                <a:cs typeface="Courier New" panose="02070309020205020404" pitchFamily="49" charset="0"/>
-              </a:rPr>
-              <a:t>newNode</a:t>
-            </a:r>
-            <a:r>
-              <a:rPr lang="en-US" sz="2800" b="1" dirty="0" smtClean="0">
-                <a:solidFill>
-                  <a:srgbClr val="000000"/>
-                </a:solidFill>
-                <a:highlight>
-                  <a:srgbClr val="FFFFFF"/>
-                </a:highlight>
-                <a:latin typeface="Courier New" panose="02070309020205020404" pitchFamily="49" charset="0"/>
-                <a:cs typeface="Courier New" panose="02070309020205020404" pitchFamily="49" charset="0"/>
-              </a:rPr>
-              <a:t>-</a:t>
-            </a:r>
-            <a:r>
-              <a:rPr lang="en-US" sz="2800" b="1" dirty="0">
-                <a:solidFill>
-                  <a:srgbClr val="000000"/>
-                </a:solidFill>
-                <a:highlight>
-                  <a:srgbClr val="FFFFFF"/>
-                </a:highlight>
-                <a:latin typeface="Courier New" panose="02070309020205020404" pitchFamily="49" charset="0"/>
-                <a:cs typeface="Courier New" panose="02070309020205020404" pitchFamily="49" charset="0"/>
-              </a:rPr>
-              <a:t>&gt;next = cur;</a:t>
-            </a:r>
-          </a:p>
-          <a:p>
-            <a:pPr marL="327025" lvl="1" indent="0">
-              <a:buFont typeface="Wingdings" pitchFamily="2" charset="2"/>
-              <a:buNone/>
-              <a:defRPr/>
-            </a:pPr>
-            <a:r>
-              <a:rPr lang="en-US" sz="2800" b="1" dirty="0" smtClean="0">
-                <a:solidFill>
-                  <a:srgbClr val="808080"/>
-                </a:solidFill>
-                <a:highlight>
-                  <a:srgbClr val="FFFFFF"/>
-                </a:highlight>
-                <a:latin typeface="Courier New" panose="02070309020205020404" pitchFamily="49" charset="0"/>
-                <a:cs typeface="Courier New" panose="02070309020205020404" pitchFamily="49" charset="0"/>
-              </a:rPr>
-              <a:t>	list</a:t>
-            </a:r>
-            <a:r>
-              <a:rPr lang="en-US" sz="2800" b="1" dirty="0" smtClean="0">
-                <a:solidFill>
-                  <a:srgbClr val="000000"/>
-                </a:solidFill>
-                <a:highlight>
-                  <a:srgbClr val="FFFFFF"/>
-                </a:highlight>
-                <a:latin typeface="Courier New" panose="02070309020205020404" pitchFamily="49" charset="0"/>
-                <a:cs typeface="Courier New" panose="02070309020205020404" pitchFamily="49" charset="0"/>
-              </a:rPr>
-              <a:t> </a:t>
-            </a:r>
-            <a:r>
-              <a:rPr lang="en-US" sz="2800" b="1" dirty="0">
-                <a:solidFill>
-                  <a:srgbClr val="000000"/>
-                </a:solidFill>
-                <a:highlight>
-                  <a:srgbClr val="FFFFFF"/>
-                </a:highlight>
-                <a:latin typeface="Courier New" panose="02070309020205020404" pitchFamily="49" charset="0"/>
-                <a:cs typeface="Courier New" panose="02070309020205020404" pitchFamily="49" charset="0"/>
-              </a:rPr>
-              <a:t>= </a:t>
-            </a:r>
-            <a:r>
-              <a:rPr lang="en-US" sz="2800" b="1" dirty="0" err="1">
-                <a:solidFill>
-                  <a:srgbClr val="000000"/>
-                </a:solidFill>
-                <a:highlight>
-                  <a:srgbClr val="FFFFFF"/>
-                </a:highlight>
-                <a:latin typeface="Courier New" panose="02070309020205020404" pitchFamily="49" charset="0"/>
-                <a:cs typeface="Courier New" panose="02070309020205020404" pitchFamily="49" charset="0"/>
-              </a:rPr>
-              <a:t>newNode</a:t>
-            </a:r>
-            <a:r>
-              <a:rPr lang="en-US" sz="2800" b="1" dirty="0">
-                <a:solidFill>
-                  <a:srgbClr val="000000"/>
-                </a:solidFill>
-                <a:highlight>
-                  <a:srgbClr val="FFFFFF"/>
-                </a:highlight>
-                <a:latin typeface="Courier New" panose="02070309020205020404" pitchFamily="49" charset="0"/>
-                <a:cs typeface="Courier New" panose="02070309020205020404" pitchFamily="49" charset="0"/>
-              </a:rPr>
-              <a:t>;</a:t>
-            </a:r>
-          </a:p>
-          <a:p>
-            <a:pPr marL="327025" lvl="1" indent="0">
-              <a:buFont typeface="Wingdings" pitchFamily="2" charset="2"/>
-              <a:buNone/>
-              <a:defRPr/>
-            </a:pPr>
-            <a:r>
-              <a:rPr lang="en-US" sz="2800" b="1" dirty="0">
-                <a:solidFill>
-                  <a:srgbClr val="000000"/>
-                </a:solidFill>
-                <a:highlight>
-                  <a:srgbClr val="FFFFFF"/>
-                </a:highlight>
-                <a:latin typeface="Courier New" panose="02070309020205020404" pitchFamily="49" charset="0"/>
-                <a:cs typeface="Courier New" panose="02070309020205020404" pitchFamily="49" charset="0"/>
-              </a:rPr>
-              <a:t>}</a:t>
-            </a:r>
-            <a:endParaRPr lang="en-US" b="1" dirty="0" smtClean="0">
-              <a:latin typeface="Courier New" panose="02070309020205020404" pitchFamily="49" charset="0"/>
-              <a:cs typeface="Courier New" panose="02070309020205020404" pitchFamily="49" charset="0"/>
-            </a:endParaRPr>
-          </a:p>
-          <a:p>
-            <a:pPr marL="514350" indent="-514350">
-              <a:buFont typeface="+mj-lt"/>
-              <a:buAutoNum type="arabicPeriod" startAt="4"/>
-              <a:defRPr/>
-            </a:pPr>
-            <a:r>
-              <a:rPr lang="en-US" dirty="0" smtClean="0">
-                <a:ea typeface="+mn-ea"/>
-              </a:rPr>
-              <a:t>Case 2: New node goes in middle (or at end) of list</a:t>
-            </a:r>
-            <a:endParaRPr lang="en-US" dirty="0" smtClean="0">
-              <a:ea typeface="+mn-ea"/>
-              <a:sym typeface="Wingdings" panose="05000000000000000000" pitchFamily="2" charset="2"/>
-            </a:endParaRPr>
-          </a:p>
-          <a:p>
-            <a:pPr marL="327025" lvl="1" indent="0">
-              <a:buFont typeface="Wingdings" pitchFamily="2" charset="2"/>
-              <a:buNone/>
-              <a:defRPr/>
-            </a:pPr>
-            <a:r>
-              <a:rPr lang="en-US" sz="2800" b="1" dirty="0" smtClean="0">
-                <a:solidFill>
-                  <a:srgbClr val="0000FF"/>
-                </a:solidFill>
-                <a:highlight>
-                  <a:srgbClr val="FFFFFF"/>
-                </a:highlight>
-                <a:latin typeface="Courier New" panose="02070309020205020404" pitchFamily="49" charset="0"/>
-                <a:cs typeface="Courier New" panose="02070309020205020404" pitchFamily="49" charset="0"/>
-              </a:rPr>
-              <a:t>else</a:t>
-            </a:r>
-            <a:r>
-              <a:rPr lang="en-US" sz="2800" b="1" dirty="0">
-                <a:solidFill>
-                  <a:srgbClr val="000000"/>
-                </a:solidFill>
-                <a:highlight>
-                  <a:srgbClr val="FFFFFF"/>
-                </a:highlight>
-                <a:latin typeface="Courier New" panose="02070309020205020404" pitchFamily="49" charset="0"/>
-                <a:cs typeface="Courier New" panose="02070309020205020404" pitchFamily="49" charset="0"/>
-              </a:rPr>
-              <a:t> {</a:t>
-            </a:r>
-          </a:p>
-          <a:p>
-            <a:pPr marL="327025" lvl="1" indent="0">
-              <a:buFont typeface="Wingdings" pitchFamily="2" charset="2"/>
-              <a:buNone/>
-              <a:defRPr/>
-            </a:pPr>
-            <a:r>
-              <a:rPr lang="en-US" sz="2800" b="1" dirty="0" smtClean="0">
-                <a:solidFill>
-                  <a:srgbClr val="000000"/>
-                </a:solidFill>
-                <a:highlight>
-                  <a:srgbClr val="FFFFFF"/>
-                </a:highlight>
-                <a:latin typeface="Courier New" panose="02070309020205020404" pitchFamily="49" charset="0"/>
-                <a:cs typeface="Courier New" panose="02070309020205020404" pitchFamily="49" charset="0"/>
-              </a:rPr>
-              <a:t>	</a:t>
-            </a:r>
-            <a:r>
-              <a:rPr lang="en-US" sz="2800" b="1" dirty="0" err="1" smtClean="0">
-                <a:solidFill>
-                  <a:srgbClr val="000000"/>
-                </a:solidFill>
-                <a:highlight>
-                  <a:srgbClr val="FFFFFF"/>
-                </a:highlight>
-                <a:latin typeface="Courier New" panose="02070309020205020404" pitchFamily="49" charset="0"/>
-                <a:cs typeface="Courier New" panose="02070309020205020404" pitchFamily="49" charset="0"/>
-              </a:rPr>
-              <a:t>prev</a:t>
-            </a:r>
-            <a:r>
-              <a:rPr lang="en-US" sz="2800" b="1" dirty="0" smtClean="0">
-                <a:solidFill>
-                  <a:srgbClr val="000000"/>
-                </a:solidFill>
-                <a:highlight>
-                  <a:srgbClr val="FFFFFF"/>
-                </a:highlight>
-                <a:latin typeface="Courier New" panose="02070309020205020404" pitchFamily="49" charset="0"/>
-                <a:cs typeface="Courier New" panose="02070309020205020404" pitchFamily="49" charset="0"/>
-              </a:rPr>
-              <a:t>-</a:t>
-            </a:r>
-            <a:r>
-              <a:rPr lang="en-US" sz="2800" b="1" dirty="0">
-                <a:solidFill>
-                  <a:srgbClr val="000000"/>
-                </a:solidFill>
-                <a:highlight>
-                  <a:srgbClr val="FFFFFF"/>
-                </a:highlight>
-                <a:latin typeface="Courier New" panose="02070309020205020404" pitchFamily="49" charset="0"/>
-                <a:cs typeface="Courier New" panose="02070309020205020404" pitchFamily="49" charset="0"/>
-              </a:rPr>
-              <a:t>&gt;next = </a:t>
-            </a:r>
-            <a:r>
-              <a:rPr lang="en-US" sz="2800" b="1" dirty="0" err="1">
-                <a:solidFill>
-                  <a:srgbClr val="000000"/>
-                </a:solidFill>
-                <a:highlight>
-                  <a:srgbClr val="FFFFFF"/>
-                </a:highlight>
-                <a:latin typeface="Courier New" panose="02070309020205020404" pitchFamily="49" charset="0"/>
-                <a:cs typeface="Courier New" panose="02070309020205020404" pitchFamily="49" charset="0"/>
-              </a:rPr>
-              <a:t>newNode</a:t>
-            </a:r>
-            <a:r>
-              <a:rPr lang="en-US" sz="2800" b="1" dirty="0">
-                <a:solidFill>
-                  <a:srgbClr val="000000"/>
-                </a:solidFill>
-                <a:highlight>
-                  <a:srgbClr val="FFFFFF"/>
-                </a:highlight>
-                <a:latin typeface="Courier New" panose="02070309020205020404" pitchFamily="49" charset="0"/>
-                <a:cs typeface="Courier New" panose="02070309020205020404" pitchFamily="49" charset="0"/>
-              </a:rPr>
-              <a:t>;</a:t>
-            </a:r>
-          </a:p>
-          <a:p>
-            <a:pPr marL="327025" lvl="1" indent="0">
-              <a:buFont typeface="Wingdings" pitchFamily="2" charset="2"/>
-              <a:buNone/>
-              <a:defRPr/>
-            </a:pPr>
-            <a:r>
-              <a:rPr lang="en-US" sz="2800" b="1" dirty="0" smtClean="0">
-                <a:solidFill>
-                  <a:srgbClr val="000000"/>
-                </a:solidFill>
-                <a:highlight>
-                  <a:srgbClr val="FFFFFF"/>
-                </a:highlight>
-                <a:latin typeface="Courier New" panose="02070309020205020404" pitchFamily="49" charset="0"/>
-                <a:cs typeface="Courier New" panose="02070309020205020404" pitchFamily="49" charset="0"/>
-              </a:rPr>
-              <a:t>	</a:t>
-            </a:r>
-            <a:r>
-              <a:rPr lang="en-US" sz="2800" b="1" dirty="0" err="1" smtClean="0">
-                <a:solidFill>
-                  <a:srgbClr val="000000"/>
-                </a:solidFill>
-                <a:highlight>
-                  <a:srgbClr val="FFFFFF"/>
-                </a:highlight>
-                <a:latin typeface="Courier New" panose="02070309020205020404" pitchFamily="49" charset="0"/>
-                <a:cs typeface="Courier New" panose="02070309020205020404" pitchFamily="49" charset="0"/>
-              </a:rPr>
-              <a:t>newNode</a:t>
-            </a:r>
-            <a:r>
-              <a:rPr lang="en-US" sz="2800" b="1" dirty="0" smtClean="0">
-                <a:solidFill>
-                  <a:srgbClr val="000000"/>
-                </a:solidFill>
-                <a:highlight>
-                  <a:srgbClr val="FFFFFF"/>
-                </a:highlight>
-                <a:latin typeface="Courier New" panose="02070309020205020404" pitchFamily="49" charset="0"/>
-                <a:cs typeface="Courier New" panose="02070309020205020404" pitchFamily="49" charset="0"/>
-              </a:rPr>
-              <a:t>-</a:t>
-            </a:r>
-            <a:r>
-              <a:rPr lang="en-US" sz="2800" b="1" dirty="0">
-                <a:solidFill>
-                  <a:srgbClr val="000000"/>
-                </a:solidFill>
-                <a:highlight>
-                  <a:srgbClr val="FFFFFF"/>
-                </a:highlight>
-                <a:latin typeface="Courier New" panose="02070309020205020404" pitchFamily="49" charset="0"/>
-                <a:cs typeface="Courier New" panose="02070309020205020404" pitchFamily="49" charset="0"/>
-              </a:rPr>
-              <a:t>&gt;next = cur;</a:t>
-            </a:r>
-          </a:p>
-          <a:p>
-            <a:pPr marL="327025" lvl="1" indent="0">
-              <a:buFont typeface="Wingdings" pitchFamily="2" charset="2"/>
-              <a:buNone/>
-              <a:defRPr/>
-            </a:pPr>
-            <a:r>
-              <a:rPr lang="en-US" sz="2800" b="1" dirty="0">
-                <a:solidFill>
-                  <a:srgbClr val="000000"/>
-                </a:solidFill>
-                <a:highlight>
-                  <a:srgbClr val="FFFFFF"/>
-                </a:highlight>
-                <a:latin typeface="Courier New" panose="02070309020205020404" pitchFamily="49" charset="0"/>
-                <a:cs typeface="Courier New" panose="02070309020205020404" pitchFamily="49" charset="0"/>
-              </a:rPr>
-              <a:t>}</a:t>
-            </a:r>
-            <a:endParaRPr lang="en-US" b="1" dirty="0" smtClean="0">
-              <a:latin typeface="Courier New" panose="02070309020205020404" pitchFamily="49" charset="0"/>
-              <a:cs typeface="Courier New" panose="02070309020205020404" pitchFamily="49" charset="0"/>
-            </a:endParaRPr>
-          </a:p>
-        </p:txBody>
-      </p:sp>
-      <p:sp>
-        <p:nvSpPr>
-          <p:cNvPr id="4" name="Date Placeholder 3"/>
-          <p:cNvSpPr>
-            <a:spLocks noGrp="1"/>
-          </p:cNvSpPr>
-          <p:nvPr>
-            <p:ph type="dt" sz="quarter" idx="10"/>
-          </p:nvPr>
-        </p:nvSpPr>
-        <p:spPr/>
-        <p:txBody>
-          <a:bodyPr/>
-          <a:lstStyle>
-            <a:lvl1pPr eaLnBrk="0" hangingPunct="0">
-              <a:defRPr>
-                <a:solidFill>
-                  <a:schemeClr val="tx1"/>
-                </a:solidFill>
-                <a:latin typeface="Arial" charset="0"/>
-                <a:ea typeface="ＭＳ Ｐゴシック" charset="0"/>
-                <a:cs typeface="Arial" charset="0"/>
-              </a:defRPr>
-            </a:lvl1pPr>
-            <a:lvl2pPr marL="742950" indent="-285750" eaLnBrk="0" hangingPunct="0">
-              <a:defRPr>
-                <a:solidFill>
-                  <a:schemeClr val="tx1"/>
-                </a:solidFill>
-                <a:latin typeface="Arial" charset="0"/>
-                <a:ea typeface="Arial" charset="0"/>
-                <a:cs typeface="Arial" charset="0"/>
-              </a:defRPr>
-            </a:lvl2pPr>
-            <a:lvl3pPr marL="1143000" indent="-228600" eaLnBrk="0" hangingPunct="0">
-              <a:defRPr>
-                <a:solidFill>
-                  <a:schemeClr val="tx1"/>
-                </a:solidFill>
-                <a:latin typeface="Arial" charset="0"/>
-                <a:ea typeface="Arial" charset="0"/>
-                <a:cs typeface="Arial" charset="0"/>
-              </a:defRPr>
-            </a:lvl3pPr>
-            <a:lvl4pPr marL="1600200" indent="-228600" eaLnBrk="0" hangingPunct="0">
-              <a:defRPr>
-                <a:solidFill>
-                  <a:schemeClr val="tx1"/>
-                </a:solidFill>
-                <a:latin typeface="Arial" charset="0"/>
-                <a:ea typeface="Arial" charset="0"/>
-                <a:cs typeface="Arial" charset="0"/>
-              </a:defRPr>
-            </a:lvl4pPr>
-            <a:lvl5pPr marL="2057400" indent="-228600" eaLnBrk="0" hangingPunct="0">
-              <a:defRPr>
-                <a:solidFill>
-                  <a:schemeClr val="tx1"/>
-                </a:solidFill>
-                <a:latin typeface="Arial" charset="0"/>
-                <a:ea typeface="Arial" charset="0"/>
-                <a:cs typeface="Arial" charset="0"/>
-              </a:defRPr>
-            </a:lvl5pPr>
-            <a:lvl6pPr marL="2514600" indent="-228600" eaLnBrk="0" fontAlgn="base" hangingPunct="0">
-              <a:spcBef>
-                <a:spcPct val="0"/>
-              </a:spcBef>
-              <a:spcAft>
-                <a:spcPct val="0"/>
-              </a:spcAft>
-              <a:defRPr>
-                <a:solidFill>
-                  <a:schemeClr val="tx1"/>
-                </a:solidFill>
-                <a:latin typeface="Arial" charset="0"/>
-                <a:ea typeface="Arial" charset="0"/>
-                <a:cs typeface="Arial" charset="0"/>
-              </a:defRPr>
-            </a:lvl6pPr>
-            <a:lvl7pPr marL="2971800" indent="-228600" eaLnBrk="0" fontAlgn="base" hangingPunct="0">
-              <a:spcBef>
-                <a:spcPct val="0"/>
-              </a:spcBef>
-              <a:spcAft>
-                <a:spcPct val="0"/>
-              </a:spcAft>
-              <a:defRPr>
-                <a:solidFill>
-                  <a:schemeClr val="tx1"/>
-                </a:solidFill>
-                <a:latin typeface="Arial" charset="0"/>
-                <a:ea typeface="Arial" charset="0"/>
-                <a:cs typeface="Arial" charset="0"/>
-              </a:defRPr>
-            </a:lvl7pPr>
-            <a:lvl8pPr marL="3429000" indent="-228600" eaLnBrk="0" fontAlgn="base" hangingPunct="0">
-              <a:spcBef>
-                <a:spcPct val="0"/>
-              </a:spcBef>
-              <a:spcAft>
-                <a:spcPct val="0"/>
-              </a:spcAft>
-              <a:defRPr>
-                <a:solidFill>
-                  <a:schemeClr val="tx1"/>
-                </a:solidFill>
-                <a:latin typeface="Arial" charset="0"/>
-                <a:ea typeface="Arial" charset="0"/>
-                <a:cs typeface="Arial" charset="0"/>
-              </a:defRPr>
-            </a:lvl8pPr>
-            <a:lvl9pPr marL="3886200" indent="-228600" eaLnBrk="0" fontAlgn="base" hangingPunct="0">
-              <a:spcBef>
-                <a:spcPct val="0"/>
-              </a:spcBef>
-              <a:spcAft>
-                <a:spcPct val="0"/>
-              </a:spcAft>
-              <a:defRPr>
-                <a:solidFill>
-                  <a:schemeClr val="tx1"/>
-                </a:solidFill>
-                <a:latin typeface="Arial" charset="0"/>
-                <a:ea typeface="Arial" charset="0"/>
-                <a:cs typeface="Arial" charset="0"/>
-              </a:defRPr>
-            </a:lvl9pPr>
-          </a:lstStyle>
-          <a:p>
-            <a:pPr eaLnBrk="1" hangingPunct="1"/>
-            <a:fld id="{BC2967DC-EEA6-2045-A64F-5B582889C015}" type="datetime1">
-              <a:rPr lang="en-US" smtClean="0">
-                <a:latin typeface="Garamond" charset="0"/>
-              </a:rPr>
-              <a:t>11/30/16</a:t>
-            </a:fld>
-            <a:endParaRPr lang="en-US">
-              <a:latin typeface="Garamond" charset="0"/>
-            </a:endParaRPr>
-          </a:p>
-        </p:txBody>
-      </p:sp>
-      <p:sp>
-        <p:nvSpPr>
-          <p:cNvPr id="5" name="Footer Placeholder 4"/>
-          <p:cNvSpPr>
-            <a:spLocks noGrp="1"/>
-          </p:cNvSpPr>
-          <p:nvPr>
-            <p:ph type="ftr" sz="quarter" idx="11"/>
-          </p:nvPr>
-        </p:nvSpPr>
-        <p:spPr/>
-        <p:txBody>
-          <a:bodyPr/>
-          <a:lstStyle/>
-          <a:p>
-            <a:pPr>
-              <a:defRPr/>
-            </a:pPr>
-            <a:r>
-              <a:rPr lang="en-US" altLang="en-US" smtClean="0"/>
-              <a:t>ECE Application Programming: Lecture 35</a:t>
-            </a:r>
-            <a:endParaRPr lang="en-US" altLang="en-US"/>
-          </a:p>
-        </p:txBody>
-      </p:sp>
-      <p:sp>
-        <p:nvSpPr>
-          <p:cNvPr id="6" name="Slide Number Placeholder 5"/>
-          <p:cNvSpPr>
-            <a:spLocks noGrp="1"/>
-          </p:cNvSpPr>
-          <p:nvPr>
-            <p:ph type="sldNum" sz="quarter" idx="12"/>
-          </p:nvPr>
-        </p:nvSpPr>
-        <p:spPr/>
-        <p:txBody>
-          <a:bodyPr/>
-          <a:lstStyle>
-            <a:lvl1pPr eaLnBrk="0" hangingPunct="0">
-              <a:defRPr>
-                <a:solidFill>
-                  <a:schemeClr val="tx1"/>
-                </a:solidFill>
-                <a:latin typeface="Arial" charset="0"/>
-                <a:ea typeface="ＭＳ Ｐゴシック" charset="0"/>
-                <a:cs typeface="Arial" charset="0"/>
-              </a:defRPr>
-            </a:lvl1pPr>
-            <a:lvl2pPr marL="742950" indent="-285750" eaLnBrk="0" hangingPunct="0">
-              <a:defRPr>
-                <a:solidFill>
-                  <a:schemeClr val="tx1"/>
-                </a:solidFill>
-                <a:latin typeface="Arial" charset="0"/>
-                <a:ea typeface="Arial" charset="0"/>
-                <a:cs typeface="Arial" charset="0"/>
-              </a:defRPr>
-            </a:lvl2pPr>
-            <a:lvl3pPr marL="1143000" indent="-228600" eaLnBrk="0" hangingPunct="0">
-              <a:defRPr>
-                <a:solidFill>
-                  <a:schemeClr val="tx1"/>
-                </a:solidFill>
-                <a:latin typeface="Arial" charset="0"/>
-                <a:ea typeface="Arial" charset="0"/>
-                <a:cs typeface="Arial" charset="0"/>
-              </a:defRPr>
-            </a:lvl3pPr>
-            <a:lvl4pPr marL="1600200" indent="-228600" eaLnBrk="0" hangingPunct="0">
-              <a:defRPr>
-                <a:solidFill>
-                  <a:schemeClr val="tx1"/>
-                </a:solidFill>
-                <a:latin typeface="Arial" charset="0"/>
-                <a:ea typeface="Arial" charset="0"/>
-                <a:cs typeface="Arial" charset="0"/>
-              </a:defRPr>
-            </a:lvl4pPr>
-            <a:lvl5pPr marL="2057400" indent="-228600" eaLnBrk="0" hangingPunct="0">
-              <a:defRPr>
-                <a:solidFill>
-                  <a:schemeClr val="tx1"/>
-                </a:solidFill>
-                <a:latin typeface="Arial" charset="0"/>
-                <a:ea typeface="Arial" charset="0"/>
-                <a:cs typeface="Arial" charset="0"/>
-              </a:defRPr>
-            </a:lvl5pPr>
-            <a:lvl6pPr marL="2514600" indent="-228600" eaLnBrk="0" fontAlgn="base" hangingPunct="0">
-              <a:spcBef>
-                <a:spcPct val="0"/>
-              </a:spcBef>
-              <a:spcAft>
-                <a:spcPct val="0"/>
-              </a:spcAft>
-              <a:defRPr>
-                <a:solidFill>
-                  <a:schemeClr val="tx1"/>
-                </a:solidFill>
-                <a:latin typeface="Arial" charset="0"/>
-                <a:ea typeface="Arial" charset="0"/>
-                <a:cs typeface="Arial" charset="0"/>
-              </a:defRPr>
-            </a:lvl6pPr>
-            <a:lvl7pPr marL="2971800" indent="-228600" eaLnBrk="0" fontAlgn="base" hangingPunct="0">
-              <a:spcBef>
-                <a:spcPct val="0"/>
-              </a:spcBef>
-              <a:spcAft>
-                <a:spcPct val="0"/>
-              </a:spcAft>
-              <a:defRPr>
-                <a:solidFill>
-                  <a:schemeClr val="tx1"/>
-                </a:solidFill>
-                <a:latin typeface="Arial" charset="0"/>
-                <a:ea typeface="Arial" charset="0"/>
-                <a:cs typeface="Arial" charset="0"/>
-              </a:defRPr>
-            </a:lvl7pPr>
-            <a:lvl8pPr marL="3429000" indent="-228600" eaLnBrk="0" fontAlgn="base" hangingPunct="0">
-              <a:spcBef>
-                <a:spcPct val="0"/>
-              </a:spcBef>
-              <a:spcAft>
-                <a:spcPct val="0"/>
-              </a:spcAft>
-              <a:defRPr>
-                <a:solidFill>
-                  <a:schemeClr val="tx1"/>
-                </a:solidFill>
-                <a:latin typeface="Arial" charset="0"/>
-                <a:ea typeface="Arial" charset="0"/>
-                <a:cs typeface="Arial" charset="0"/>
-              </a:defRPr>
-            </a:lvl8pPr>
-            <a:lvl9pPr marL="3886200" indent="-228600" eaLnBrk="0" fontAlgn="base" hangingPunct="0">
-              <a:spcBef>
-                <a:spcPct val="0"/>
-              </a:spcBef>
-              <a:spcAft>
-                <a:spcPct val="0"/>
-              </a:spcAft>
-              <a:defRPr>
-                <a:solidFill>
-                  <a:schemeClr val="tx1"/>
-                </a:solidFill>
-                <a:latin typeface="Arial" charset="0"/>
-                <a:ea typeface="Arial" charset="0"/>
-                <a:cs typeface="Arial" charset="0"/>
-              </a:defRPr>
-            </a:lvl9pPr>
-          </a:lstStyle>
-          <a:p>
-            <a:pPr eaLnBrk="1" hangingPunct="1"/>
-            <a:fld id="{404A318A-D5C6-1341-BB86-EF847E1EDC8E}" type="slidenum">
-              <a:rPr lang="en-US">
-                <a:latin typeface="Garamond" charset="0"/>
-              </a:rPr>
-              <a:pPr eaLnBrk="1" hangingPunct="1"/>
-              <a:t>16</a:t>
-            </a:fld>
-            <a:endParaRPr lang="en-US">
-              <a:latin typeface="Garamond" charset="0"/>
-            </a:endParaRPr>
-          </a:p>
-        </p:txBody>
-      </p:sp>
-    </p:spTree>
-    <p:extLst>
-      <p:ext uri="{BB962C8B-B14F-4D97-AF65-F5344CB8AC3E}">
-        <p14:creationId xmlns:p14="http://schemas.microsoft.com/office/powerpoint/2010/main" val="1912020734"/>
-      </p:ext>
-    </p:extLst>
-  </p:cSld>
-  <p:clrMapOvr>
-    <a:masterClrMapping/>
-  </p:clrMapOvr>
-  <p:timing>
-    <p:tnLst>
-      <p:par>
-        <p:cTn xmlns:p14="http://schemas.microsoft.com/office/powerpoint/2010/main" id="1" dur="indefinite" restart="never" nodeType="tmRoot">
-          <p:childTnLst>
-            <p:seq concurrent="1" nextAc="seek">
-              <p:cTn id="2" dur="indefinite" nodeType="mainSeq">
-                <p:childTnLst>
-                  <p:par>
-                    <p:cTn id="3" fill="hold">
-                      <p:stCondLst>
-                        <p:cond delay="indefinite"/>
-                      </p:stCondLst>
-                      <p:childTnLst>
-                        <p:par>
-                          <p:cTn id="4" fill="hold">
-                            <p:stCondLst>
-                              <p:cond delay="0"/>
-                            </p:stCondLst>
-                            <p:childTnLst>
-                              <p:par>
-                                <p:cTn id="5" presetID="1" presetClass="entr" presetSubtype="0" fill="hold" nodeType="clickEffect">
-                                  <p:stCondLst>
-                                    <p:cond delay="0"/>
-                                  </p:stCondLst>
-                                  <p:childTnLst>
-                                    <p:set>
-                                      <p:cBhvr>
-                                        <p:cTn id="6" dur="1" fill="hold">
-                                          <p:stCondLst>
-                                            <p:cond delay="0"/>
-                                          </p:stCondLst>
-                                        </p:cTn>
-                                        <p:tgtEl>
-                                          <p:spTgt spid="3">
-                                            <p:txEl>
-                                              <p:pRg st="5" end="5"/>
-                                            </p:txEl>
-                                          </p:spTgt>
-                                        </p:tgtEl>
-                                        <p:attrNameLst>
-                                          <p:attrName>style.visibility</p:attrName>
-                                        </p:attrNameLst>
-                                      </p:cBhvr>
-                                      <p:to>
-                                        <p:strVal val="visible"/>
-                                      </p:to>
-                                    </p:set>
-                                  </p:childTnLst>
-                                </p:cTn>
-                              </p:par>
-                              <p:par>
-                                <p:cTn id="7" presetID="1" presetClass="entr" presetSubtype="0" fill="hold" nodeType="withEffect">
-                                  <p:stCondLst>
-                                    <p:cond delay="0"/>
-                                  </p:stCondLst>
-                                  <p:childTnLst>
-                                    <p:set>
-                                      <p:cBhvr>
-                                        <p:cTn id="8" dur="1" fill="hold">
-                                          <p:stCondLst>
-                                            <p:cond delay="0"/>
-                                          </p:stCondLst>
-                                        </p:cTn>
-                                        <p:tgtEl>
-                                          <p:spTgt spid="3">
-                                            <p:txEl>
-                                              <p:pRg st="6" end="6"/>
-                                            </p:txEl>
-                                          </p:spTgt>
-                                        </p:tgtEl>
-                                        <p:attrNameLst>
-                                          <p:attrName>style.visibility</p:attrName>
-                                        </p:attrNameLst>
-                                      </p:cBhvr>
-                                      <p:to>
-                                        <p:strVal val="visible"/>
-                                      </p:to>
-                                    </p:set>
-                                  </p:childTnLst>
-                                </p:cTn>
-                              </p:par>
-                              <p:par>
-                                <p:cTn id="9" presetID="1" presetClass="entr" presetSubtype="0" fill="hold" nodeType="withEffect">
-                                  <p:stCondLst>
-                                    <p:cond delay="0"/>
-                                  </p:stCondLst>
-                                  <p:childTnLst>
-                                    <p:set>
-                                      <p:cBhvr>
-                                        <p:cTn id="10" dur="1" fill="hold">
-                                          <p:stCondLst>
-                                            <p:cond delay="0"/>
-                                          </p:stCondLst>
-                                        </p:cTn>
-                                        <p:tgtEl>
-                                          <p:spTgt spid="3">
-                                            <p:txEl>
-                                              <p:pRg st="7" end="7"/>
-                                            </p:txEl>
-                                          </p:spTgt>
-                                        </p:tgtEl>
-                                        <p:attrNameLst>
-                                          <p:attrName>style.visibility</p:attrName>
-                                        </p:attrNameLst>
-                                      </p:cBhvr>
-                                      <p:to>
-                                        <p:strVal val="visible"/>
-                                      </p:to>
-                                    </p:set>
-                                  </p:childTnLst>
-                                </p:cTn>
-                              </p:par>
-                              <p:par>
-                                <p:cTn id="11" presetID="1" presetClass="entr" presetSubtype="0" fill="hold" nodeType="withEffect">
-                                  <p:stCondLst>
-                                    <p:cond delay="0"/>
-                                  </p:stCondLst>
-                                  <p:childTnLst>
-                                    <p:set>
-                                      <p:cBhvr>
-                                        <p:cTn id="12" dur="1" fill="hold">
-                                          <p:stCondLst>
-                                            <p:cond delay="0"/>
-                                          </p:stCondLst>
-                                        </p:cTn>
-                                        <p:tgtEl>
-                                          <p:spTgt spid="3">
-                                            <p:txEl>
-                                              <p:pRg st="8" end="8"/>
-                                            </p:txEl>
-                                          </p:spTgt>
-                                        </p:tgtEl>
-                                        <p:attrNameLst>
-                                          <p:attrName>style.visibility</p:attrName>
-                                        </p:attrNameLst>
-                                      </p:cBhvr>
-                                      <p:to>
-                                        <p:strVal val="visible"/>
-                                      </p:to>
-                                    </p:set>
-                                  </p:childTnLst>
-                                </p:cTn>
-                              </p:par>
-                            </p:childTnLst>
-                          </p:cTn>
-                        </p:par>
-                      </p:childTnLst>
-                    </p:cTn>
-                  </p:par>
-                  <p:par>
-                    <p:cTn id="13" fill="hold">
-                      <p:stCondLst>
-                        <p:cond delay="indefinite"/>
-                      </p:stCondLst>
-                      <p:childTnLst>
-                        <p:par>
-                          <p:cTn id="14" fill="hold">
-                            <p:stCondLst>
-                              <p:cond delay="0"/>
-                            </p:stCondLst>
-                            <p:childTnLst>
-                              <p:par>
-                                <p:cTn id="15" presetID="1" presetClass="entr" presetSubtype="0" fill="hold" nodeType="clickEffect">
-                                  <p:stCondLst>
-                                    <p:cond delay="0"/>
-                                  </p:stCondLst>
-                                  <p:childTnLst>
-                                    <p:set>
-                                      <p:cBhvr>
-                                        <p:cTn id="16" dur="1" fill="hold">
-                                          <p:stCondLst>
-                                            <p:cond delay="0"/>
-                                          </p:stCondLst>
-                                        </p:cTn>
-                                        <p:tgtEl>
-                                          <p:spTgt spid="3">
-                                            <p:txEl>
-                                              <p:pRg st="10" end="10"/>
-                                            </p:txEl>
-                                          </p:spTgt>
-                                        </p:tgtEl>
-                                        <p:attrNameLst>
-                                          <p:attrName>style.visibility</p:attrName>
-                                        </p:attrNameLst>
-                                      </p:cBhvr>
-                                      <p:to>
-                                        <p:strVal val="visible"/>
-                                      </p:to>
-                                    </p:set>
-                                  </p:childTnLst>
-                                </p:cTn>
-                              </p:par>
-                              <p:par>
-                                <p:cTn id="17" presetID="1" presetClass="entr" presetSubtype="0" fill="hold" nodeType="withEffect">
-                                  <p:stCondLst>
-                                    <p:cond delay="0"/>
-                                  </p:stCondLst>
-                                  <p:childTnLst>
-                                    <p:set>
-                                      <p:cBhvr>
-                                        <p:cTn id="18" dur="1" fill="hold">
-                                          <p:stCondLst>
-                                            <p:cond delay="0"/>
-                                          </p:stCondLst>
-                                        </p:cTn>
-                                        <p:tgtEl>
-                                          <p:spTgt spid="3">
-                                            <p:txEl>
-                                              <p:pRg st="11" end="11"/>
-                                            </p:txEl>
-                                          </p:spTgt>
-                                        </p:tgtEl>
-                                        <p:attrNameLst>
-                                          <p:attrName>style.visibility</p:attrName>
-                                        </p:attrNameLst>
-                                      </p:cBhvr>
-                                      <p:to>
-                                        <p:strVal val="visible"/>
-                                      </p:to>
-                                    </p:set>
-                                  </p:childTnLst>
-                                </p:cTn>
-                              </p:par>
-                              <p:par>
-                                <p:cTn id="19" presetID="1" presetClass="entr" presetSubtype="0" fill="hold" nodeType="withEffect">
-                                  <p:stCondLst>
-                                    <p:cond delay="0"/>
-                                  </p:stCondLst>
-                                  <p:childTnLst>
-                                    <p:set>
-                                      <p:cBhvr>
-                                        <p:cTn id="20" dur="1" fill="hold">
-                                          <p:stCondLst>
-                                            <p:cond delay="0"/>
-                                          </p:stCondLst>
-                                        </p:cTn>
-                                        <p:tgtEl>
-                                          <p:spTgt spid="3">
-                                            <p:txEl>
-                                              <p:pRg st="12" end="12"/>
-                                            </p:txEl>
-                                          </p:spTgt>
-                                        </p:tgtEl>
-                                        <p:attrNameLst>
-                                          <p:attrName>style.visibility</p:attrName>
-                                        </p:attrNameLst>
-                                      </p:cBhvr>
-                                      <p:to>
-                                        <p:strVal val="visible"/>
-                                      </p:to>
-                                    </p:set>
-                                  </p:childTnLst>
-                                </p:cTn>
-                              </p:par>
-                              <p:par>
-                                <p:cTn id="21" presetID="1" presetClass="entr" presetSubtype="0" fill="hold" nodeType="withEffect">
-                                  <p:stCondLst>
-                                    <p:cond delay="0"/>
-                                  </p:stCondLst>
-                                  <p:childTnLst>
-                                    <p:set>
-                                      <p:cBhvr>
-                                        <p:cTn id="22" dur="1" fill="hold">
-                                          <p:stCondLst>
-                                            <p:cond delay="0"/>
-                                          </p:stCondLst>
-                                        </p:cTn>
-                                        <p:tgtEl>
-                                          <p:spTgt spid="3">
-                                            <p:txEl>
-                                              <p:pRg st="13" end="13"/>
-                                            </p:txEl>
-                                          </p:spTgt>
-                                        </p:tgtEl>
-                                        <p:attrNameLst>
-                                          <p:attrName>style.visibility</p:attrName>
-                                        </p:attrNameLst>
-                                      </p:cBhvr>
-                                      <p:to>
-                                        <p:strVal val="visible"/>
-                                      </p:to>
-                                    </p:set>
-                                  </p:childTnLst>
-                                </p:cTn>
-                              </p:par>
-                            </p:childTnLst>
-                          </p:cTn>
-                        </p:par>
-                      </p:childTnLst>
-                    </p:cTn>
-                  </p:par>
-                </p:childTnLst>
-              </p:cTn>
-              <p:prevCondLst>
-                <p:cond evt="onPrev" delay="0">
-                  <p:tgtEl>
-                    <p:sldTgt/>
-                  </p:tgtEl>
-                </p:cond>
-              </p:prevCondLst>
-              <p:nextCondLst>
-                <p:cond evt="onNext" delay="0">
-                  <p:tgtEl>
-                    <p:sldTgt/>
-                  </p:tgtEl>
-                </p:cond>
-              </p:nextCondLst>
-            </p:seq>
-          </p:childTnLst>
-        </p:cTn>
-      </p:par>
-    </p:tnLst>
-  </p:timing>
-</p:sld>
-</file>
-
-<file path=ppt/slides/slide17.xml><?xml version="1.0" encoding="utf-8"?>
-<p:sld xmlns:a="http://schemas.openxmlformats.org/drawingml/2006/main" xmlns:r="http://schemas.openxmlformats.org/officeDocument/2006/relationships" xmlns:p="http://schemas.openxmlformats.org/presentationml/2006/main">
-  <p:cSld>
-    <p:spTree>
-      <p:nvGrpSpPr>
-        <p:cNvPr id="1" name=""/>
-        <p:cNvGrpSpPr/>
-        <p:nvPr/>
-      </p:nvGrpSpPr>
-      <p:grpSpPr>
-        <a:xfrm>
-          <a:off x="0" y="0"/>
-          <a:ext cx="0" cy="0"/>
-          <a:chOff x="0" y="0"/>
-          <a:chExt cx="0" cy="0"/>
-        </a:xfrm>
-      </p:grpSpPr>
-      <p:sp>
-        <p:nvSpPr>
-          <p:cNvPr id="15362" name="Title 1"/>
-          <p:cNvSpPr>
-            <a:spLocks noGrp="1"/>
-          </p:cNvSpPr>
-          <p:nvPr>
-            <p:ph type="title"/>
-          </p:nvPr>
-        </p:nvSpPr>
-        <p:spPr/>
-        <p:txBody>
-          <a:bodyPr/>
-          <a:lstStyle/>
-          <a:p>
-            <a:r>
-              <a:rPr lang="en-US" dirty="0">
-                <a:latin typeface="Garamond" charset="0"/>
-              </a:rPr>
-              <a:t>Program 9</a:t>
-            </a:r>
-            <a:r>
-              <a:rPr lang="en-US" dirty="0" smtClean="0">
-                <a:latin typeface="Garamond" charset="0"/>
-              </a:rPr>
-              <a:t> </a:t>
-            </a:r>
-            <a:r>
-              <a:rPr lang="en-US" dirty="0">
-                <a:latin typeface="Garamond" charset="0"/>
-              </a:rPr>
-              <a:t>notes</a:t>
-            </a:r>
-          </a:p>
-        </p:txBody>
-      </p:sp>
-      <p:sp>
-        <p:nvSpPr>
-          <p:cNvPr id="3" name="Content Placeholder 2"/>
-          <p:cNvSpPr>
-            <a:spLocks noGrp="1"/>
-          </p:cNvSpPr>
-          <p:nvPr>
-            <p:ph idx="1"/>
-          </p:nvPr>
-        </p:nvSpPr>
-        <p:spPr/>
-        <p:txBody>
-          <a:bodyPr>
-            <a:normAutofit fontScale="85000" lnSpcReduction="20000"/>
-          </a:bodyPr>
-          <a:lstStyle/>
-          <a:p>
-            <a:pPr>
-              <a:buFont typeface="Wingdings" pitchFamily="2" charset="2"/>
-              <a:buChar char="n"/>
-              <a:defRPr/>
-            </a:pPr>
-            <a:r>
-              <a:rPr lang="en-US" dirty="0" err="1" smtClean="0">
-                <a:ea typeface="+mn-ea"/>
-              </a:rPr>
-              <a:t>DLList</a:t>
-            </a:r>
-            <a:r>
-              <a:rPr lang="en-US" dirty="0" smtClean="0">
-                <a:ea typeface="+mn-ea"/>
-              </a:rPr>
-              <a:t> structure: pointers to first and last nodes</a:t>
-            </a:r>
-          </a:p>
-          <a:p>
-            <a:pPr lvl="1">
-              <a:buFont typeface="Wingdings" pitchFamily="2" charset="2"/>
-              <a:buChar char="q"/>
-              <a:defRPr/>
-            </a:pPr>
-            <a:r>
-              <a:rPr lang="en-US" dirty="0" smtClean="0"/>
-              <a:t>Main program starts with </a:t>
-            </a:r>
-            <a:r>
-              <a:rPr lang="en-US" dirty="0" err="1" smtClean="0"/>
-              <a:t>DLList</a:t>
-            </a:r>
-            <a:r>
-              <a:rPr lang="en-US" dirty="0" smtClean="0"/>
-              <a:t> structure in which both pointers are NULL</a:t>
-            </a:r>
-          </a:p>
-          <a:p>
-            <a:pPr>
-              <a:buFont typeface="Wingdings" pitchFamily="2" charset="2"/>
-              <a:buChar char="n"/>
-              <a:defRPr/>
-            </a:pPr>
-            <a:r>
-              <a:rPr lang="en-US" dirty="0" smtClean="0">
-                <a:ea typeface="+mn-ea"/>
-              </a:rPr>
-              <a:t>DLL </a:t>
-            </a:r>
-            <a:r>
-              <a:rPr lang="en-US" dirty="0" smtClean="0">
-                <a:ea typeface="+mn-ea"/>
-                <a:sym typeface="Wingdings" panose="05000000000000000000" pitchFamily="2" charset="2"/>
-              </a:rPr>
-              <a:t> more pointers to change</a:t>
-            </a:r>
-          </a:p>
-          <a:p>
-            <a:pPr lvl="1">
-              <a:buFont typeface="Wingdings" pitchFamily="2" charset="2"/>
-              <a:buChar char="q"/>
-              <a:defRPr/>
-            </a:pPr>
-            <a:r>
-              <a:rPr lang="en-US" dirty="0" smtClean="0">
-                <a:sym typeface="Wingdings" panose="05000000000000000000" pitchFamily="2" charset="2"/>
-              </a:rPr>
-              <a:t>Adding to list</a:t>
-            </a:r>
-          </a:p>
-          <a:p>
-            <a:pPr lvl="2">
-              <a:buFont typeface="Wingdings" pitchFamily="2" charset="2"/>
-              <a:buChar char="n"/>
-              <a:defRPr/>
-            </a:pPr>
-            <a:r>
-              <a:rPr lang="en-US" dirty="0" smtClean="0">
-                <a:sym typeface="Wingdings" panose="05000000000000000000" pitchFamily="2" charset="2"/>
-              </a:rPr>
-              <a:t>Must dynamically allocate space for string to add it</a:t>
-            </a:r>
-          </a:p>
-          <a:p>
-            <a:pPr lvl="2">
-              <a:buFont typeface="Wingdings" pitchFamily="2" charset="2"/>
-              <a:buChar char="n"/>
-              <a:defRPr/>
-            </a:pPr>
-            <a:r>
-              <a:rPr lang="en-US" dirty="0" smtClean="0">
-                <a:sym typeface="Wingdings" panose="05000000000000000000" pitchFamily="2" charset="2"/>
-              </a:rPr>
-              <a:t>Make sure that </a:t>
-            </a:r>
-            <a:r>
-              <a:rPr lang="en-US" dirty="0" err="1" smtClean="0">
-                <a:sym typeface="Wingdings" panose="05000000000000000000" pitchFamily="2" charset="2"/>
-              </a:rPr>
-              <a:t>prev</a:t>
-            </a:r>
-            <a:r>
-              <a:rPr lang="en-US" dirty="0" smtClean="0">
-                <a:sym typeface="Wingdings" panose="05000000000000000000" pitchFamily="2" charset="2"/>
-              </a:rPr>
-              <a:t> &amp; next pointers are set in all appropriate nodes</a:t>
-            </a:r>
-          </a:p>
-          <a:p>
-            <a:pPr lvl="3">
-              <a:buFont typeface="Wingdings" pitchFamily="2" charset="2"/>
-              <a:buChar char="q"/>
-              <a:defRPr/>
-            </a:pPr>
-            <a:r>
-              <a:rPr lang="en-US" dirty="0" smtClean="0">
-                <a:sym typeface="Wingdings" panose="05000000000000000000" pitchFamily="2" charset="2"/>
-              </a:rPr>
-              <a:t>New node, previous node, next node</a:t>
-            </a:r>
-          </a:p>
-          <a:p>
-            <a:pPr lvl="2">
-              <a:buFont typeface="Wingdings" pitchFamily="2" charset="2"/>
-              <a:buChar char="n"/>
-              <a:defRPr/>
-            </a:pPr>
-            <a:r>
-              <a:rPr lang="en-US" dirty="0" smtClean="0"/>
-              <a:t>Special cases for empty list, first node, and last node</a:t>
-            </a:r>
-          </a:p>
-          <a:p>
-            <a:pPr lvl="1">
-              <a:buFont typeface="Wingdings" pitchFamily="2" charset="2"/>
-              <a:buChar char="q"/>
-              <a:defRPr/>
-            </a:pPr>
-            <a:r>
-              <a:rPr lang="en-US" dirty="0" smtClean="0"/>
-              <a:t>Deleting from list</a:t>
-            </a:r>
-          </a:p>
-          <a:p>
-            <a:pPr lvl="2">
-              <a:buFont typeface="Wingdings" pitchFamily="2" charset="2"/>
-              <a:buChar char="n"/>
-              <a:defRPr/>
-            </a:pPr>
-            <a:r>
-              <a:rPr lang="en-US" dirty="0" smtClean="0"/>
-              <a:t>Previous &amp; next nodes must point past node to be removed</a:t>
-            </a:r>
-          </a:p>
-          <a:p>
-            <a:pPr lvl="2">
-              <a:buFont typeface="Wingdings" pitchFamily="2" charset="2"/>
-              <a:buChar char="n"/>
-              <a:defRPr/>
-            </a:pPr>
-            <a:r>
-              <a:rPr lang="en-US" dirty="0" smtClean="0"/>
-              <a:t>Special cases for first node, last node, and list with </a:t>
-            </a:r>
-            <a:r>
-              <a:rPr lang="en-US" smtClean="0"/>
-              <a:t>one item</a:t>
-            </a:r>
-            <a:endParaRPr lang="en-US" dirty="0" smtClean="0"/>
-          </a:p>
-          <a:p>
-            <a:pPr lvl="2">
-              <a:buFont typeface="Wingdings" pitchFamily="2" charset="2"/>
-              <a:buChar char="n"/>
-              <a:defRPr/>
-            </a:pPr>
-            <a:r>
-              <a:rPr lang="en-US" dirty="0" smtClean="0"/>
-              <a:t>Make sure you free string before freeing node</a:t>
-            </a:r>
-          </a:p>
-          <a:p>
-            <a:pPr lvl="1">
-              <a:buFont typeface="Wingdings" pitchFamily="2" charset="2"/>
-              <a:buChar char="q"/>
-              <a:defRPr/>
-            </a:pPr>
-            <a:r>
-              <a:rPr lang="en-US" dirty="0" smtClean="0"/>
-              <a:t>Finding, printing: similar to basic linked list</a:t>
-            </a:r>
-            <a:endParaRPr lang="en-US" dirty="0"/>
-          </a:p>
-        </p:txBody>
-      </p:sp>
-      <p:sp>
-        <p:nvSpPr>
-          <p:cNvPr id="4" name="Date Placeholder 3"/>
-          <p:cNvSpPr>
-            <a:spLocks noGrp="1"/>
-          </p:cNvSpPr>
-          <p:nvPr>
-            <p:ph type="dt" sz="quarter" idx="10"/>
-          </p:nvPr>
-        </p:nvSpPr>
-        <p:spPr/>
-        <p:txBody>
-          <a:bodyPr/>
-          <a:lstStyle>
-            <a:lvl1pPr eaLnBrk="0" hangingPunct="0">
-              <a:defRPr>
-                <a:solidFill>
-                  <a:schemeClr val="tx1"/>
-                </a:solidFill>
-                <a:latin typeface="Arial" charset="0"/>
-                <a:ea typeface="ＭＳ Ｐゴシック" charset="0"/>
-                <a:cs typeface="Arial" charset="0"/>
-              </a:defRPr>
-            </a:lvl1pPr>
-            <a:lvl2pPr marL="742950" indent="-285750" eaLnBrk="0" hangingPunct="0">
-              <a:defRPr>
-                <a:solidFill>
-                  <a:schemeClr val="tx1"/>
-                </a:solidFill>
-                <a:latin typeface="Arial" charset="0"/>
-                <a:ea typeface="Arial" charset="0"/>
-                <a:cs typeface="Arial" charset="0"/>
-              </a:defRPr>
-            </a:lvl2pPr>
-            <a:lvl3pPr marL="1143000" indent="-228600" eaLnBrk="0" hangingPunct="0">
-              <a:defRPr>
-                <a:solidFill>
-                  <a:schemeClr val="tx1"/>
-                </a:solidFill>
-                <a:latin typeface="Arial" charset="0"/>
-                <a:ea typeface="Arial" charset="0"/>
-                <a:cs typeface="Arial" charset="0"/>
-              </a:defRPr>
-            </a:lvl3pPr>
-            <a:lvl4pPr marL="1600200" indent="-228600" eaLnBrk="0" hangingPunct="0">
-              <a:defRPr>
-                <a:solidFill>
-                  <a:schemeClr val="tx1"/>
-                </a:solidFill>
-                <a:latin typeface="Arial" charset="0"/>
-                <a:ea typeface="Arial" charset="0"/>
-                <a:cs typeface="Arial" charset="0"/>
-              </a:defRPr>
-            </a:lvl4pPr>
-            <a:lvl5pPr marL="2057400" indent="-228600" eaLnBrk="0" hangingPunct="0">
-              <a:defRPr>
-                <a:solidFill>
-                  <a:schemeClr val="tx1"/>
-                </a:solidFill>
-                <a:latin typeface="Arial" charset="0"/>
-                <a:ea typeface="Arial" charset="0"/>
-                <a:cs typeface="Arial" charset="0"/>
-              </a:defRPr>
-            </a:lvl5pPr>
-            <a:lvl6pPr marL="2514600" indent="-228600" eaLnBrk="0" fontAlgn="base" hangingPunct="0">
-              <a:spcBef>
-                <a:spcPct val="0"/>
-              </a:spcBef>
-              <a:spcAft>
-                <a:spcPct val="0"/>
-              </a:spcAft>
-              <a:defRPr>
-                <a:solidFill>
-                  <a:schemeClr val="tx1"/>
-                </a:solidFill>
-                <a:latin typeface="Arial" charset="0"/>
-                <a:ea typeface="Arial" charset="0"/>
-                <a:cs typeface="Arial" charset="0"/>
-              </a:defRPr>
-            </a:lvl6pPr>
-            <a:lvl7pPr marL="2971800" indent="-228600" eaLnBrk="0" fontAlgn="base" hangingPunct="0">
-              <a:spcBef>
-                <a:spcPct val="0"/>
-              </a:spcBef>
-              <a:spcAft>
-                <a:spcPct val="0"/>
-              </a:spcAft>
-              <a:defRPr>
-                <a:solidFill>
-                  <a:schemeClr val="tx1"/>
-                </a:solidFill>
-                <a:latin typeface="Arial" charset="0"/>
-                <a:ea typeface="Arial" charset="0"/>
-                <a:cs typeface="Arial" charset="0"/>
-              </a:defRPr>
-            </a:lvl7pPr>
-            <a:lvl8pPr marL="3429000" indent="-228600" eaLnBrk="0" fontAlgn="base" hangingPunct="0">
-              <a:spcBef>
-                <a:spcPct val="0"/>
-              </a:spcBef>
-              <a:spcAft>
-                <a:spcPct val="0"/>
-              </a:spcAft>
-              <a:defRPr>
-                <a:solidFill>
-                  <a:schemeClr val="tx1"/>
-                </a:solidFill>
-                <a:latin typeface="Arial" charset="0"/>
-                <a:ea typeface="Arial" charset="0"/>
-                <a:cs typeface="Arial" charset="0"/>
-              </a:defRPr>
-            </a:lvl8pPr>
-            <a:lvl9pPr marL="3886200" indent="-228600" eaLnBrk="0" fontAlgn="base" hangingPunct="0">
-              <a:spcBef>
-                <a:spcPct val="0"/>
-              </a:spcBef>
-              <a:spcAft>
-                <a:spcPct val="0"/>
-              </a:spcAft>
-              <a:defRPr>
-                <a:solidFill>
-                  <a:schemeClr val="tx1"/>
-                </a:solidFill>
-                <a:latin typeface="Arial" charset="0"/>
-                <a:ea typeface="Arial" charset="0"/>
-                <a:cs typeface="Arial" charset="0"/>
-              </a:defRPr>
-            </a:lvl9pPr>
-          </a:lstStyle>
-          <a:p>
-            <a:pPr eaLnBrk="1" hangingPunct="1"/>
-            <a:fld id="{793D574A-D372-214E-9065-10F64795A406}" type="datetime1">
-              <a:rPr lang="en-US" smtClean="0">
-                <a:latin typeface="Garamond" charset="0"/>
-              </a:rPr>
-              <a:t>11/30/16</a:t>
-            </a:fld>
-            <a:endParaRPr lang="en-US">
-              <a:latin typeface="Garamond" charset="0"/>
-            </a:endParaRPr>
-          </a:p>
-        </p:txBody>
-      </p:sp>
-      <p:sp>
-        <p:nvSpPr>
-          <p:cNvPr id="5" name="Footer Placeholder 4"/>
-          <p:cNvSpPr>
-            <a:spLocks noGrp="1"/>
-          </p:cNvSpPr>
-          <p:nvPr>
-            <p:ph type="ftr" sz="quarter" idx="11"/>
-          </p:nvPr>
-        </p:nvSpPr>
-        <p:spPr/>
-        <p:txBody>
-          <a:bodyPr/>
-          <a:lstStyle/>
-          <a:p>
-            <a:pPr>
-              <a:defRPr/>
-            </a:pPr>
-            <a:r>
-              <a:rPr lang="en-US" altLang="en-US" smtClean="0"/>
-              <a:t>ECE Application Programming: Lecture 35</a:t>
-            </a:r>
-            <a:endParaRPr lang="en-US" altLang="en-US"/>
-          </a:p>
-        </p:txBody>
-      </p:sp>
-      <p:sp>
-        <p:nvSpPr>
-          <p:cNvPr id="6" name="Slide Number Placeholder 5"/>
-          <p:cNvSpPr>
-            <a:spLocks noGrp="1"/>
-          </p:cNvSpPr>
-          <p:nvPr>
-            <p:ph type="sldNum" sz="quarter" idx="12"/>
-          </p:nvPr>
-        </p:nvSpPr>
-        <p:spPr/>
-        <p:txBody>
-          <a:bodyPr/>
-          <a:lstStyle>
-            <a:lvl1pPr eaLnBrk="0" hangingPunct="0">
-              <a:defRPr>
-                <a:solidFill>
-                  <a:schemeClr val="tx1"/>
-                </a:solidFill>
-                <a:latin typeface="Arial" charset="0"/>
-                <a:ea typeface="ＭＳ Ｐゴシック" charset="0"/>
-                <a:cs typeface="Arial" charset="0"/>
-              </a:defRPr>
-            </a:lvl1pPr>
-            <a:lvl2pPr marL="742950" indent="-285750" eaLnBrk="0" hangingPunct="0">
-              <a:defRPr>
-                <a:solidFill>
-                  <a:schemeClr val="tx1"/>
-                </a:solidFill>
-                <a:latin typeface="Arial" charset="0"/>
-                <a:ea typeface="Arial" charset="0"/>
-                <a:cs typeface="Arial" charset="0"/>
-              </a:defRPr>
-            </a:lvl2pPr>
-            <a:lvl3pPr marL="1143000" indent="-228600" eaLnBrk="0" hangingPunct="0">
-              <a:defRPr>
-                <a:solidFill>
-                  <a:schemeClr val="tx1"/>
-                </a:solidFill>
-                <a:latin typeface="Arial" charset="0"/>
-                <a:ea typeface="Arial" charset="0"/>
-                <a:cs typeface="Arial" charset="0"/>
-              </a:defRPr>
-            </a:lvl3pPr>
-            <a:lvl4pPr marL="1600200" indent="-228600" eaLnBrk="0" hangingPunct="0">
-              <a:defRPr>
-                <a:solidFill>
-                  <a:schemeClr val="tx1"/>
-                </a:solidFill>
-                <a:latin typeface="Arial" charset="0"/>
-                <a:ea typeface="Arial" charset="0"/>
-                <a:cs typeface="Arial" charset="0"/>
-              </a:defRPr>
-            </a:lvl4pPr>
-            <a:lvl5pPr marL="2057400" indent="-228600" eaLnBrk="0" hangingPunct="0">
-              <a:defRPr>
-                <a:solidFill>
-                  <a:schemeClr val="tx1"/>
-                </a:solidFill>
-                <a:latin typeface="Arial" charset="0"/>
-                <a:ea typeface="Arial" charset="0"/>
-                <a:cs typeface="Arial" charset="0"/>
-              </a:defRPr>
-            </a:lvl5pPr>
-            <a:lvl6pPr marL="2514600" indent="-228600" eaLnBrk="0" fontAlgn="base" hangingPunct="0">
-              <a:spcBef>
-                <a:spcPct val="0"/>
-              </a:spcBef>
-              <a:spcAft>
-                <a:spcPct val="0"/>
-              </a:spcAft>
-              <a:defRPr>
-                <a:solidFill>
-                  <a:schemeClr val="tx1"/>
-                </a:solidFill>
-                <a:latin typeface="Arial" charset="0"/>
-                <a:ea typeface="Arial" charset="0"/>
-                <a:cs typeface="Arial" charset="0"/>
-              </a:defRPr>
-            </a:lvl6pPr>
-            <a:lvl7pPr marL="2971800" indent="-228600" eaLnBrk="0" fontAlgn="base" hangingPunct="0">
-              <a:spcBef>
-                <a:spcPct val="0"/>
-              </a:spcBef>
-              <a:spcAft>
-                <a:spcPct val="0"/>
-              </a:spcAft>
-              <a:defRPr>
-                <a:solidFill>
-                  <a:schemeClr val="tx1"/>
-                </a:solidFill>
-                <a:latin typeface="Arial" charset="0"/>
-                <a:ea typeface="Arial" charset="0"/>
-                <a:cs typeface="Arial" charset="0"/>
-              </a:defRPr>
-            </a:lvl7pPr>
-            <a:lvl8pPr marL="3429000" indent="-228600" eaLnBrk="0" fontAlgn="base" hangingPunct="0">
-              <a:spcBef>
-                <a:spcPct val="0"/>
-              </a:spcBef>
-              <a:spcAft>
-                <a:spcPct val="0"/>
-              </a:spcAft>
-              <a:defRPr>
-                <a:solidFill>
-                  <a:schemeClr val="tx1"/>
-                </a:solidFill>
-                <a:latin typeface="Arial" charset="0"/>
-                <a:ea typeface="Arial" charset="0"/>
-                <a:cs typeface="Arial" charset="0"/>
-              </a:defRPr>
-            </a:lvl8pPr>
-            <a:lvl9pPr marL="3886200" indent="-228600" eaLnBrk="0" fontAlgn="base" hangingPunct="0">
-              <a:spcBef>
-                <a:spcPct val="0"/>
-              </a:spcBef>
-              <a:spcAft>
-                <a:spcPct val="0"/>
-              </a:spcAft>
-              <a:defRPr>
-                <a:solidFill>
-                  <a:schemeClr val="tx1"/>
-                </a:solidFill>
-                <a:latin typeface="Arial" charset="0"/>
-                <a:ea typeface="Arial" charset="0"/>
-                <a:cs typeface="Arial" charset="0"/>
-              </a:defRPr>
-            </a:lvl9pPr>
-          </a:lstStyle>
-          <a:p>
-            <a:pPr eaLnBrk="1" hangingPunct="1"/>
             <a:fld id="{276B7B8D-46CD-384A-9E0F-0572086C9505}" type="slidenum">
               <a:rPr lang="en-US">
                 <a:latin typeface="Garamond" charset="0"/>
               </a:rPr>
               <a:pPr eaLnBrk="1" hangingPunct="1"/>
-              <a:t>17</a:t>
+              <a:t>10</a:t>
             </a:fld>
             <a:endParaRPr lang="en-US">
               <a:latin typeface="Garamond" charset="0"/>
@@ -13654,7 +6108,7 @@
 </p:sld>
 </file>
 
-<file path=ppt/slides/slide18.xml><?xml version="1.0" encoding="utf-8"?>
+<file path=ppt/slides/slide11.xml><?xml version="1.0" encoding="utf-8"?>
 <p:sld xmlns:a="http://schemas.openxmlformats.org/drawingml/2006/main" xmlns:r="http://schemas.openxmlformats.org/officeDocument/2006/relationships" xmlns:p="http://schemas.openxmlformats.org/presentationml/2006/main">
   <p:cSld>
     <p:spTree>
@@ -13721,7 +6175,13 @@
               <a:rPr lang="en-US" sz="2800" dirty="0" smtClean="0">
                 <a:latin typeface="Arial" charset="0"/>
               </a:rPr>
-              <a:t>File I/O</a:t>
+              <a:t>Linked lists: deleting</a:t>
+            </a:r>
+            <a:r>
+              <a:rPr lang="en-US" sz="2800" smtClean="0">
+                <a:latin typeface="Arial" charset="0"/>
+              </a:rPr>
+              <a:t>, ordering</a:t>
             </a:r>
             <a:endParaRPr lang="en-US" sz="2400" dirty="0">
               <a:latin typeface="Arial" charset="0"/>
@@ -13895,11 +6355,7 @@
             </a:r>
             <a:r>
               <a:rPr lang="en-US" dirty="0" smtClean="0"/>
-              <a:t>until end </a:t>
-            </a:r>
-            <a:r>
-              <a:rPr lang="en-US" smtClean="0"/>
-              <a:t>of classes</a:t>
+              <a:t>until end of classes</a:t>
             </a:r>
             <a:endParaRPr lang="en-US" dirty="0"/>
           </a:p>
@@ -14052,7 +6508,7 @@
             <a:pPr eaLnBrk="0" hangingPunct="0"/>
             <a:fld id="{CDEB9B04-39AF-F546-94E1-5AC47F3AA488}" type="datetime1">
               <a:rPr lang="en-US" sz="1200" smtClean="0"/>
-              <a:t>11/30/16</a:t>
+              <a:t>12/2/16</a:t>
             </a:fld>
             <a:endParaRPr lang="en-US" sz="1200" dirty="0"/>
           </a:p>
@@ -14212,7 +6668,7 @@
             <a:fld id="{843FFED0-5613-D747-AC8F-CF84A7339BF4}" type="slidenum">
               <a:rPr lang="en-US" sz="1200"/>
               <a:pPr eaLnBrk="0" hangingPunct="0"/>
-              <a:t>18</a:t>
+              <a:t>11</a:t>
             </a:fld>
             <a:endParaRPr lang="en-US" sz="1200"/>
           </a:p>
@@ -14380,23 +6836,8 @@
                 </a:solidFill>
                 <a:latin typeface="Arial" charset="0"/>
               </a:rPr>
-              <a:t>Program 6/7 regrades due </a:t>
-            </a:r>
-            <a:r>
-              <a:rPr lang="en-US" dirty="0" smtClean="0">
-                <a:solidFill>
-                  <a:srgbClr val="000000"/>
-                </a:solidFill>
-                <a:latin typeface="Arial" charset="0"/>
-              </a:rPr>
-              <a:t>12/7</a:t>
-            </a:r>
-            <a:endParaRPr lang="en-US" dirty="0" smtClean="0">
-              <a:solidFill>
-                <a:srgbClr val="000000"/>
-              </a:solidFill>
-              <a:latin typeface="Arial" charset="0"/>
-            </a:endParaRPr>
+              <a:t>Program 6/7 regrades due 12/7</a:t>
+            </a:r>
           </a:p>
           <a:p>
             <a:pPr lvl="1">
@@ -14404,19 +6845,7 @@
             </a:pPr>
             <a:r>
               <a:rPr lang="en-US" dirty="0" smtClean="0"/>
-              <a:t>Program </a:t>
-            </a:r>
-            <a:r>
-              <a:rPr lang="en-US" dirty="0" smtClean="0"/>
-              <a:t>9 </a:t>
-            </a:r>
-            <a:r>
-              <a:rPr lang="en-US" dirty="0" smtClean="0"/>
-              <a:t>due </a:t>
-            </a:r>
-            <a:r>
-              <a:rPr lang="en-US" dirty="0" smtClean="0"/>
-              <a:t>12/9</a:t>
+              <a:t>Program 9 due 12/9</a:t>
             </a:r>
           </a:p>
           <a:p>
@@ -14430,13 +6859,8 @@
             <a:pPr lvl="1"/>
             <a:r>
               <a:rPr lang="en-US" dirty="0" smtClean="0"/>
-              <a:t>Thursday office </a:t>
-            </a:r>
-            <a:r>
-              <a:rPr lang="en-US" dirty="0" smtClean="0"/>
-              <a:t>hours back on until end of classes</a:t>
-            </a:r>
-            <a:endParaRPr lang="en-US" dirty="0" smtClean="0"/>
+              <a:t>Thursday office hours back on until end of classes</a:t>
+            </a:r>
           </a:p>
           <a:p>
             <a:r>
@@ -14557,7 +6981,7 @@
           <a:p>
             <a:fld id="{69242376-6446-4C4F-9F2A-DDA3BB5E2C48}" type="datetime1">
               <a:rPr lang="en-US" sz="1200" smtClean="0"/>
-              <a:t>11/30/16</a:t>
+              <a:t>12/2/16</a:t>
             </a:fld>
             <a:endParaRPr lang="en-US" sz="1200" dirty="0"/>
           </a:p>
@@ -15045,7 +7469,7 @@
               <a:rPr lang="en-US" sz="1200" smtClean="0">
                 <a:latin typeface="Garamond" charset="0"/>
               </a:rPr>
-              <a:t>11/30/16</a:t>
+              <a:t>12/2/16</a:t>
             </a:fld>
             <a:endParaRPr lang="en-US" sz="1200">
               <a:latin typeface="Garamond" charset="0"/>
@@ -15580,19 +8004,7 @@
               <a:rPr lang="en-US" altLang="ja-JP" sz="2400" dirty="0" smtClean="0">
                 <a:latin typeface="Arial" charset="0"/>
               </a:rPr>
-              <a:t>name</a:t>
-            </a:r>
-            <a:r>
-              <a:rPr lang="en-US" altLang="ja-JP" sz="2400" dirty="0" smtClean="0">
-                <a:latin typeface="Arial" charset="0"/>
-              </a:rPr>
-              <a:t>”</a:t>
-            </a:r>
-            <a:r>
-              <a:rPr lang="en-US" altLang="ja-JP" sz="2400" dirty="0" smtClean="0">
-                <a:latin typeface="Arial" charset="0"/>
-              </a:rPr>
-              <a:t> </a:t>
+              <a:t>name” </a:t>
             </a:r>
             <a:r>
               <a:rPr lang="en-US" altLang="ja-JP" sz="2400" dirty="0">
@@ -15799,7 +8211,7 @@
               <a:rPr lang="en-US" sz="1200" smtClean="0">
                 <a:latin typeface="Garamond" charset="0"/>
               </a:rPr>
-              <a:t>11/30/16</a:t>
+              <a:t>12/2/16</a:t>
             </a:fld>
             <a:endParaRPr lang="en-US" sz="1200">
               <a:latin typeface="Garamond" charset="0"/>
@@ -17505,7 +9917,7 @@
               <a:rPr lang="en-US" sz="1200" smtClean="0">
                 <a:latin typeface="Garamond" charset="0"/>
               </a:rPr>
-              <a:t>11/30/16</a:t>
+              <a:t>12/2/16</a:t>
             </a:fld>
             <a:endParaRPr lang="en-US" sz="1200">
               <a:latin typeface="Garamond" charset="0"/>
@@ -18244,7 +10656,7 @@
                 <a:latin typeface="Garamond" charset="0"/>
                 <a:cs typeface="Arial" charset="0"/>
               </a:rPr>
-              <a:t>11/30/16</a:t>
+              <a:t>12/2/16</a:t>
             </a:fld>
             <a:endParaRPr lang="en-US" sz="1200">
               <a:latin typeface="Garamond" charset="0"/>
@@ -19243,7 +11655,7 @@
                 <a:latin typeface="Garamond" charset="0"/>
                 <a:cs typeface="Arial" charset="0"/>
               </a:rPr>
-              <a:t>11/30/16</a:t>
+              <a:t>12/2/16</a:t>
             </a:fld>
             <a:endParaRPr lang="en-US" sz="1200">
               <a:latin typeface="Garamond" charset="0"/>
@@ -20649,7 +13061,7 @@
                 <a:latin typeface="Garamond" charset="0"/>
                 <a:cs typeface="Arial" charset="0"/>
               </a:rPr>
-              <a:t>11/30/16</a:t>
+              <a:t>12/2/16</a:t>
             </a:fld>
             <a:endParaRPr lang="en-US" sz="1200">
               <a:latin typeface="Garamond" charset="0"/>
@@ -21654,7 +14066,7 @@
                 <a:latin typeface="Garamond" charset="0"/>
                 <a:cs typeface="Arial" charset="0"/>
               </a:rPr>
-              <a:t>11/30/16</a:t>
+              <a:t>12/2/16</a:t>
             </a:fld>
             <a:endParaRPr lang="en-US" sz="1200">
               <a:latin typeface="Garamond" charset="0"/>
